--- a/format_encodings/documents/Bitwise Operations.pptx
+++ b/format_encodings/documents/Bitwise Operations.pptx
@@ -16,17 +16,16 @@
     <p:sldId id="261" r:id="rId12"/>
     <p:sldId id="262" r:id="rId13"/>
     <p:sldId id="263" r:id="rId14"/>
-    <p:sldId id="264" r:id="rId15"/>
   </p:sldIdLst>
   <p:sldSz cy="5143500" cx="9144000"/>
   <p:notesSz cx="6858000" cy="9144000"/>
   <p:embeddedFontLst>
     <p:embeddedFont>
       <p:font typeface="Source Code Pro"/>
-      <p:regular r:id="rId16"/>
-      <p:bold r:id="rId17"/>
-      <p:italic r:id="rId18"/>
-      <p:boldItalic r:id="rId19"/>
+      <p:regular r:id="rId15"/>
+      <p:bold r:id="rId16"/>
+      <p:italic r:id="rId17"/>
+      <p:boldItalic r:id="rId18"/>
     </p:embeddedFont>
   </p:embeddedFontLst>
   <p:defaultTextStyle>
@@ -722,7 +721,7 @@
       </p:grpSpPr>
       <p:sp>
         <p:nvSpPr>
-          <p:cNvPr id="51" name="Google Shape;51;g797e4ff217_0_0:notes"/>
+          <p:cNvPr id="51" name="Google Shape;51;g10e6aad98fb_0_254:notes"/>
           <p:cNvSpPr/>
           <p:nvPr>
             <p:ph idx="2" type="sldImg"/>
@@ -757,7 +756,7 @@
       </p:sp>
       <p:sp>
         <p:nvSpPr>
-          <p:cNvPr id="52" name="Google Shape;52;g797e4ff217_0_0:notes"/>
+          <p:cNvPr id="52" name="Google Shape;52;g10e6aad98fb_0_254:notes"/>
           <p:cNvSpPr txBox="1"/>
           <p:nvPr>
             <p:ph idx="1" type="body"/>
@@ -807,7 +806,7 @@
   <p:cSld>
     <p:spTree>
       <p:nvGrpSpPr>
-        <p:cNvPr id="56" name="Shape 56"/>
+        <p:cNvPr id="57" name="Shape 57"/>
         <p:cNvGrpSpPr/>
         <p:nvPr/>
       </p:nvGrpSpPr>
@@ -821,7 +820,7 @@
       </p:grpSpPr>
       <p:sp>
         <p:nvSpPr>
-          <p:cNvPr id="57" name="Google Shape;57;g10e6aad98fb_0_254:notes"/>
+          <p:cNvPr id="58" name="Google Shape;58;g10e6aad98fb_0_227:notes"/>
           <p:cNvSpPr/>
           <p:nvPr>
             <p:ph idx="2" type="sldImg"/>
@@ -856,7 +855,7 @@
       </p:sp>
       <p:sp>
         <p:nvSpPr>
-          <p:cNvPr id="58" name="Google Shape;58;g10e6aad98fb_0_254:notes"/>
+          <p:cNvPr id="59" name="Google Shape;59;g10e6aad98fb_0_227:notes"/>
           <p:cNvSpPr txBox="1"/>
           <p:nvPr>
             <p:ph idx="1" type="body"/>
@@ -906,7 +905,7 @@
   <p:cSld>
     <p:spTree>
       <p:nvGrpSpPr>
-        <p:cNvPr id="63" name="Shape 63"/>
+        <p:cNvPr id="153" name="Shape 153"/>
         <p:cNvGrpSpPr/>
         <p:nvPr/>
       </p:nvGrpSpPr>
@@ -920,7 +919,7 @@
       </p:grpSpPr>
       <p:sp>
         <p:nvSpPr>
-          <p:cNvPr id="64" name="Google Shape;64;g10e6aad98fb_0_227:notes"/>
+          <p:cNvPr id="154" name="Google Shape;154;g10e6aad98fb_0_450:notes"/>
           <p:cNvSpPr/>
           <p:nvPr>
             <p:ph idx="2" type="sldImg"/>
@@ -955,7 +954,7 @@
       </p:sp>
       <p:sp>
         <p:nvSpPr>
-          <p:cNvPr id="65" name="Google Shape;65;g10e6aad98fb_0_227:notes"/>
+          <p:cNvPr id="155" name="Google Shape;155;g10e6aad98fb_0_450:notes"/>
           <p:cNvSpPr txBox="1"/>
           <p:nvPr>
             <p:ph idx="1" type="body"/>
@@ -1005,7 +1004,7 @@
   <p:cSld>
     <p:spTree>
       <p:nvGrpSpPr>
-        <p:cNvPr id="159" name="Shape 159"/>
+        <p:cNvPr id="213" name="Shape 213"/>
         <p:cNvGrpSpPr/>
         <p:nvPr/>
       </p:nvGrpSpPr>
@@ -1019,7 +1018,7 @@
       </p:grpSpPr>
       <p:sp>
         <p:nvSpPr>
-          <p:cNvPr id="160" name="Google Shape;160;g10e6aad98fb_0_450:notes"/>
+          <p:cNvPr id="214" name="Google Shape;214;g10e6aad98fb_0_621:notes"/>
           <p:cNvSpPr/>
           <p:nvPr>
             <p:ph idx="2" type="sldImg"/>
@@ -1054,7 +1053,7 @@
       </p:sp>
       <p:sp>
         <p:nvSpPr>
-          <p:cNvPr id="161" name="Google Shape;161;g10e6aad98fb_0_450:notes"/>
+          <p:cNvPr id="215" name="Google Shape;215;g10e6aad98fb_0_621:notes"/>
           <p:cNvSpPr txBox="1"/>
           <p:nvPr>
             <p:ph idx="1" type="body"/>
@@ -1104,7 +1103,7 @@
   <p:cSld>
     <p:spTree>
       <p:nvGrpSpPr>
-        <p:cNvPr id="219" name="Shape 219"/>
+        <p:cNvPr id="259" name="Shape 259"/>
         <p:cNvGrpSpPr/>
         <p:nvPr/>
       </p:nvGrpSpPr>
@@ -1118,7 +1117,7 @@
       </p:grpSpPr>
       <p:sp>
         <p:nvSpPr>
-          <p:cNvPr id="220" name="Google Shape;220;g10e6aad98fb_0_621:notes"/>
+          <p:cNvPr id="260" name="Google Shape;260;g10e6aad98fb_0_690:notes"/>
           <p:cNvSpPr/>
           <p:nvPr>
             <p:ph idx="2" type="sldImg"/>
@@ -1153,7 +1152,7 @@
       </p:sp>
       <p:sp>
         <p:nvSpPr>
-          <p:cNvPr id="221" name="Google Shape;221;g10e6aad98fb_0_621:notes"/>
+          <p:cNvPr id="261" name="Google Shape;261;g10e6aad98fb_0_690:notes"/>
           <p:cNvSpPr txBox="1"/>
           <p:nvPr>
             <p:ph idx="1" type="body"/>
@@ -1203,7 +1202,7 @@
   <p:cSld>
     <p:spTree>
       <p:nvGrpSpPr>
-        <p:cNvPr id="265" name="Shape 265"/>
+        <p:cNvPr id="358" name="Shape 358"/>
         <p:cNvGrpSpPr/>
         <p:nvPr/>
       </p:nvGrpSpPr>
@@ -1217,7 +1216,7 @@
       </p:grpSpPr>
       <p:sp>
         <p:nvSpPr>
-          <p:cNvPr id="266" name="Google Shape;266;g10e6aad98fb_0_690:notes"/>
+          <p:cNvPr id="359" name="Google Shape;359;g10ef041b17f_0_0:notes"/>
           <p:cNvSpPr/>
           <p:nvPr>
             <p:ph idx="2" type="sldImg"/>
@@ -1252,7 +1251,7 @@
       </p:sp>
       <p:sp>
         <p:nvSpPr>
-          <p:cNvPr id="267" name="Google Shape;267;g10e6aad98fb_0_690:notes"/>
+          <p:cNvPr id="360" name="Google Shape;360;g10ef041b17f_0_0:notes"/>
           <p:cNvSpPr txBox="1"/>
           <p:nvPr>
             <p:ph idx="1" type="body"/>
@@ -1302,7 +1301,7 @@
   <p:cSld>
     <p:spTree>
       <p:nvGrpSpPr>
-        <p:cNvPr id="364" name="Shape 364"/>
+        <p:cNvPr id="446" name="Shape 446"/>
         <p:cNvGrpSpPr/>
         <p:nvPr/>
       </p:nvGrpSpPr>
@@ -1316,7 +1315,7 @@
       </p:grpSpPr>
       <p:sp>
         <p:nvSpPr>
-          <p:cNvPr id="365" name="Google Shape;365;g10ef041b17f_0_0:notes"/>
+          <p:cNvPr id="447" name="Google Shape;447;g10e6aad98fb_0_824:notes"/>
           <p:cNvSpPr/>
           <p:nvPr>
             <p:ph idx="2" type="sldImg"/>
@@ -1351,7 +1350,7 @@
       </p:sp>
       <p:sp>
         <p:nvSpPr>
-          <p:cNvPr id="366" name="Google Shape;366;g10ef041b17f_0_0:notes"/>
+          <p:cNvPr id="448" name="Google Shape;448;g10e6aad98fb_0_824:notes"/>
           <p:cNvSpPr txBox="1"/>
           <p:nvPr>
             <p:ph idx="1" type="body"/>
@@ -1401,7 +1400,7 @@
   <p:cSld>
     <p:spTree>
       <p:nvGrpSpPr>
-        <p:cNvPr id="452" name="Shape 452"/>
+        <p:cNvPr id="533" name="Shape 533"/>
         <p:cNvGrpSpPr/>
         <p:nvPr/>
       </p:nvGrpSpPr>
@@ -1415,7 +1414,7 @@
       </p:grpSpPr>
       <p:sp>
         <p:nvSpPr>
-          <p:cNvPr id="453" name="Google Shape;453;g10e6aad98fb_0_824:notes"/>
+          <p:cNvPr id="534" name="Google Shape;534;gc097ce2df9_0_557:notes"/>
           <p:cNvSpPr/>
           <p:nvPr>
             <p:ph idx="2" type="sldImg"/>
@@ -1450,106 +1449,7 @@
       </p:sp>
       <p:sp>
         <p:nvSpPr>
-          <p:cNvPr id="454" name="Google Shape;454;g10e6aad98fb_0_824:notes"/>
-          <p:cNvSpPr txBox="1"/>
-          <p:nvPr>
-            <p:ph idx="1" type="body"/>
-          </p:nvPr>
-        </p:nvSpPr>
-        <p:spPr>
-          <a:xfrm>
-            <a:off x="685800" y="4343400"/>
-            <a:ext cx="5486400" cy="4114800"/>
-          </a:xfrm>
-          <a:prstGeom prst="rect">
-            <a:avLst/>
-          </a:prstGeom>
-        </p:spPr>
-        <p:txBody>
-          <a:bodyPr anchorCtr="0" anchor="t" bIns="91425" lIns="91425" spcFirstLastPara="1" rIns="91425" wrap="square" tIns="91425">
-            <a:noAutofit/>
-          </a:bodyPr>
-          <a:lstStyle/>
-          <a:p>
-            <a:pPr indent="0" lvl="0" marL="0" rtl="0" algn="l">
-              <a:spcBef>
-                <a:spcPts val="0"/>
-              </a:spcBef>
-              <a:spcAft>
-                <a:spcPts val="0"/>
-              </a:spcAft>
-              <a:buNone/>
-            </a:pPr>
-            <a:r>
-              <a:t/>
-            </a:r>
-            <a:endParaRPr/>
-          </a:p>
-        </p:txBody>
-      </p:sp>
-    </p:spTree>
-  </p:cSld>
-  <p:clrMapOvr>
-    <a:masterClrMapping/>
-  </p:clrMapOvr>
-</p:notes>
-</file>
-
-<file path=ppt/notesSlides/notesSlide9.xml><?xml version="1.0" encoding="utf-8"?>
-<p:notes xmlns:a="http://schemas.openxmlformats.org/drawingml/2006/main" xmlns:r="http://schemas.openxmlformats.org/officeDocument/2006/relationships" xmlns:mc="http://schemas.openxmlformats.org/markup-compatibility/2006" xmlns:mv="urn:schemas-microsoft-com:mac:vml" xmlns:p="http://schemas.openxmlformats.org/presentationml/2006/main" xmlns:c="http://schemas.openxmlformats.org/drawingml/2006/chart" xmlns:dgm="http://schemas.openxmlformats.org/drawingml/2006/diagram" xmlns:o="urn:schemas-microsoft-com:office:office" xmlns:v="urn:schemas-microsoft-com:vml" xmlns:pvml="urn:schemas-microsoft-com:office:powerpoint" xmlns:com="http://schemas.openxmlformats.org/drawingml/2006/compatibility" xmlns:p14="http://schemas.microsoft.com/office/powerpoint/2010/main" xmlns:p15="http://schemas.microsoft.com/office/powerpoint/2012/main" xmlns:ahyp="http://schemas.microsoft.com/office/drawing/2018/hyperlinkcolor" showMasterPhAnim="0" showMasterSp="0">
-  <p:cSld>
-    <p:spTree>
-      <p:nvGrpSpPr>
-        <p:cNvPr id="539" name="Shape 539"/>
-        <p:cNvGrpSpPr/>
-        <p:nvPr/>
-      </p:nvGrpSpPr>
-      <p:grpSpPr>
-        <a:xfrm>
-          <a:off x="0" y="0"/>
-          <a:ext cx="0" cy="0"/>
-          <a:chOff x="0" y="0"/>
-          <a:chExt cx="0" cy="0"/>
-        </a:xfrm>
-      </p:grpSpPr>
-      <p:sp>
-        <p:nvSpPr>
-          <p:cNvPr id="540" name="Google Shape;540;gc097ce2df9_0_557:notes"/>
-          <p:cNvSpPr/>
-          <p:nvPr>
-            <p:ph idx="2" type="sldImg"/>
-          </p:nvPr>
-        </p:nvSpPr>
-        <p:spPr>
-          <a:xfrm>
-            <a:off x="381300" y="685800"/>
-            <a:ext cx="6096000" cy="3429000"/>
-          </a:xfrm>
-          <a:custGeom>
-            <a:rect b="b" l="l" r="r" t="t"/>
-            <a:pathLst>
-              <a:path extrusionOk="0" h="120000" w="120000">
-                <a:moveTo>
-                  <a:pt x="0" y="0"/>
-                </a:moveTo>
-                <a:lnTo>
-                  <a:pt x="120000" y="0"/>
-                </a:lnTo>
-                <a:lnTo>
-                  <a:pt x="120000" y="120000"/>
-                </a:lnTo>
-                <a:lnTo>
-                  <a:pt x="0" y="120000"/>
-                </a:lnTo>
-                <a:close/>
-              </a:path>
-            </a:pathLst>
-          </a:custGeom>
-        </p:spPr>
-      </p:sp>
-      <p:sp>
-        <p:nvSpPr>
-          <p:cNvPr id="541" name="Google Shape;541;gc097ce2df9_0_557:notes"/>
+          <p:cNvPr id="535" name="Google Shape;535;gc097ce2df9_0_557:notes"/>
           <p:cNvSpPr txBox="1"/>
           <p:nvPr>
             <p:ph idx="1" type="body"/>
@@ -6294,7 +6194,7 @@
             </a:pPr>
             <a:r>
               <a:rPr lang="en"/>
-              <a:t>ToDo</a:t>
+              <a:t>Bitwise Operations</a:t>
             </a:r>
             <a:endParaRPr/>
           </a:p>
@@ -6303,128 +6203,6 @@
       <p:sp>
         <p:nvSpPr>
           <p:cNvPr id="55" name="Google Shape;55;p13"/>
-          <p:cNvSpPr txBox="1"/>
-          <p:nvPr>
-            <p:ph idx="1" type="body"/>
-          </p:nvPr>
-        </p:nvSpPr>
-        <p:spPr>
-          <a:xfrm>
-            <a:off x="311700" y="1152475"/>
-            <a:ext cx="8520600" cy="3416400"/>
-          </a:xfrm>
-          <a:prstGeom prst="rect">
-            <a:avLst/>
-          </a:prstGeom>
-        </p:spPr>
-        <p:txBody>
-          <a:bodyPr anchorCtr="0" anchor="t" bIns="91425" lIns="91425" spcFirstLastPara="1" rIns="91425" wrap="square" tIns="91425">
-            <a:normAutofit/>
-          </a:bodyPr>
-          <a:lstStyle/>
-          <a:p>
-            <a:pPr indent="-342900" lvl="0" marL="457200" rtl="0" algn="l">
-              <a:spcBef>
-                <a:spcPts val="0"/>
-              </a:spcBef>
-              <a:spcAft>
-                <a:spcPts val="0"/>
-              </a:spcAft>
-              <a:buSzPts val="1800"/>
-              <a:buChar char="●"/>
-            </a:pPr>
-            <a:r>
-              <a:rPr lang="en"/>
-              <a:t>Assignment:  Bitwise Operations in Java and MIPS</a:t>
-            </a:r>
-            <a:endParaRPr/>
-          </a:p>
-          <a:p>
-            <a:pPr indent="-342900" lvl="0" marL="457200" rtl="0" algn="l">
-              <a:spcBef>
-                <a:spcPts val="0"/>
-              </a:spcBef>
-              <a:spcAft>
-                <a:spcPts val="0"/>
-              </a:spcAft>
-              <a:buSzPts val="1800"/>
-              <a:buChar char="●"/>
-            </a:pPr>
-            <a:r>
-              <a:t/>
-            </a:r>
-            <a:endParaRPr/>
-          </a:p>
-        </p:txBody>
-      </p:sp>
-    </p:spTree>
-  </p:cSld>
-  <p:clrMapOvr>
-    <a:masterClrMapping/>
-  </p:clrMapOvr>
-</p:sld>
-</file>
-
-<file path=ppt/slides/slide2.xml><?xml version="1.0" encoding="utf-8"?>
-<p:sld xmlns:a="http://schemas.openxmlformats.org/drawingml/2006/main" xmlns:r="http://schemas.openxmlformats.org/officeDocument/2006/relationships" xmlns:mc="http://schemas.openxmlformats.org/markup-compatibility/2006" xmlns:mv="urn:schemas-microsoft-com:mac:vml" xmlns:p="http://schemas.openxmlformats.org/presentationml/2006/main" xmlns:c="http://schemas.openxmlformats.org/drawingml/2006/chart" xmlns:dgm="http://schemas.openxmlformats.org/drawingml/2006/diagram" xmlns:o="urn:schemas-microsoft-com:office:office" xmlns:v="urn:schemas-microsoft-com:vml" xmlns:pvml="urn:schemas-microsoft-com:office:powerpoint" xmlns:com="http://schemas.openxmlformats.org/drawingml/2006/compatibility" xmlns:p14="http://schemas.microsoft.com/office/powerpoint/2010/main" xmlns:p15="http://schemas.microsoft.com/office/powerpoint/2012/main" xmlns:ahyp="http://schemas.microsoft.com/office/drawing/2018/hyperlinkcolor">
-  <p:cSld>
-    <p:spTree>
-      <p:nvGrpSpPr>
-        <p:cNvPr id="59" name="Shape 59"/>
-        <p:cNvGrpSpPr/>
-        <p:nvPr/>
-      </p:nvGrpSpPr>
-      <p:grpSpPr>
-        <a:xfrm>
-          <a:off x="0" y="0"/>
-          <a:ext cx="0" cy="0"/>
-          <a:chOff x="0" y="0"/>
-          <a:chExt cx="0" cy="0"/>
-        </a:xfrm>
-      </p:grpSpPr>
-      <p:sp>
-        <p:nvSpPr>
-          <p:cNvPr id="60" name="Google Shape;60;p14"/>
-          <p:cNvSpPr txBox="1"/>
-          <p:nvPr>
-            <p:ph type="title"/>
-          </p:nvPr>
-        </p:nvSpPr>
-        <p:spPr>
-          <a:xfrm>
-            <a:off x="311700" y="445025"/>
-            <a:ext cx="8520600" cy="572700"/>
-          </a:xfrm>
-          <a:prstGeom prst="rect">
-            <a:avLst/>
-          </a:prstGeom>
-        </p:spPr>
-        <p:txBody>
-          <a:bodyPr anchorCtr="0" anchor="t" bIns="91425" lIns="91425" spcFirstLastPara="1" rIns="91425" wrap="square" tIns="91425">
-            <a:normAutofit fontScale="90000"/>
-          </a:bodyPr>
-          <a:lstStyle/>
-          <a:p>
-            <a:pPr indent="0" lvl="0" marL="0" rtl="0" algn="l">
-              <a:spcBef>
-                <a:spcPts val="0"/>
-              </a:spcBef>
-              <a:spcAft>
-                <a:spcPts val="0"/>
-              </a:spcAft>
-              <a:buNone/>
-            </a:pPr>
-            <a:r>
-              <a:rPr lang="en"/>
-              <a:t>Bitwise Operations</a:t>
-            </a:r>
-            <a:endParaRPr/>
-          </a:p>
-        </p:txBody>
-      </p:sp>
-      <p:sp>
-        <p:nvSpPr>
-          <p:cNvPr id="61" name="Google Shape;61;p14"/>
           <p:cNvSpPr txBox="1"/>
           <p:nvPr>
             <p:ph idx="1" type="body"/>
@@ -6752,7 +6530,39 @@
                 <a:cs typeface="Source Code Pro"/>
                 <a:sym typeface="Source Code Pro"/>
               </a:rPr>
-              <a:t>s1 = t1 &gt;&gt; 2		srl $s1, $t1, 2	# Shift Right Logical</a:t>
+              <a:t>s1 = t1 &gt;&gt; 2		sra $s1, $t1, 2	# Shift Right Arithmetic</a:t>
+            </a:r>
+            <a:endParaRPr>
+              <a:latin typeface="Source Code Pro"/>
+              <a:ea typeface="Source Code Pro"/>
+              <a:cs typeface="Source Code Pro"/>
+              <a:sym typeface="Source Code Pro"/>
+            </a:endParaRPr>
+          </a:p>
+          <a:p>
+            <a:pPr indent="-304165" lvl="1" marL="914400" rtl="0" algn="l">
+              <a:spcBef>
+                <a:spcPts val="0"/>
+              </a:spcBef>
+              <a:spcAft>
+                <a:spcPts val="0"/>
+              </a:spcAft>
+              <a:buSzPct val="100000"/>
+              <a:buFont typeface="Source Code Pro"/>
+              <a:buChar char="○"/>
+            </a:pPr>
+            <a:r>
+              <a:rPr lang="en" strike="sngStrike"/>
+              <a:t>Unsigned Left Shift		</a:t>
+            </a:r>
+            <a:r>
+              <a:rPr lang="en" strike="sngStrike">
+                <a:latin typeface="Source Code Pro"/>
+                <a:ea typeface="Source Code Pro"/>
+                <a:cs typeface="Source Code Pro"/>
+                <a:sym typeface="Source Code Pro"/>
+              </a:rPr>
+              <a:t>s1 = t1 &lt;&lt;&lt; t2</a:t>
             </a:r>
             <a:endParaRPr>
               <a:latin typeface="Source Code Pro"/>
@@ -6783,38 +6593,7 @@
                 <a:cs typeface="Source Code Pro"/>
                 <a:sym typeface="Source Code Pro"/>
               </a:rPr>
-              <a:t>s1 = t1 &gt;&gt;&gt; 2		sra $s1, $t1, 2	# Shift Right Arithmetic </a:t>
-            </a:r>
-            <a:endParaRPr>
-              <a:latin typeface="Source Code Pro"/>
-              <a:ea typeface="Source Code Pro"/>
-              <a:cs typeface="Source Code Pro"/>
-              <a:sym typeface="Source Code Pro"/>
-            </a:endParaRPr>
-          </a:p>
-          <a:p>
-            <a:pPr indent="-304165" lvl="1" marL="914400" rtl="0" algn="l">
-              <a:spcBef>
-                <a:spcPts val="0"/>
-              </a:spcBef>
-              <a:spcAft>
-                <a:spcPts val="0"/>
-              </a:spcAft>
-              <a:buSzPct val="100000"/>
-              <a:buChar char="○"/>
-            </a:pPr>
-            <a:r>
-              <a:rPr lang="en" strike="sngStrike"/>
-              <a:t>Unsigned Left Shift		</a:t>
-            </a:r>
-            <a:r>
-              <a:rPr lang="en" strike="sngStrike">
-                <a:latin typeface="Source Code Pro"/>
-                <a:ea typeface="Source Code Pro"/>
-                <a:cs typeface="Source Code Pro"/>
-                <a:sym typeface="Source Code Pro"/>
-              </a:rPr>
-              <a:t>s1 = t1 &lt;&lt;&lt; t2</a:t>
+              <a:t>s1 = t1 &gt;&gt;&gt; 2		srl $s1, $t1, 2	# Shift Right Logical </a:t>
             </a:r>
             <a:endParaRPr strike="sngStrike">
               <a:latin typeface="Source Code Pro"/>
@@ -6827,7 +6606,7 @@
       </p:sp>
       <p:sp>
         <p:nvSpPr>
-          <p:cNvPr id="62" name="Google Shape;62;p14"/>
+          <p:cNvPr id="56" name="Google Shape;56;p13"/>
           <p:cNvSpPr txBox="1"/>
           <p:nvPr/>
         </p:nvSpPr>
@@ -6980,12 +6759,12 @@
 </p:sld>
 </file>
 
-<file path=ppt/slides/slide3.xml><?xml version="1.0" encoding="utf-8"?>
+<file path=ppt/slides/slide2.xml><?xml version="1.0" encoding="utf-8"?>
 <p:sld xmlns:a="http://schemas.openxmlformats.org/drawingml/2006/main" xmlns:r="http://schemas.openxmlformats.org/officeDocument/2006/relationships" xmlns:mc="http://schemas.openxmlformats.org/markup-compatibility/2006" xmlns:mv="urn:schemas-microsoft-com:mac:vml" xmlns:p="http://schemas.openxmlformats.org/presentationml/2006/main" xmlns:c="http://schemas.openxmlformats.org/drawingml/2006/chart" xmlns:dgm="http://schemas.openxmlformats.org/drawingml/2006/diagram" xmlns:o="urn:schemas-microsoft-com:office:office" xmlns:v="urn:schemas-microsoft-com:vml" xmlns:pvml="urn:schemas-microsoft-com:office:powerpoint" xmlns:com="http://schemas.openxmlformats.org/drawingml/2006/compatibility" xmlns:p14="http://schemas.microsoft.com/office/powerpoint/2010/main" xmlns:p15="http://schemas.microsoft.com/office/powerpoint/2012/main" xmlns:ahyp="http://schemas.microsoft.com/office/drawing/2018/hyperlinkcolor">
   <p:cSld>
     <p:spTree>
       <p:nvGrpSpPr>
-        <p:cNvPr id="66" name="Shape 66"/>
+        <p:cNvPr id="60" name="Shape 60"/>
         <p:cNvGrpSpPr/>
         <p:nvPr/>
       </p:nvGrpSpPr>
@@ -6999,7 +6778,7 @@
       </p:grpSpPr>
       <p:sp>
         <p:nvSpPr>
-          <p:cNvPr id="67" name="Google Shape;67;p15"/>
+          <p:cNvPr id="61" name="Google Shape;61;p14"/>
           <p:cNvSpPr txBox="1"/>
           <p:nvPr>
             <p:ph type="title"/>
@@ -7043,7 +6822,7 @@
       </p:sp>
       <p:sp>
         <p:nvSpPr>
-          <p:cNvPr id="68" name="Google Shape;68;p15"/>
+          <p:cNvPr id="62" name="Google Shape;62;p14"/>
           <p:cNvSpPr txBox="1"/>
           <p:nvPr>
             <p:ph idx="1" type="body"/>
@@ -7207,12 +6986,12 @@
       </p:sp>
       <p:graphicFrame>
         <p:nvGraphicFramePr>
-          <p:cNvPr id="69" name="Google Shape;69;p15"/>
+          <p:cNvPr id="63" name="Google Shape;63;p14"/>
           <p:cNvGraphicFramePr/>
           <p:nvPr/>
         </p:nvGraphicFramePr>
         <p:xfrm>
-          <a:off x="6179375" y="163975"/>
+          <a:off x="6179375" y="155275"/>
           <a:ext cx="3000000" cy="3000000"/>
         </p:xfrm>
         <a:graphic>
@@ -7220,7 +6999,7 @@
             <a:tbl>
               <a:tblPr>
                 <a:noFill/>
-                <a:tableStyleId>{14FFECB3-BD6E-42BB-B515-4B2427B8FDEA}</a:tableStyleId>
+                <a:tableStyleId>{86902B15-16BE-43E9-8607-4C3A2BE12C37}</a:tableStyleId>
               </a:tblPr>
               <a:tblGrid>
                 <a:gridCol w="477300"/>
@@ -7230,7 +7009,7 @@
                 <a:gridCol w="477300"/>
                 <a:gridCol w="477300"/>
               </a:tblGrid>
-              <a:tr h="422875">
+              <a:tr h="431575">
                 <a:tc>
                   <a:txBody>
                     <a:bodyPr/>
@@ -8754,7 +8533,7 @@
       </p:graphicFrame>
       <p:grpSp>
         <p:nvGrpSpPr>
-          <p:cNvPr id="70" name="Google Shape;70;p15"/>
+          <p:cNvPr id="64" name="Google Shape;64;p14"/>
           <p:cNvGrpSpPr/>
           <p:nvPr/>
         </p:nvGrpSpPr>
@@ -8768,7 +8547,7 @@
         </p:grpSpPr>
         <p:sp>
           <p:nvSpPr>
-            <p:cNvPr id="71" name="Google Shape;71;p15"/>
+            <p:cNvPr id="65" name="Google Shape;65;p14"/>
             <p:cNvSpPr/>
             <p:nvPr/>
           </p:nvSpPr>
@@ -8812,7 +8591,7 @@
         </p:sp>
         <p:grpSp>
           <p:nvGrpSpPr>
-            <p:cNvPr id="72" name="Google Shape;72;p15"/>
+            <p:cNvPr id="66" name="Google Shape;66;p14"/>
             <p:cNvGrpSpPr/>
             <p:nvPr/>
           </p:nvGrpSpPr>
@@ -8826,7 +8605,7 @@
           </p:grpSpPr>
           <p:sp>
             <p:nvSpPr>
-              <p:cNvPr id="73" name="Google Shape;73;p15"/>
+              <p:cNvPr id="67" name="Google Shape;67;p14"/>
               <p:cNvSpPr/>
               <p:nvPr/>
             </p:nvSpPr>
@@ -8868,7 +8647,7 @@
                 </a:pPr>
                 <a:r>
                   <a:rPr lang="en"/>
-                  <a:t>0</a:t>
+                  <a:t>1</a:t>
                 </a:r>
                 <a:endParaRPr/>
               </a:p>
@@ -8876,7 +8655,7 @@
           </p:sp>
           <p:sp>
             <p:nvSpPr>
-              <p:cNvPr id="74" name="Google Shape;74;p15"/>
+              <p:cNvPr id="68" name="Google Shape;68;p14"/>
               <p:cNvSpPr/>
               <p:nvPr/>
             </p:nvSpPr>
@@ -8918,7 +8697,7 @@
                 </a:pPr>
                 <a:r>
                   <a:rPr lang="en"/>
-                  <a:t>0</a:t>
+                  <a:t>1</a:t>
                 </a:r>
                 <a:endParaRPr/>
               </a:p>
@@ -8926,7 +8705,7 @@
           </p:sp>
           <p:sp>
             <p:nvSpPr>
-              <p:cNvPr id="75" name="Google Shape;75;p15"/>
+              <p:cNvPr id="69" name="Google Shape;69;p14"/>
               <p:cNvSpPr/>
               <p:nvPr/>
             </p:nvSpPr>
@@ -8976,7 +8755,7 @@
           </p:sp>
           <p:sp>
             <p:nvSpPr>
-              <p:cNvPr id="76" name="Google Shape;76;p15"/>
+              <p:cNvPr id="70" name="Google Shape;70;p14"/>
               <p:cNvSpPr/>
               <p:nvPr/>
             </p:nvSpPr>
@@ -9027,7 +8806,7 @@
         </p:grpSp>
         <p:grpSp>
           <p:nvGrpSpPr>
-            <p:cNvPr id="77" name="Google Shape;77;p15"/>
+            <p:cNvPr id="71" name="Google Shape;71;p14"/>
             <p:cNvGrpSpPr/>
             <p:nvPr/>
           </p:nvGrpSpPr>
@@ -9041,7 +8820,7 @@
           </p:grpSpPr>
           <p:sp>
             <p:nvSpPr>
-              <p:cNvPr id="78" name="Google Shape;78;p15"/>
+              <p:cNvPr id="72" name="Google Shape;72;p14"/>
               <p:cNvSpPr/>
               <p:nvPr/>
             </p:nvSpPr>
@@ -9091,7 +8870,7 @@
           </p:sp>
           <p:sp>
             <p:nvSpPr>
-              <p:cNvPr id="79" name="Google Shape;79;p15"/>
+              <p:cNvPr id="73" name="Google Shape;73;p14"/>
               <p:cNvSpPr/>
               <p:nvPr/>
             </p:nvSpPr>
@@ -9141,7 +8920,7 @@
           </p:sp>
           <p:sp>
             <p:nvSpPr>
-              <p:cNvPr id="80" name="Google Shape;80;p15"/>
+              <p:cNvPr id="74" name="Google Shape;74;p14"/>
               <p:cNvSpPr/>
               <p:nvPr/>
             </p:nvSpPr>
@@ -9191,7 +8970,7 @@
           </p:sp>
           <p:sp>
             <p:nvSpPr>
-              <p:cNvPr id="81" name="Google Shape;81;p15"/>
+              <p:cNvPr id="75" name="Google Shape;75;p14"/>
               <p:cNvSpPr/>
               <p:nvPr/>
             </p:nvSpPr>
@@ -9242,7 +9021,7 @@
         </p:grpSp>
         <p:grpSp>
           <p:nvGrpSpPr>
-            <p:cNvPr id="82" name="Google Shape;82;p15"/>
+            <p:cNvPr id="76" name="Google Shape;76;p14"/>
             <p:cNvGrpSpPr/>
             <p:nvPr/>
           </p:nvGrpSpPr>
@@ -9256,7 +9035,7 @@
           </p:grpSpPr>
           <p:sp>
             <p:nvSpPr>
-              <p:cNvPr id="83" name="Google Shape;83;p15"/>
+              <p:cNvPr id="77" name="Google Shape;77;p14"/>
               <p:cNvSpPr/>
               <p:nvPr/>
             </p:nvSpPr>
@@ -9297,7 +9076,8 @@
                   <a:buNone/>
                 </a:pPr>
                 <a:r>
-                  <a:t/>
+                  <a:rPr lang="en"/>
+                  <a:t>0</a:t>
                 </a:r>
                 <a:endParaRPr/>
               </a:p>
@@ -9305,7 +9085,7 @@
           </p:sp>
           <p:sp>
             <p:nvSpPr>
-              <p:cNvPr id="84" name="Google Shape;84;p15"/>
+              <p:cNvPr id="78" name="Google Shape;78;p14"/>
               <p:cNvSpPr/>
               <p:nvPr/>
             </p:nvSpPr>
@@ -9346,7 +9126,8 @@
                   <a:buNone/>
                 </a:pPr>
                 <a:r>
-                  <a:t/>
+                  <a:rPr lang="en"/>
+                  <a:t>0</a:t>
                 </a:r>
                 <a:endParaRPr/>
               </a:p>
@@ -9354,7 +9135,7 @@
           </p:sp>
           <p:sp>
             <p:nvSpPr>
-              <p:cNvPr id="85" name="Google Shape;85;p15"/>
+              <p:cNvPr id="79" name="Google Shape;79;p14"/>
               <p:cNvSpPr/>
               <p:nvPr/>
             </p:nvSpPr>
@@ -9395,7 +9176,8 @@
                   <a:buNone/>
                 </a:pPr>
                 <a:r>
-                  <a:t/>
+                  <a:rPr lang="en"/>
+                  <a:t>0</a:t>
                 </a:r>
                 <a:endParaRPr/>
               </a:p>
@@ -9403,7 +9185,7 @@
           </p:sp>
           <p:sp>
             <p:nvSpPr>
-              <p:cNvPr id="86" name="Google Shape;86;p15"/>
+              <p:cNvPr id="80" name="Google Shape;80;p14"/>
               <p:cNvSpPr/>
               <p:nvPr/>
             </p:nvSpPr>
@@ -9444,7 +9226,8 @@
                   <a:buNone/>
                 </a:pPr>
                 <a:r>
-                  <a:t/>
+                  <a:rPr lang="en"/>
+                  <a:t>1</a:t>
                 </a:r>
                 <a:endParaRPr/>
               </a:p>
@@ -9453,7 +9236,7 @@
         </p:grpSp>
         <p:cxnSp>
           <p:nvCxnSpPr>
-            <p:cNvPr id="87" name="Google Shape;87;p15"/>
+            <p:cNvPr id="81" name="Google Shape;81;p14"/>
             <p:cNvCxnSpPr/>
             <p:nvPr/>
           </p:nvCxnSpPr>
@@ -9480,7 +9263,7 @@
       </p:grpSp>
       <p:grpSp>
         <p:nvGrpSpPr>
-          <p:cNvPr id="88" name="Google Shape;88;p15"/>
+          <p:cNvPr id="82" name="Google Shape;82;p14"/>
           <p:cNvGrpSpPr/>
           <p:nvPr/>
         </p:nvGrpSpPr>
@@ -9494,7 +9277,7 @@
         </p:grpSpPr>
         <p:sp>
           <p:nvSpPr>
-            <p:cNvPr id="89" name="Google Shape;89;p15"/>
+            <p:cNvPr id="83" name="Google Shape;83;p14"/>
             <p:cNvSpPr/>
             <p:nvPr/>
           </p:nvSpPr>
@@ -9538,7 +9321,7 @@
         </p:sp>
         <p:grpSp>
           <p:nvGrpSpPr>
-            <p:cNvPr id="90" name="Google Shape;90;p15"/>
+            <p:cNvPr id="84" name="Google Shape;84;p14"/>
             <p:cNvGrpSpPr/>
             <p:nvPr/>
           </p:nvGrpSpPr>
@@ -9552,7 +9335,7 @@
           </p:grpSpPr>
           <p:sp>
             <p:nvSpPr>
-              <p:cNvPr id="91" name="Google Shape;91;p15"/>
+              <p:cNvPr id="85" name="Google Shape;85;p14"/>
               <p:cNvSpPr/>
               <p:nvPr/>
             </p:nvSpPr>
@@ -9602,7 +9385,7 @@
           </p:sp>
           <p:sp>
             <p:nvSpPr>
-              <p:cNvPr id="92" name="Google Shape;92;p15"/>
+              <p:cNvPr id="86" name="Google Shape;86;p14"/>
               <p:cNvSpPr/>
               <p:nvPr/>
             </p:nvSpPr>
@@ -9652,7 +9435,7 @@
           </p:sp>
           <p:sp>
             <p:nvSpPr>
-              <p:cNvPr id="93" name="Google Shape;93;p15"/>
+              <p:cNvPr id="87" name="Google Shape;87;p14"/>
               <p:cNvSpPr/>
               <p:nvPr/>
             </p:nvSpPr>
@@ -9702,7 +9485,7 @@
           </p:sp>
           <p:sp>
             <p:nvSpPr>
-              <p:cNvPr id="94" name="Google Shape;94;p15"/>
+              <p:cNvPr id="88" name="Google Shape;88;p14"/>
               <p:cNvSpPr/>
               <p:nvPr/>
             </p:nvSpPr>
@@ -9753,7 +9536,7 @@
         </p:grpSp>
         <p:grpSp>
           <p:nvGrpSpPr>
-            <p:cNvPr id="95" name="Google Shape;95;p15"/>
+            <p:cNvPr id="89" name="Google Shape;89;p14"/>
             <p:cNvGrpSpPr/>
             <p:nvPr/>
           </p:nvGrpSpPr>
@@ -9767,7 +9550,7 @@
           </p:grpSpPr>
           <p:sp>
             <p:nvSpPr>
-              <p:cNvPr id="96" name="Google Shape;96;p15"/>
+              <p:cNvPr id="90" name="Google Shape;90;p14"/>
               <p:cNvSpPr/>
               <p:nvPr/>
             </p:nvSpPr>
@@ -9817,7 +9600,7 @@
           </p:sp>
           <p:sp>
             <p:nvSpPr>
-              <p:cNvPr id="97" name="Google Shape;97;p15"/>
+              <p:cNvPr id="91" name="Google Shape;91;p14"/>
               <p:cNvSpPr/>
               <p:nvPr/>
             </p:nvSpPr>
@@ -9867,7 +9650,7 @@
           </p:sp>
           <p:sp>
             <p:nvSpPr>
-              <p:cNvPr id="98" name="Google Shape;98;p15"/>
+              <p:cNvPr id="92" name="Google Shape;92;p14"/>
               <p:cNvSpPr/>
               <p:nvPr/>
             </p:nvSpPr>
@@ -9917,7 +9700,7 @@
           </p:sp>
           <p:sp>
             <p:nvSpPr>
-              <p:cNvPr id="99" name="Google Shape;99;p15"/>
+              <p:cNvPr id="93" name="Google Shape;93;p14"/>
               <p:cNvSpPr/>
               <p:nvPr/>
             </p:nvSpPr>
@@ -9968,7 +9751,7 @@
         </p:grpSp>
         <p:grpSp>
           <p:nvGrpSpPr>
-            <p:cNvPr id="100" name="Google Shape;100;p15"/>
+            <p:cNvPr id="94" name="Google Shape;94;p14"/>
             <p:cNvGrpSpPr/>
             <p:nvPr/>
           </p:nvGrpSpPr>
@@ -9982,7 +9765,7 @@
           </p:grpSpPr>
           <p:sp>
             <p:nvSpPr>
-              <p:cNvPr id="101" name="Google Shape;101;p15"/>
+              <p:cNvPr id="95" name="Google Shape;95;p14"/>
               <p:cNvSpPr/>
               <p:nvPr/>
             </p:nvSpPr>
@@ -10023,7 +9806,8 @@
                   <a:buNone/>
                 </a:pPr>
                 <a:r>
-                  <a:t/>
+                  <a:rPr lang="en"/>
+                  <a:t>0</a:t>
                 </a:r>
                 <a:endParaRPr/>
               </a:p>
@@ -10031,7 +9815,7 @@
           </p:sp>
           <p:sp>
             <p:nvSpPr>
-              <p:cNvPr id="102" name="Google Shape;102;p15"/>
+              <p:cNvPr id="96" name="Google Shape;96;p14"/>
               <p:cNvSpPr/>
               <p:nvPr/>
             </p:nvSpPr>
@@ -10072,7 +9856,8 @@
                   <a:buNone/>
                 </a:pPr>
                 <a:r>
-                  <a:t/>
+                  <a:rPr lang="en"/>
+                  <a:t>1</a:t>
                 </a:r>
                 <a:endParaRPr/>
               </a:p>
@@ -10080,7 +9865,7 @@
           </p:sp>
           <p:sp>
             <p:nvSpPr>
-              <p:cNvPr id="103" name="Google Shape;103;p15"/>
+              <p:cNvPr id="97" name="Google Shape;97;p14"/>
               <p:cNvSpPr/>
               <p:nvPr/>
             </p:nvSpPr>
@@ -10121,7 +9906,8 @@
                   <a:buNone/>
                 </a:pPr>
                 <a:r>
-                  <a:t/>
+                  <a:rPr lang="en"/>
+                  <a:t>0</a:t>
                 </a:r>
                 <a:endParaRPr/>
               </a:p>
@@ -10129,7 +9915,7 @@
           </p:sp>
           <p:sp>
             <p:nvSpPr>
-              <p:cNvPr id="104" name="Google Shape;104;p15"/>
+              <p:cNvPr id="98" name="Google Shape;98;p14"/>
               <p:cNvSpPr/>
               <p:nvPr/>
             </p:nvSpPr>
@@ -10170,7 +9956,8 @@
                   <a:buNone/>
                 </a:pPr>
                 <a:r>
-                  <a:t/>
+                  <a:rPr lang="en"/>
+                  <a:t>0</a:t>
                 </a:r>
                 <a:endParaRPr/>
               </a:p>
@@ -10179,7 +9966,7 @@
         </p:grpSp>
         <p:cxnSp>
           <p:nvCxnSpPr>
-            <p:cNvPr id="105" name="Google Shape;105;p15"/>
+            <p:cNvPr id="99" name="Google Shape;99;p14"/>
             <p:cNvCxnSpPr/>
             <p:nvPr/>
           </p:nvCxnSpPr>
@@ -10206,7 +9993,7 @@
       </p:grpSp>
       <p:grpSp>
         <p:nvGrpSpPr>
-          <p:cNvPr id="106" name="Google Shape;106;p15"/>
+          <p:cNvPr id="100" name="Google Shape;100;p14"/>
           <p:cNvGrpSpPr/>
           <p:nvPr/>
         </p:nvGrpSpPr>
@@ -10220,7 +10007,7 @@
         </p:grpSpPr>
         <p:sp>
           <p:nvSpPr>
-            <p:cNvPr id="107" name="Google Shape;107;p15"/>
+            <p:cNvPr id="101" name="Google Shape;101;p14"/>
             <p:cNvSpPr/>
             <p:nvPr/>
           </p:nvSpPr>
@@ -10264,7 +10051,7 @@
         </p:sp>
         <p:grpSp>
           <p:nvGrpSpPr>
-            <p:cNvPr id="108" name="Google Shape;108;p15"/>
+            <p:cNvPr id="102" name="Google Shape;102;p14"/>
             <p:cNvGrpSpPr/>
             <p:nvPr/>
           </p:nvGrpSpPr>
@@ -10278,7 +10065,7 @@
           </p:grpSpPr>
           <p:sp>
             <p:nvSpPr>
-              <p:cNvPr id="109" name="Google Shape;109;p15"/>
+              <p:cNvPr id="103" name="Google Shape;103;p14"/>
               <p:cNvSpPr/>
               <p:nvPr/>
             </p:nvSpPr>
@@ -10328,7 +10115,7 @@
           </p:sp>
           <p:sp>
             <p:nvSpPr>
-              <p:cNvPr id="110" name="Google Shape;110;p15"/>
+              <p:cNvPr id="104" name="Google Shape;104;p14"/>
               <p:cNvSpPr/>
               <p:nvPr/>
             </p:nvSpPr>
@@ -10378,7 +10165,7 @@
           </p:sp>
           <p:sp>
             <p:nvSpPr>
-              <p:cNvPr id="111" name="Google Shape;111;p15"/>
+              <p:cNvPr id="105" name="Google Shape;105;p14"/>
               <p:cNvSpPr/>
               <p:nvPr/>
             </p:nvSpPr>
@@ -10428,7 +10215,7 @@
           </p:sp>
           <p:sp>
             <p:nvSpPr>
-              <p:cNvPr id="112" name="Google Shape;112;p15"/>
+              <p:cNvPr id="106" name="Google Shape;106;p14"/>
               <p:cNvSpPr/>
               <p:nvPr/>
             </p:nvSpPr>
@@ -10479,7 +10266,7 @@
         </p:grpSp>
         <p:grpSp>
           <p:nvGrpSpPr>
-            <p:cNvPr id="113" name="Google Shape;113;p15"/>
+            <p:cNvPr id="107" name="Google Shape;107;p14"/>
             <p:cNvGrpSpPr/>
             <p:nvPr/>
           </p:nvGrpSpPr>
@@ -10493,7 +10280,7 @@
           </p:grpSpPr>
           <p:sp>
             <p:nvSpPr>
-              <p:cNvPr id="114" name="Google Shape;114;p15"/>
+              <p:cNvPr id="108" name="Google Shape;108;p14"/>
               <p:cNvSpPr/>
               <p:nvPr/>
             </p:nvSpPr>
@@ -10543,7 +10330,7 @@
           </p:sp>
           <p:sp>
             <p:nvSpPr>
-              <p:cNvPr id="115" name="Google Shape;115;p15"/>
+              <p:cNvPr id="109" name="Google Shape;109;p14"/>
               <p:cNvSpPr/>
               <p:nvPr/>
             </p:nvSpPr>
@@ -10593,7 +10380,7 @@
           </p:sp>
           <p:sp>
             <p:nvSpPr>
-              <p:cNvPr id="116" name="Google Shape;116;p15"/>
+              <p:cNvPr id="110" name="Google Shape;110;p14"/>
               <p:cNvSpPr/>
               <p:nvPr/>
             </p:nvSpPr>
@@ -10643,7 +10430,7 @@
           </p:sp>
           <p:sp>
             <p:nvSpPr>
-              <p:cNvPr id="117" name="Google Shape;117;p15"/>
+              <p:cNvPr id="111" name="Google Shape;111;p14"/>
               <p:cNvSpPr/>
               <p:nvPr/>
             </p:nvSpPr>
@@ -10694,7 +10481,7 @@
         </p:grpSp>
         <p:grpSp>
           <p:nvGrpSpPr>
-            <p:cNvPr id="118" name="Google Shape;118;p15"/>
+            <p:cNvPr id="112" name="Google Shape;112;p14"/>
             <p:cNvGrpSpPr/>
             <p:nvPr/>
           </p:nvGrpSpPr>
@@ -10708,303 +10495,7 @@
           </p:grpSpPr>
           <p:sp>
             <p:nvSpPr>
-              <p:cNvPr id="119" name="Google Shape;119;p15"/>
-              <p:cNvSpPr/>
-              <p:nvPr/>
-            </p:nvSpPr>
-            <p:spPr>
-              <a:xfrm>
-                <a:off x="2161225" y="2332350"/>
-                <a:ext cx="286200" cy="286200"/>
-              </a:xfrm>
-              <a:prstGeom prst="rect">
-                <a:avLst/>
-              </a:prstGeom>
-              <a:solidFill>
-                <a:schemeClr val="lt2"/>
-              </a:solidFill>
-              <a:ln cap="flat" cmpd="sng" w="9525">
-                <a:solidFill>
-                  <a:schemeClr val="dk2"/>
-                </a:solidFill>
-                <a:prstDash val="solid"/>
-                <a:round/>
-                <a:headEnd len="sm" w="sm" type="none"/>
-                <a:tailEnd len="sm" w="sm" type="none"/>
-              </a:ln>
-            </p:spPr>
-            <p:txBody>
-              <a:bodyPr anchorCtr="0" anchor="ctr" bIns="91425" lIns="91425" spcFirstLastPara="1" rIns="91425" wrap="square" tIns="91425">
-                <a:noAutofit/>
-              </a:bodyPr>
-              <a:lstStyle/>
-              <a:p>
-                <a:pPr indent="0" lvl="0" marL="0" rtl="0" algn="l">
-                  <a:spcBef>
-                    <a:spcPts val="0"/>
-                  </a:spcBef>
-                  <a:spcAft>
-                    <a:spcPts val="0"/>
-                  </a:spcAft>
-                  <a:buNone/>
-                </a:pPr>
-                <a:r>
-                  <a:t/>
-                </a:r>
-                <a:endParaRPr/>
-              </a:p>
-            </p:txBody>
-          </p:sp>
-          <p:sp>
-            <p:nvSpPr>
-              <p:cNvPr id="120" name="Google Shape;120;p15"/>
-              <p:cNvSpPr/>
-              <p:nvPr/>
-            </p:nvSpPr>
-            <p:spPr>
-              <a:xfrm>
-                <a:off x="2447425" y="2332350"/>
-                <a:ext cx="286200" cy="286200"/>
-              </a:xfrm>
-              <a:prstGeom prst="rect">
-                <a:avLst/>
-              </a:prstGeom>
-              <a:solidFill>
-                <a:schemeClr val="lt2"/>
-              </a:solidFill>
-              <a:ln cap="flat" cmpd="sng" w="9525">
-                <a:solidFill>
-                  <a:schemeClr val="dk2"/>
-                </a:solidFill>
-                <a:prstDash val="solid"/>
-                <a:round/>
-                <a:headEnd len="sm" w="sm" type="none"/>
-                <a:tailEnd len="sm" w="sm" type="none"/>
-              </a:ln>
-            </p:spPr>
-            <p:txBody>
-              <a:bodyPr anchorCtr="0" anchor="ctr" bIns="91425" lIns="91425" spcFirstLastPara="1" rIns="91425" wrap="square" tIns="91425">
-                <a:noAutofit/>
-              </a:bodyPr>
-              <a:lstStyle/>
-              <a:p>
-                <a:pPr indent="0" lvl="0" marL="0" rtl="0" algn="l">
-                  <a:spcBef>
-                    <a:spcPts val="0"/>
-                  </a:spcBef>
-                  <a:spcAft>
-                    <a:spcPts val="0"/>
-                  </a:spcAft>
-                  <a:buNone/>
-                </a:pPr>
-                <a:r>
-                  <a:t/>
-                </a:r>
-                <a:endParaRPr/>
-              </a:p>
-            </p:txBody>
-          </p:sp>
-          <p:sp>
-            <p:nvSpPr>
-              <p:cNvPr id="121" name="Google Shape;121;p15"/>
-              <p:cNvSpPr/>
-              <p:nvPr/>
-            </p:nvSpPr>
-            <p:spPr>
-              <a:xfrm>
-                <a:off x="2733625" y="2332350"/>
-                <a:ext cx="286200" cy="286200"/>
-              </a:xfrm>
-              <a:prstGeom prst="rect">
-                <a:avLst/>
-              </a:prstGeom>
-              <a:solidFill>
-                <a:schemeClr val="lt2"/>
-              </a:solidFill>
-              <a:ln cap="flat" cmpd="sng" w="9525">
-                <a:solidFill>
-                  <a:schemeClr val="dk2"/>
-                </a:solidFill>
-                <a:prstDash val="solid"/>
-                <a:round/>
-                <a:headEnd len="sm" w="sm" type="none"/>
-                <a:tailEnd len="sm" w="sm" type="none"/>
-              </a:ln>
-            </p:spPr>
-            <p:txBody>
-              <a:bodyPr anchorCtr="0" anchor="ctr" bIns="91425" lIns="91425" spcFirstLastPara="1" rIns="91425" wrap="square" tIns="91425">
-                <a:noAutofit/>
-              </a:bodyPr>
-              <a:lstStyle/>
-              <a:p>
-                <a:pPr indent="0" lvl="0" marL="0" rtl="0" algn="l">
-                  <a:spcBef>
-                    <a:spcPts val="0"/>
-                  </a:spcBef>
-                  <a:spcAft>
-                    <a:spcPts val="0"/>
-                  </a:spcAft>
-                  <a:buNone/>
-                </a:pPr>
-                <a:r>
-                  <a:t/>
-                </a:r>
-                <a:endParaRPr/>
-              </a:p>
-            </p:txBody>
-          </p:sp>
-          <p:sp>
-            <p:nvSpPr>
-              <p:cNvPr id="122" name="Google Shape;122;p15"/>
-              <p:cNvSpPr/>
-              <p:nvPr/>
-            </p:nvSpPr>
-            <p:spPr>
-              <a:xfrm>
-                <a:off x="3019825" y="2332350"/>
-                <a:ext cx="286200" cy="286200"/>
-              </a:xfrm>
-              <a:prstGeom prst="rect">
-                <a:avLst/>
-              </a:prstGeom>
-              <a:solidFill>
-                <a:schemeClr val="lt2"/>
-              </a:solidFill>
-              <a:ln cap="flat" cmpd="sng" w="9525">
-                <a:solidFill>
-                  <a:schemeClr val="dk2"/>
-                </a:solidFill>
-                <a:prstDash val="solid"/>
-                <a:round/>
-                <a:headEnd len="sm" w="sm" type="none"/>
-                <a:tailEnd len="sm" w="sm" type="none"/>
-              </a:ln>
-            </p:spPr>
-            <p:txBody>
-              <a:bodyPr anchorCtr="0" anchor="ctr" bIns="91425" lIns="91425" spcFirstLastPara="1" rIns="91425" wrap="square" tIns="91425">
-                <a:noAutofit/>
-              </a:bodyPr>
-              <a:lstStyle/>
-              <a:p>
-                <a:pPr indent="0" lvl="0" marL="0" rtl="0" algn="l">
-                  <a:spcBef>
-                    <a:spcPts val="0"/>
-                  </a:spcBef>
-                  <a:spcAft>
-                    <a:spcPts val="0"/>
-                  </a:spcAft>
-                  <a:buNone/>
-                </a:pPr>
-                <a:r>
-                  <a:t/>
-                </a:r>
-                <a:endParaRPr/>
-              </a:p>
-            </p:txBody>
-          </p:sp>
-        </p:grpSp>
-        <p:cxnSp>
-          <p:nvCxnSpPr>
-            <p:cNvPr id="123" name="Google Shape;123;p15"/>
-            <p:cNvCxnSpPr/>
-            <p:nvPr/>
-          </p:nvCxnSpPr>
-          <p:spPr>
-            <a:xfrm rot="10800000">
-              <a:off x="702750" y="3891175"/>
-              <a:ext cx="1451400" cy="0"/>
-            </a:xfrm>
-            <a:prstGeom prst="straightConnector1">
-              <a:avLst/>
-            </a:prstGeom>
-            <a:noFill/>
-            <a:ln cap="flat" cmpd="sng" w="28575">
-              <a:solidFill>
-                <a:schemeClr val="dk2"/>
-              </a:solidFill>
-              <a:prstDash val="solid"/>
-              <a:round/>
-              <a:headEnd len="med" w="med" type="none"/>
-              <a:tailEnd len="med" w="med" type="none"/>
-            </a:ln>
-          </p:spPr>
-        </p:cxnSp>
-      </p:grpSp>
-      <p:grpSp>
-        <p:nvGrpSpPr>
-          <p:cNvPr id="124" name="Google Shape;124;p15"/>
-          <p:cNvGrpSpPr/>
-          <p:nvPr/>
-        </p:nvGrpSpPr>
-        <p:grpSpPr>
-          <a:xfrm>
-            <a:off x="6932100" y="3227425"/>
-            <a:ext cx="1460275" cy="995550"/>
-            <a:chOff x="702750" y="3227425"/>
-            <a:chExt cx="1460275" cy="995550"/>
-          </a:xfrm>
-        </p:grpSpPr>
-        <p:sp>
-          <p:nvSpPr>
-            <p:cNvPr id="125" name="Google Shape;125;p15"/>
-            <p:cNvSpPr/>
-            <p:nvPr/>
-          </p:nvSpPr>
-          <p:spPr>
-            <a:xfrm>
-              <a:off x="715702" y="3525521"/>
-              <a:ext cx="309600" cy="326400"/>
-            </a:xfrm>
-            <a:prstGeom prst="rect">
-              <a:avLst/>
-            </a:prstGeom>
-            <a:solidFill>
-              <a:srgbClr val="FFFFFF"/>
-            </a:solidFill>
-            <a:ln>
-              <a:noFill/>
-            </a:ln>
-          </p:spPr>
-          <p:txBody>
-            <a:bodyPr anchorCtr="0" anchor="ctr" bIns="91425" lIns="91425" spcFirstLastPara="1" rIns="91425" wrap="square" tIns="91425">
-              <a:noAutofit/>
-            </a:bodyPr>
-            <a:lstStyle/>
-            <a:p>
-              <a:pPr indent="0" lvl="0" marL="0" rtl="0" algn="ctr">
-                <a:spcBef>
-                  <a:spcPts val="0"/>
-                </a:spcBef>
-                <a:spcAft>
-                  <a:spcPts val="0"/>
-                </a:spcAft>
-                <a:buNone/>
-              </a:pPr>
-              <a:r>
-                <a:rPr lang="en"/>
-                <a:t>^</a:t>
-              </a:r>
-              <a:endParaRPr/>
-            </a:p>
-          </p:txBody>
-        </p:sp>
-        <p:grpSp>
-          <p:nvGrpSpPr>
-            <p:cNvPr id="126" name="Google Shape;126;p15"/>
-            <p:cNvGrpSpPr/>
-            <p:nvPr/>
-          </p:nvGrpSpPr>
-          <p:grpSpPr>
-            <a:xfrm>
-              <a:off x="1018225" y="3551550"/>
-              <a:ext cx="1144800" cy="286200"/>
-              <a:chOff x="2161225" y="2332350"/>
-              <a:chExt cx="1144800" cy="286200"/>
-            </a:xfrm>
-          </p:grpSpPr>
-          <p:sp>
-            <p:nvSpPr>
-              <p:cNvPr id="127" name="Google Shape;127;p15"/>
+              <p:cNvPr id="113" name="Google Shape;113;p14"/>
               <p:cNvSpPr/>
               <p:nvPr/>
             </p:nvSpPr>
@@ -11054,7 +10545,7 @@
           </p:sp>
           <p:sp>
             <p:nvSpPr>
-              <p:cNvPr id="128" name="Google Shape;128;p15"/>
+              <p:cNvPr id="114" name="Google Shape;114;p14"/>
               <p:cNvSpPr/>
               <p:nvPr/>
             </p:nvSpPr>
@@ -11104,7 +10595,307 @@
           </p:sp>
           <p:sp>
             <p:nvSpPr>
-              <p:cNvPr id="129" name="Google Shape;129;p15"/>
+              <p:cNvPr id="115" name="Google Shape;115;p14"/>
+              <p:cNvSpPr/>
+              <p:nvPr/>
+            </p:nvSpPr>
+            <p:spPr>
+              <a:xfrm>
+                <a:off x="2733625" y="2332350"/>
+                <a:ext cx="286200" cy="286200"/>
+              </a:xfrm>
+              <a:prstGeom prst="rect">
+                <a:avLst/>
+              </a:prstGeom>
+              <a:solidFill>
+                <a:schemeClr val="lt2"/>
+              </a:solidFill>
+              <a:ln cap="flat" cmpd="sng" w="9525">
+                <a:solidFill>
+                  <a:schemeClr val="dk2"/>
+                </a:solidFill>
+                <a:prstDash val="solid"/>
+                <a:round/>
+                <a:headEnd len="sm" w="sm" type="none"/>
+                <a:tailEnd len="sm" w="sm" type="none"/>
+              </a:ln>
+            </p:spPr>
+            <p:txBody>
+              <a:bodyPr anchorCtr="0" anchor="ctr" bIns="91425" lIns="91425" spcFirstLastPara="1" rIns="91425" wrap="square" tIns="91425">
+                <a:noAutofit/>
+              </a:bodyPr>
+              <a:lstStyle/>
+              <a:p>
+                <a:pPr indent="0" lvl="0" marL="0" rtl="0" algn="l">
+                  <a:spcBef>
+                    <a:spcPts val="0"/>
+                  </a:spcBef>
+                  <a:spcAft>
+                    <a:spcPts val="0"/>
+                  </a:spcAft>
+                  <a:buNone/>
+                </a:pPr>
+                <a:r>
+                  <a:rPr lang="en"/>
+                  <a:t>1</a:t>
+                </a:r>
+                <a:endParaRPr/>
+              </a:p>
+            </p:txBody>
+          </p:sp>
+          <p:sp>
+            <p:nvSpPr>
+              <p:cNvPr id="116" name="Google Shape;116;p14"/>
+              <p:cNvSpPr/>
+              <p:nvPr/>
+            </p:nvSpPr>
+            <p:spPr>
+              <a:xfrm>
+                <a:off x="3019825" y="2332350"/>
+                <a:ext cx="286200" cy="286200"/>
+              </a:xfrm>
+              <a:prstGeom prst="rect">
+                <a:avLst/>
+              </a:prstGeom>
+              <a:solidFill>
+                <a:schemeClr val="lt2"/>
+              </a:solidFill>
+              <a:ln cap="flat" cmpd="sng" w="9525">
+                <a:solidFill>
+                  <a:schemeClr val="dk2"/>
+                </a:solidFill>
+                <a:prstDash val="solid"/>
+                <a:round/>
+                <a:headEnd len="sm" w="sm" type="none"/>
+                <a:tailEnd len="sm" w="sm" type="none"/>
+              </a:ln>
+            </p:spPr>
+            <p:txBody>
+              <a:bodyPr anchorCtr="0" anchor="ctr" bIns="91425" lIns="91425" spcFirstLastPara="1" rIns="91425" wrap="square" tIns="91425">
+                <a:noAutofit/>
+              </a:bodyPr>
+              <a:lstStyle/>
+              <a:p>
+                <a:pPr indent="0" lvl="0" marL="0" rtl="0" algn="l">
+                  <a:spcBef>
+                    <a:spcPts val="0"/>
+                  </a:spcBef>
+                  <a:spcAft>
+                    <a:spcPts val="0"/>
+                  </a:spcAft>
+                  <a:buNone/>
+                </a:pPr>
+                <a:r>
+                  <a:rPr lang="en"/>
+                  <a:t>0</a:t>
+                </a:r>
+                <a:endParaRPr/>
+              </a:p>
+            </p:txBody>
+          </p:sp>
+        </p:grpSp>
+        <p:cxnSp>
+          <p:nvCxnSpPr>
+            <p:cNvPr id="117" name="Google Shape;117;p14"/>
+            <p:cNvCxnSpPr/>
+            <p:nvPr/>
+          </p:nvCxnSpPr>
+          <p:spPr>
+            <a:xfrm rot="10800000">
+              <a:off x="702750" y="3891175"/>
+              <a:ext cx="1451400" cy="0"/>
+            </a:xfrm>
+            <a:prstGeom prst="straightConnector1">
+              <a:avLst/>
+            </a:prstGeom>
+            <a:noFill/>
+            <a:ln cap="flat" cmpd="sng" w="28575">
+              <a:solidFill>
+                <a:schemeClr val="dk2"/>
+              </a:solidFill>
+              <a:prstDash val="solid"/>
+              <a:round/>
+              <a:headEnd len="med" w="med" type="none"/>
+              <a:tailEnd len="med" w="med" type="none"/>
+            </a:ln>
+          </p:spPr>
+        </p:cxnSp>
+      </p:grpSp>
+      <p:grpSp>
+        <p:nvGrpSpPr>
+          <p:cNvPr id="118" name="Google Shape;118;p14"/>
+          <p:cNvGrpSpPr/>
+          <p:nvPr/>
+        </p:nvGrpSpPr>
+        <p:grpSpPr>
+          <a:xfrm>
+            <a:off x="6932100" y="3227425"/>
+            <a:ext cx="1460275" cy="995550"/>
+            <a:chOff x="702750" y="3227425"/>
+            <a:chExt cx="1460275" cy="995550"/>
+          </a:xfrm>
+        </p:grpSpPr>
+        <p:sp>
+          <p:nvSpPr>
+            <p:cNvPr id="119" name="Google Shape;119;p14"/>
+            <p:cNvSpPr/>
+            <p:nvPr/>
+          </p:nvSpPr>
+          <p:spPr>
+            <a:xfrm>
+              <a:off x="715702" y="3525521"/>
+              <a:ext cx="309600" cy="326400"/>
+            </a:xfrm>
+            <a:prstGeom prst="rect">
+              <a:avLst/>
+            </a:prstGeom>
+            <a:solidFill>
+              <a:srgbClr val="FFFFFF"/>
+            </a:solidFill>
+            <a:ln>
+              <a:noFill/>
+            </a:ln>
+          </p:spPr>
+          <p:txBody>
+            <a:bodyPr anchorCtr="0" anchor="ctr" bIns="91425" lIns="91425" spcFirstLastPara="1" rIns="91425" wrap="square" tIns="91425">
+              <a:noAutofit/>
+            </a:bodyPr>
+            <a:lstStyle/>
+            <a:p>
+              <a:pPr indent="0" lvl="0" marL="0" rtl="0" algn="ctr">
+                <a:spcBef>
+                  <a:spcPts val="0"/>
+                </a:spcBef>
+                <a:spcAft>
+                  <a:spcPts val="0"/>
+                </a:spcAft>
+                <a:buNone/>
+              </a:pPr>
+              <a:r>
+                <a:rPr lang="en"/>
+                <a:t>^</a:t>
+              </a:r>
+              <a:endParaRPr/>
+            </a:p>
+          </p:txBody>
+        </p:sp>
+        <p:grpSp>
+          <p:nvGrpSpPr>
+            <p:cNvPr id="120" name="Google Shape;120;p14"/>
+            <p:cNvGrpSpPr/>
+            <p:nvPr/>
+          </p:nvGrpSpPr>
+          <p:grpSpPr>
+            <a:xfrm>
+              <a:off x="1018225" y="3551550"/>
+              <a:ext cx="1144800" cy="286200"/>
+              <a:chOff x="2161225" y="2332350"/>
+              <a:chExt cx="1144800" cy="286200"/>
+            </a:xfrm>
+          </p:grpSpPr>
+          <p:sp>
+            <p:nvSpPr>
+              <p:cNvPr id="121" name="Google Shape;121;p14"/>
+              <p:cNvSpPr/>
+              <p:nvPr/>
+            </p:nvSpPr>
+            <p:spPr>
+              <a:xfrm>
+                <a:off x="2161225" y="2332350"/>
+                <a:ext cx="286200" cy="286200"/>
+              </a:xfrm>
+              <a:prstGeom prst="rect">
+                <a:avLst/>
+              </a:prstGeom>
+              <a:solidFill>
+                <a:schemeClr val="lt2"/>
+              </a:solidFill>
+              <a:ln cap="flat" cmpd="sng" w="9525">
+                <a:solidFill>
+                  <a:schemeClr val="dk2"/>
+                </a:solidFill>
+                <a:prstDash val="solid"/>
+                <a:round/>
+                <a:headEnd len="sm" w="sm" type="none"/>
+                <a:tailEnd len="sm" w="sm" type="none"/>
+              </a:ln>
+            </p:spPr>
+            <p:txBody>
+              <a:bodyPr anchorCtr="0" anchor="ctr" bIns="91425" lIns="91425" spcFirstLastPara="1" rIns="91425" wrap="square" tIns="91425">
+                <a:noAutofit/>
+              </a:bodyPr>
+              <a:lstStyle/>
+              <a:p>
+                <a:pPr indent="0" lvl="0" marL="0" rtl="0" algn="l">
+                  <a:spcBef>
+                    <a:spcPts val="0"/>
+                  </a:spcBef>
+                  <a:spcAft>
+                    <a:spcPts val="0"/>
+                  </a:spcAft>
+                  <a:buNone/>
+                </a:pPr>
+                <a:r>
+                  <a:rPr lang="en"/>
+                  <a:t>1</a:t>
+                </a:r>
+                <a:endParaRPr/>
+              </a:p>
+            </p:txBody>
+          </p:sp>
+          <p:sp>
+            <p:nvSpPr>
+              <p:cNvPr id="122" name="Google Shape;122;p14"/>
+              <p:cNvSpPr/>
+              <p:nvPr/>
+            </p:nvSpPr>
+            <p:spPr>
+              <a:xfrm>
+                <a:off x="2447425" y="2332350"/>
+                <a:ext cx="286200" cy="286200"/>
+              </a:xfrm>
+              <a:prstGeom prst="rect">
+                <a:avLst/>
+              </a:prstGeom>
+              <a:solidFill>
+                <a:schemeClr val="lt2"/>
+              </a:solidFill>
+              <a:ln cap="flat" cmpd="sng" w="9525">
+                <a:solidFill>
+                  <a:schemeClr val="dk2"/>
+                </a:solidFill>
+                <a:prstDash val="solid"/>
+                <a:round/>
+                <a:headEnd len="sm" w="sm" type="none"/>
+                <a:tailEnd len="sm" w="sm" type="none"/>
+              </a:ln>
+            </p:spPr>
+            <p:txBody>
+              <a:bodyPr anchorCtr="0" anchor="ctr" bIns="91425" lIns="91425" spcFirstLastPara="1" rIns="91425" wrap="square" tIns="91425">
+                <a:noAutofit/>
+              </a:bodyPr>
+              <a:lstStyle/>
+              <a:p>
+                <a:pPr indent="0" lvl="0" marL="0" rtl="0" algn="l">
+                  <a:spcBef>
+                    <a:spcPts val="0"/>
+                  </a:spcBef>
+                  <a:spcAft>
+                    <a:spcPts val="0"/>
+                  </a:spcAft>
+                  <a:buNone/>
+                </a:pPr>
+                <a:r>
+                  <a:rPr lang="en"/>
+                  <a:t>1</a:t>
+                </a:r>
+                <a:endParaRPr/>
+              </a:p>
+            </p:txBody>
+          </p:sp>
+          <p:sp>
+            <p:nvSpPr>
+              <p:cNvPr id="123" name="Google Shape;123;p14"/>
               <p:cNvSpPr/>
               <p:nvPr/>
             </p:nvSpPr>
@@ -11154,7 +10945,7 @@
           </p:sp>
           <p:sp>
             <p:nvSpPr>
-              <p:cNvPr id="130" name="Google Shape;130;p15"/>
+              <p:cNvPr id="124" name="Google Shape;124;p14"/>
               <p:cNvSpPr/>
               <p:nvPr/>
             </p:nvSpPr>
@@ -11205,7 +10996,7 @@
         </p:grpSp>
         <p:grpSp>
           <p:nvGrpSpPr>
-            <p:cNvPr id="131" name="Google Shape;131;p15"/>
+            <p:cNvPr id="125" name="Google Shape;125;p14"/>
             <p:cNvGrpSpPr/>
             <p:nvPr/>
           </p:nvGrpSpPr>
@@ -11219,7 +11010,7 @@
           </p:grpSpPr>
           <p:sp>
             <p:nvSpPr>
-              <p:cNvPr id="132" name="Google Shape;132;p15"/>
+              <p:cNvPr id="126" name="Google Shape;126;p14"/>
               <p:cNvSpPr/>
               <p:nvPr/>
             </p:nvSpPr>
@@ -11269,7 +11060,7 @@
           </p:sp>
           <p:sp>
             <p:nvSpPr>
-              <p:cNvPr id="133" name="Google Shape;133;p15"/>
+              <p:cNvPr id="127" name="Google Shape;127;p14"/>
               <p:cNvSpPr/>
               <p:nvPr/>
             </p:nvSpPr>
@@ -11319,7 +11110,7 @@
           </p:sp>
           <p:sp>
             <p:nvSpPr>
-              <p:cNvPr id="134" name="Google Shape;134;p15"/>
+              <p:cNvPr id="128" name="Google Shape;128;p14"/>
               <p:cNvSpPr/>
               <p:nvPr/>
             </p:nvSpPr>
@@ -11369,7 +11160,7 @@
           </p:sp>
           <p:sp>
             <p:nvSpPr>
-              <p:cNvPr id="135" name="Google Shape;135;p15"/>
+              <p:cNvPr id="129" name="Google Shape;129;p14"/>
               <p:cNvSpPr/>
               <p:nvPr/>
             </p:nvSpPr>
@@ -11420,7 +11211,7 @@
         </p:grpSp>
         <p:grpSp>
           <p:nvGrpSpPr>
-            <p:cNvPr id="136" name="Google Shape;136;p15"/>
+            <p:cNvPr id="130" name="Google Shape;130;p14"/>
             <p:cNvGrpSpPr/>
             <p:nvPr/>
           </p:nvGrpSpPr>
@@ -11434,7 +11225,7 @@
           </p:grpSpPr>
           <p:sp>
             <p:nvSpPr>
-              <p:cNvPr id="137" name="Google Shape;137;p15"/>
+              <p:cNvPr id="131" name="Google Shape;131;p14"/>
               <p:cNvSpPr/>
               <p:nvPr/>
             </p:nvSpPr>
@@ -11475,7 +11266,8 @@
                   <a:buNone/>
                 </a:pPr>
                 <a:r>
-                  <a:t/>
+                  <a:rPr lang="en"/>
+                  <a:t>1</a:t>
                 </a:r>
                 <a:endParaRPr/>
               </a:p>
@@ -11483,418 +11275,13 @@
           </p:sp>
           <p:sp>
             <p:nvSpPr>
-              <p:cNvPr id="138" name="Google Shape;138;p15"/>
+              <p:cNvPr id="132" name="Google Shape;132;p14"/>
               <p:cNvSpPr/>
               <p:nvPr/>
             </p:nvSpPr>
             <p:spPr>
               <a:xfrm>
                 <a:off x="2447425" y="2332350"/>
-                <a:ext cx="286200" cy="286200"/>
-              </a:xfrm>
-              <a:prstGeom prst="rect">
-                <a:avLst/>
-              </a:prstGeom>
-              <a:solidFill>
-                <a:schemeClr val="lt2"/>
-              </a:solidFill>
-              <a:ln cap="flat" cmpd="sng" w="9525">
-                <a:solidFill>
-                  <a:schemeClr val="dk2"/>
-                </a:solidFill>
-                <a:prstDash val="solid"/>
-                <a:round/>
-                <a:headEnd len="sm" w="sm" type="none"/>
-                <a:tailEnd len="sm" w="sm" type="none"/>
-              </a:ln>
-            </p:spPr>
-            <p:txBody>
-              <a:bodyPr anchorCtr="0" anchor="ctr" bIns="91425" lIns="91425" spcFirstLastPara="1" rIns="91425" wrap="square" tIns="91425">
-                <a:noAutofit/>
-              </a:bodyPr>
-              <a:lstStyle/>
-              <a:p>
-                <a:pPr indent="0" lvl="0" marL="0" rtl="0" algn="l">
-                  <a:spcBef>
-                    <a:spcPts val="0"/>
-                  </a:spcBef>
-                  <a:spcAft>
-                    <a:spcPts val="0"/>
-                  </a:spcAft>
-                  <a:buNone/>
-                </a:pPr>
-                <a:r>
-                  <a:t/>
-                </a:r>
-                <a:endParaRPr/>
-              </a:p>
-            </p:txBody>
-          </p:sp>
-          <p:sp>
-            <p:nvSpPr>
-              <p:cNvPr id="139" name="Google Shape;139;p15"/>
-              <p:cNvSpPr/>
-              <p:nvPr/>
-            </p:nvSpPr>
-            <p:spPr>
-              <a:xfrm>
-                <a:off x="2733625" y="2332350"/>
-                <a:ext cx="286200" cy="286200"/>
-              </a:xfrm>
-              <a:prstGeom prst="rect">
-                <a:avLst/>
-              </a:prstGeom>
-              <a:solidFill>
-                <a:schemeClr val="lt2"/>
-              </a:solidFill>
-              <a:ln cap="flat" cmpd="sng" w="9525">
-                <a:solidFill>
-                  <a:schemeClr val="dk2"/>
-                </a:solidFill>
-                <a:prstDash val="solid"/>
-                <a:round/>
-                <a:headEnd len="sm" w="sm" type="none"/>
-                <a:tailEnd len="sm" w="sm" type="none"/>
-              </a:ln>
-            </p:spPr>
-            <p:txBody>
-              <a:bodyPr anchorCtr="0" anchor="ctr" bIns="91425" lIns="91425" spcFirstLastPara="1" rIns="91425" wrap="square" tIns="91425">
-                <a:noAutofit/>
-              </a:bodyPr>
-              <a:lstStyle/>
-              <a:p>
-                <a:pPr indent="0" lvl="0" marL="0" rtl="0" algn="l">
-                  <a:spcBef>
-                    <a:spcPts val="0"/>
-                  </a:spcBef>
-                  <a:spcAft>
-                    <a:spcPts val="0"/>
-                  </a:spcAft>
-                  <a:buNone/>
-                </a:pPr>
-                <a:r>
-                  <a:t/>
-                </a:r>
-                <a:endParaRPr/>
-              </a:p>
-            </p:txBody>
-          </p:sp>
-          <p:sp>
-            <p:nvSpPr>
-              <p:cNvPr id="140" name="Google Shape;140;p15"/>
-              <p:cNvSpPr/>
-              <p:nvPr/>
-            </p:nvSpPr>
-            <p:spPr>
-              <a:xfrm>
-                <a:off x="3019825" y="2332350"/>
-                <a:ext cx="286200" cy="286200"/>
-              </a:xfrm>
-              <a:prstGeom prst="rect">
-                <a:avLst/>
-              </a:prstGeom>
-              <a:solidFill>
-                <a:schemeClr val="lt2"/>
-              </a:solidFill>
-              <a:ln cap="flat" cmpd="sng" w="9525">
-                <a:solidFill>
-                  <a:schemeClr val="dk2"/>
-                </a:solidFill>
-                <a:prstDash val="solid"/>
-                <a:round/>
-                <a:headEnd len="sm" w="sm" type="none"/>
-                <a:tailEnd len="sm" w="sm" type="none"/>
-              </a:ln>
-            </p:spPr>
-            <p:txBody>
-              <a:bodyPr anchorCtr="0" anchor="ctr" bIns="91425" lIns="91425" spcFirstLastPara="1" rIns="91425" wrap="square" tIns="91425">
-                <a:noAutofit/>
-              </a:bodyPr>
-              <a:lstStyle/>
-              <a:p>
-                <a:pPr indent="0" lvl="0" marL="0" rtl="0" algn="l">
-                  <a:spcBef>
-                    <a:spcPts val="0"/>
-                  </a:spcBef>
-                  <a:spcAft>
-                    <a:spcPts val="0"/>
-                  </a:spcAft>
-                  <a:buNone/>
-                </a:pPr>
-                <a:r>
-                  <a:t/>
-                </a:r>
-                <a:endParaRPr/>
-              </a:p>
-            </p:txBody>
-          </p:sp>
-        </p:grpSp>
-        <p:cxnSp>
-          <p:nvCxnSpPr>
-            <p:cNvPr id="141" name="Google Shape;141;p15"/>
-            <p:cNvCxnSpPr/>
-            <p:nvPr/>
-          </p:nvCxnSpPr>
-          <p:spPr>
-            <a:xfrm rot="10800000">
-              <a:off x="702750" y="3891175"/>
-              <a:ext cx="1451400" cy="0"/>
-            </a:xfrm>
-            <a:prstGeom prst="straightConnector1">
-              <a:avLst/>
-            </a:prstGeom>
-            <a:noFill/>
-            <a:ln cap="flat" cmpd="sng" w="28575">
-              <a:solidFill>
-                <a:schemeClr val="dk2"/>
-              </a:solidFill>
-              <a:prstDash val="solid"/>
-              <a:round/>
-              <a:headEnd len="med" w="med" type="none"/>
-              <a:tailEnd len="med" w="med" type="none"/>
-            </a:ln>
-          </p:spPr>
-        </p:cxnSp>
-      </p:grpSp>
-      <p:sp>
-        <p:nvSpPr>
-          <p:cNvPr id="142" name="Google Shape;142;p15"/>
-          <p:cNvSpPr/>
-          <p:nvPr/>
-        </p:nvSpPr>
-        <p:spPr>
-          <a:xfrm>
-            <a:off x="8641275" y="3225675"/>
-            <a:ext cx="398100" cy="286200"/>
-          </a:xfrm>
-          <a:prstGeom prst="rect">
-            <a:avLst/>
-          </a:prstGeom>
-          <a:solidFill>
-            <a:schemeClr val="lt2"/>
-          </a:solidFill>
-          <a:ln cap="flat" cmpd="sng" w="9525">
-            <a:solidFill>
-              <a:schemeClr val="dk2"/>
-            </a:solidFill>
-            <a:prstDash val="solid"/>
-            <a:round/>
-            <a:headEnd len="sm" w="sm" type="none"/>
-            <a:tailEnd len="sm" w="sm" type="none"/>
-          </a:ln>
-        </p:spPr>
-        <p:txBody>
-          <a:bodyPr anchorCtr="0" anchor="ctr" bIns="91425" lIns="91425" spcFirstLastPara="1" rIns="91425" wrap="square" tIns="91425">
-            <a:noAutofit/>
-          </a:bodyPr>
-          <a:lstStyle/>
-          <a:p>
-            <a:pPr indent="0" lvl="0" marL="0" rtl="0" algn="l">
-              <a:spcBef>
-                <a:spcPts val="0"/>
-              </a:spcBef>
-              <a:spcAft>
-                <a:spcPts val="0"/>
-              </a:spcAft>
-              <a:buNone/>
-            </a:pPr>
-            <a:r>
-              <a:rPr lang="en" sz="1200"/>
-              <a:t>6</a:t>
-            </a:r>
-            <a:endParaRPr sz="1200"/>
-          </a:p>
-        </p:txBody>
-      </p:sp>
-      <p:sp>
-        <p:nvSpPr>
-          <p:cNvPr id="143" name="Google Shape;143;p15"/>
-          <p:cNvSpPr/>
-          <p:nvPr/>
-        </p:nvSpPr>
-        <p:spPr>
-          <a:xfrm>
-            <a:off x="8641275" y="3549800"/>
-            <a:ext cx="398100" cy="286200"/>
-          </a:xfrm>
-          <a:prstGeom prst="rect">
-            <a:avLst/>
-          </a:prstGeom>
-          <a:solidFill>
-            <a:schemeClr val="lt2"/>
-          </a:solidFill>
-          <a:ln cap="flat" cmpd="sng" w="9525">
-            <a:solidFill>
-              <a:schemeClr val="dk2"/>
-            </a:solidFill>
-            <a:prstDash val="solid"/>
-            <a:round/>
-            <a:headEnd len="sm" w="sm" type="none"/>
-            <a:tailEnd len="sm" w="sm" type="none"/>
-          </a:ln>
-        </p:spPr>
-        <p:txBody>
-          <a:bodyPr anchorCtr="0" anchor="ctr" bIns="91425" lIns="91425" spcFirstLastPara="1" rIns="91425" wrap="square" tIns="91425">
-            <a:noAutofit/>
-          </a:bodyPr>
-          <a:lstStyle/>
-          <a:p>
-            <a:pPr indent="0" lvl="0" marL="0" rtl="0" algn="l">
-              <a:spcBef>
-                <a:spcPts val="0"/>
-              </a:spcBef>
-              <a:spcAft>
-                <a:spcPts val="0"/>
-              </a:spcAft>
-              <a:buNone/>
-            </a:pPr>
-            <a:r>
-              <a:rPr lang="en" sz="1200"/>
-              <a:t>12</a:t>
-            </a:r>
-            <a:endParaRPr sz="1200"/>
-          </a:p>
-        </p:txBody>
-      </p:sp>
-      <p:cxnSp>
-        <p:nvCxnSpPr>
-          <p:cNvPr id="144" name="Google Shape;144;p15"/>
-          <p:cNvCxnSpPr>
-            <a:stCxn id="142" idx="1"/>
-            <a:endCxn id="135" idx="3"/>
-          </p:cNvCxnSpPr>
-          <p:nvPr/>
-        </p:nvCxnSpPr>
-        <p:spPr>
-          <a:xfrm flipH="1">
-            <a:off x="8392275" y="3368775"/>
-            <a:ext cx="249000" cy="1800"/>
-          </a:xfrm>
-          <a:prstGeom prst="straightConnector1">
-            <a:avLst/>
-          </a:prstGeom>
-          <a:noFill/>
-          <a:ln cap="flat" cmpd="sng" w="9525">
-            <a:solidFill>
-              <a:schemeClr val="dk2"/>
-            </a:solidFill>
-            <a:prstDash val="solid"/>
-            <a:round/>
-            <a:headEnd len="med" w="med" type="none"/>
-            <a:tailEnd len="med" w="med" type="triangle"/>
-          </a:ln>
-        </p:spPr>
-      </p:cxnSp>
-      <p:cxnSp>
-        <p:nvCxnSpPr>
-          <p:cNvPr id="145" name="Google Shape;145;p15"/>
-          <p:cNvCxnSpPr>
-            <a:stCxn id="143" idx="1"/>
-            <a:endCxn id="130" idx="3"/>
-          </p:cNvCxnSpPr>
-          <p:nvPr/>
-        </p:nvCxnSpPr>
-        <p:spPr>
-          <a:xfrm flipH="1">
-            <a:off x="8392275" y="3692900"/>
-            <a:ext cx="249000" cy="1800"/>
-          </a:xfrm>
-          <a:prstGeom prst="straightConnector1">
-            <a:avLst/>
-          </a:prstGeom>
-          <a:noFill/>
-          <a:ln cap="flat" cmpd="sng" w="9525">
-            <a:solidFill>
-              <a:schemeClr val="dk2"/>
-            </a:solidFill>
-            <a:prstDash val="solid"/>
-            <a:round/>
-            <a:headEnd len="med" w="med" type="none"/>
-            <a:tailEnd len="med" w="med" type="triangle"/>
-          </a:ln>
-        </p:spPr>
-      </p:cxnSp>
-      <p:grpSp>
-        <p:nvGrpSpPr>
-          <p:cNvPr id="146" name="Google Shape;146;p15"/>
-          <p:cNvGrpSpPr/>
-          <p:nvPr/>
-        </p:nvGrpSpPr>
-        <p:grpSpPr>
-          <a:xfrm>
-            <a:off x="226500" y="3525521"/>
-            <a:ext cx="1460275" cy="697454"/>
-            <a:chOff x="702750" y="3525521"/>
-            <a:chExt cx="1460275" cy="697454"/>
-          </a:xfrm>
-        </p:grpSpPr>
-        <p:sp>
-          <p:nvSpPr>
-            <p:cNvPr id="147" name="Google Shape;147;p15"/>
-            <p:cNvSpPr/>
-            <p:nvPr/>
-          </p:nvSpPr>
-          <p:spPr>
-            <a:xfrm>
-              <a:off x="715702" y="3525521"/>
-              <a:ext cx="309600" cy="326400"/>
-            </a:xfrm>
-            <a:prstGeom prst="rect">
-              <a:avLst/>
-            </a:prstGeom>
-            <a:solidFill>
-              <a:srgbClr val="FFFFFF"/>
-            </a:solidFill>
-            <a:ln>
-              <a:noFill/>
-            </a:ln>
-          </p:spPr>
-          <p:txBody>
-            <a:bodyPr anchorCtr="0" anchor="ctr" bIns="91425" lIns="91425" spcFirstLastPara="1" rIns="91425" wrap="square" tIns="91425">
-              <a:noAutofit/>
-            </a:bodyPr>
-            <a:lstStyle/>
-            <a:p>
-              <a:pPr indent="0" lvl="0" marL="0" rtl="0" algn="ctr">
-                <a:spcBef>
-                  <a:spcPts val="0"/>
-                </a:spcBef>
-                <a:spcAft>
-                  <a:spcPts val="0"/>
-                </a:spcAft>
-                <a:buNone/>
-              </a:pPr>
-              <a:r>
-                <a:rPr lang="en"/>
-                <a:t>~</a:t>
-              </a:r>
-              <a:endParaRPr/>
-            </a:p>
-          </p:txBody>
-        </p:sp>
-        <p:grpSp>
-          <p:nvGrpSpPr>
-            <p:cNvPr id="148" name="Google Shape;148;p15"/>
-            <p:cNvGrpSpPr/>
-            <p:nvPr/>
-          </p:nvGrpSpPr>
-          <p:grpSpPr>
-            <a:xfrm>
-              <a:off x="1018225" y="3551550"/>
-              <a:ext cx="1144800" cy="286200"/>
-              <a:chOff x="2161225" y="2332350"/>
-              <a:chExt cx="1144800" cy="286200"/>
-            </a:xfrm>
-          </p:grpSpPr>
-          <p:sp>
-            <p:nvSpPr>
-              <p:cNvPr id="149" name="Google Shape;149;p15"/>
-              <p:cNvSpPr/>
-              <p:nvPr/>
-            </p:nvSpPr>
-            <p:spPr>
-              <a:xfrm>
-                <a:off x="2161225" y="2332350"/>
                 <a:ext cx="286200" cy="286200"/>
               </a:xfrm>
               <a:prstGeom prst="rect">
@@ -11938,57 +11325,7 @@
           </p:sp>
           <p:sp>
             <p:nvSpPr>
-              <p:cNvPr id="150" name="Google Shape;150;p15"/>
-              <p:cNvSpPr/>
-              <p:nvPr/>
-            </p:nvSpPr>
-            <p:spPr>
-              <a:xfrm>
-                <a:off x="2447425" y="2332350"/>
-                <a:ext cx="286200" cy="286200"/>
-              </a:xfrm>
-              <a:prstGeom prst="rect">
-                <a:avLst/>
-              </a:prstGeom>
-              <a:solidFill>
-                <a:schemeClr val="lt2"/>
-              </a:solidFill>
-              <a:ln cap="flat" cmpd="sng" w="9525">
-                <a:solidFill>
-                  <a:schemeClr val="dk2"/>
-                </a:solidFill>
-                <a:prstDash val="solid"/>
-                <a:round/>
-                <a:headEnd len="sm" w="sm" type="none"/>
-                <a:tailEnd len="sm" w="sm" type="none"/>
-              </a:ln>
-            </p:spPr>
-            <p:txBody>
-              <a:bodyPr anchorCtr="0" anchor="ctr" bIns="91425" lIns="91425" spcFirstLastPara="1" rIns="91425" wrap="square" tIns="91425">
-                <a:noAutofit/>
-              </a:bodyPr>
-              <a:lstStyle/>
-              <a:p>
-                <a:pPr indent="0" lvl="0" marL="0" rtl="0" algn="l">
-                  <a:spcBef>
-                    <a:spcPts val="0"/>
-                  </a:spcBef>
-                  <a:spcAft>
-                    <a:spcPts val="0"/>
-                  </a:spcAft>
-                  <a:buNone/>
-                </a:pPr>
-                <a:r>
-                  <a:rPr lang="en"/>
-                  <a:t>1</a:t>
-                </a:r>
-                <a:endParaRPr/>
-              </a:p>
-            </p:txBody>
-          </p:sp>
-          <p:sp>
-            <p:nvSpPr>
-              <p:cNvPr id="151" name="Google Shape;151;p15"/>
+              <p:cNvPr id="133" name="Google Shape;133;p14"/>
               <p:cNvSpPr/>
               <p:nvPr/>
             </p:nvSpPr>
@@ -12038,7 +11375,7 @@
           </p:sp>
           <p:sp>
             <p:nvSpPr>
-              <p:cNvPr id="152" name="Google Shape;152;p15"/>
+              <p:cNvPr id="134" name="Google Shape;134;p14"/>
               <p:cNvSpPr/>
               <p:nvPr/>
             </p:nvSpPr>
@@ -12089,7 +11426,7 @@
         </p:grpSp>
         <p:cxnSp>
           <p:nvCxnSpPr>
-            <p:cNvPr id="153" name="Google Shape;153;p15"/>
+            <p:cNvPr id="135" name="Google Shape;135;p14"/>
             <p:cNvCxnSpPr/>
             <p:nvPr/>
           </p:nvCxnSpPr>
@@ -12113,15 +11450,232 @@
             </a:ln>
           </p:spPr>
         </p:cxnSp>
+      </p:grpSp>
+      <p:sp>
+        <p:nvSpPr>
+          <p:cNvPr id="136" name="Google Shape;136;p14"/>
+          <p:cNvSpPr/>
+          <p:nvPr/>
+        </p:nvSpPr>
+        <p:spPr>
+          <a:xfrm>
+            <a:off x="8641275" y="3225675"/>
+            <a:ext cx="398100" cy="286200"/>
+          </a:xfrm>
+          <a:prstGeom prst="rect">
+            <a:avLst/>
+          </a:prstGeom>
+          <a:solidFill>
+            <a:schemeClr val="lt2"/>
+          </a:solidFill>
+          <a:ln cap="flat" cmpd="sng" w="9525">
+            <a:solidFill>
+              <a:schemeClr val="dk2"/>
+            </a:solidFill>
+            <a:prstDash val="solid"/>
+            <a:round/>
+            <a:headEnd len="sm" w="sm" type="none"/>
+            <a:tailEnd len="sm" w="sm" type="none"/>
+          </a:ln>
+        </p:spPr>
+        <p:txBody>
+          <a:bodyPr anchorCtr="0" anchor="ctr" bIns="91425" lIns="91425" spcFirstLastPara="1" rIns="91425" wrap="square" tIns="91425">
+            <a:noAutofit/>
+          </a:bodyPr>
+          <a:lstStyle/>
+          <a:p>
+            <a:pPr indent="0" lvl="0" marL="0" rtl="0" algn="l">
+              <a:spcBef>
+                <a:spcPts val="0"/>
+              </a:spcBef>
+              <a:spcAft>
+                <a:spcPts val="0"/>
+              </a:spcAft>
+              <a:buNone/>
+            </a:pPr>
+            <a:r>
+              <a:rPr lang="en" sz="1200"/>
+              <a:t>6</a:t>
+            </a:r>
+            <a:endParaRPr sz="1200"/>
+          </a:p>
+        </p:txBody>
+      </p:sp>
+      <p:sp>
+        <p:nvSpPr>
+          <p:cNvPr id="137" name="Google Shape;137;p14"/>
+          <p:cNvSpPr/>
+          <p:nvPr/>
+        </p:nvSpPr>
+        <p:spPr>
+          <a:xfrm>
+            <a:off x="8641275" y="3549800"/>
+            <a:ext cx="398100" cy="286200"/>
+          </a:xfrm>
+          <a:prstGeom prst="rect">
+            <a:avLst/>
+          </a:prstGeom>
+          <a:solidFill>
+            <a:schemeClr val="lt2"/>
+          </a:solidFill>
+          <a:ln cap="flat" cmpd="sng" w="9525">
+            <a:solidFill>
+              <a:schemeClr val="dk2"/>
+            </a:solidFill>
+            <a:prstDash val="solid"/>
+            <a:round/>
+            <a:headEnd len="sm" w="sm" type="none"/>
+            <a:tailEnd len="sm" w="sm" type="none"/>
+          </a:ln>
+        </p:spPr>
+        <p:txBody>
+          <a:bodyPr anchorCtr="0" anchor="ctr" bIns="91425" lIns="91425" spcFirstLastPara="1" rIns="91425" wrap="square" tIns="91425">
+            <a:noAutofit/>
+          </a:bodyPr>
+          <a:lstStyle/>
+          <a:p>
+            <a:pPr indent="0" lvl="0" marL="0" rtl="0" algn="l">
+              <a:spcBef>
+                <a:spcPts val="0"/>
+              </a:spcBef>
+              <a:spcAft>
+                <a:spcPts val="0"/>
+              </a:spcAft>
+              <a:buNone/>
+            </a:pPr>
+            <a:r>
+              <a:rPr lang="en" sz="1200"/>
+              <a:t>12</a:t>
+            </a:r>
+            <a:endParaRPr sz="1200"/>
+          </a:p>
+        </p:txBody>
+      </p:sp>
+      <p:cxnSp>
+        <p:nvCxnSpPr>
+          <p:cNvPr id="138" name="Google Shape;138;p14"/>
+          <p:cNvCxnSpPr>
+            <a:stCxn id="136" idx="1"/>
+            <a:endCxn id="129" idx="3"/>
+          </p:cNvCxnSpPr>
+          <p:nvPr/>
+        </p:nvCxnSpPr>
+        <p:spPr>
+          <a:xfrm flipH="1">
+            <a:off x="8392275" y="3368775"/>
+            <a:ext cx="249000" cy="1800"/>
+          </a:xfrm>
+          <a:prstGeom prst="straightConnector1">
+            <a:avLst/>
+          </a:prstGeom>
+          <a:noFill/>
+          <a:ln cap="flat" cmpd="sng" w="9525">
+            <a:solidFill>
+              <a:schemeClr val="dk2"/>
+            </a:solidFill>
+            <a:prstDash val="solid"/>
+            <a:round/>
+            <a:headEnd len="med" w="med" type="none"/>
+            <a:tailEnd len="med" w="med" type="triangle"/>
+          </a:ln>
+        </p:spPr>
+      </p:cxnSp>
+      <p:cxnSp>
+        <p:nvCxnSpPr>
+          <p:cNvPr id="139" name="Google Shape;139;p14"/>
+          <p:cNvCxnSpPr>
+            <a:stCxn id="137" idx="1"/>
+            <a:endCxn id="124" idx="3"/>
+          </p:cNvCxnSpPr>
+          <p:nvPr/>
+        </p:nvCxnSpPr>
+        <p:spPr>
+          <a:xfrm flipH="1">
+            <a:off x="8392275" y="3692900"/>
+            <a:ext cx="249000" cy="1800"/>
+          </a:xfrm>
+          <a:prstGeom prst="straightConnector1">
+            <a:avLst/>
+          </a:prstGeom>
+          <a:noFill/>
+          <a:ln cap="flat" cmpd="sng" w="9525">
+            <a:solidFill>
+              <a:schemeClr val="dk2"/>
+            </a:solidFill>
+            <a:prstDash val="solid"/>
+            <a:round/>
+            <a:headEnd len="med" w="med" type="none"/>
+            <a:tailEnd len="med" w="med" type="triangle"/>
+          </a:ln>
+        </p:spPr>
+      </p:cxnSp>
+      <p:grpSp>
+        <p:nvGrpSpPr>
+          <p:cNvPr id="140" name="Google Shape;140;p14"/>
+          <p:cNvGrpSpPr/>
+          <p:nvPr/>
+        </p:nvGrpSpPr>
+        <p:grpSpPr>
+          <a:xfrm>
+            <a:off x="226500" y="3525521"/>
+            <a:ext cx="1460275" cy="697454"/>
+            <a:chOff x="702750" y="3525521"/>
+            <a:chExt cx="1460275" cy="697454"/>
+          </a:xfrm>
+        </p:grpSpPr>
+        <p:sp>
+          <p:nvSpPr>
+            <p:cNvPr id="141" name="Google Shape;141;p14"/>
+            <p:cNvSpPr/>
+            <p:nvPr/>
+          </p:nvSpPr>
+          <p:spPr>
+            <a:xfrm>
+              <a:off x="715702" y="3525521"/>
+              <a:ext cx="309600" cy="326400"/>
+            </a:xfrm>
+            <a:prstGeom prst="rect">
+              <a:avLst/>
+            </a:prstGeom>
+            <a:solidFill>
+              <a:srgbClr val="FFFFFF"/>
+            </a:solidFill>
+            <a:ln>
+              <a:noFill/>
+            </a:ln>
+          </p:spPr>
+          <p:txBody>
+            <a:bodyPr anchorCtr="0" anchor="ctr" bIns="91425" lIns="91425" spcFirstLastPara="1" rIns="91425" wrap="square" tIns="91425">
+              <a:noAutofit/>
+            </a:bodyPr>
+            <a:lstStyle/>
+            <a:p>
+              <a:pPr indent="0" lvl="0" marL="0" rtl="0" algn="ctr">
+                <a:spcBef>
+                  <a:spcPts val="0"/>
+                </a:spcBef>
+                <a:spcAft>
+                  <a:spcPts val="0"/>
+                </a:spcAft>
+                <a:buNone/>
+              </a:pPr>
+              <a:r>
+                <a:rPr lang="en"/>
+                <a:t>~</a:t>
+              </a:r>
+              <a:endParaRPr/>
+            </a:p>
+          </p:txBody>
+        </p:sp>
         <p:grpSp>
           <p:nvGrpSpPr>
-            <p:cNvPr id="154" name="Google Shape;154;p15"/>
+            <p:cNvPr id="142" name="Google Shape;142;p14"/>
             <p:cNvGrpSpPr/>
             <p:nvPr/>
           </p:nvGrpSpPr>
           <p:grpSpPr>
             <a:xfrm>
-              <a:off x="1018225" y="3936775"/>
+              <a:off x="1018225" y="3551550"/>
               <a:ext cx="1144800" cy="286200"/>
               <a:chOff x="2161225" y="2332350"/>
               <a:chExt cx="1144800" cy="286200"/>
@@ -12129,7 +11683,7 @@
           </p:grpSpPr>
           <p:sp>
             <p:nvSpPr>
-              <p:cNvPr id="155" name="Google Shape;155;p15"/>
+              <p:cNvPr id="143" name="Google Shape;143;p14"/>
               <p:cNvSpPr/>
               <p:nvPr/>
             </p:nvSpPr>
@@ -12170,7 +11724,8 @@
                   <a:buNone/>
                 </a:pPr>
                 <a:r>
-                  <a:t/>
+                  <a:rPr lang="en"/>
+                  <a:t>0</a:t>
                 </a:r>
                 <a:endParaRPr/>
               </a:p>
@@ -12178,7 +11733,57 @@
           </p:sp>
           <p:sp>
             <p:nvSpPr>
-              <p:cNvPr id="156" name="Google Shape;156;p15"/>
+              <p:cNvPr id="144" name="Google Shape;144;p14"/>
+              <p:cNvSpPr/>
+              <p:nvPr/>
+            </p:nvSpPr>
+            <p:spPr>
+              <a:xfrm>
+                <a:off x="2447425" y="2332350"/>
+                <a:ext cx="286200" cy="286200"/>
+              </a:xfrm>
+              <a:prstGeom prst="rect">
+                <a:avLst/>
+              </a:prstGeom>
+              <a:solidFill>
+                <a:schemeClr val="lt2"/>
+              </a:solidFill>
+              <a:ln cap="flat" cmpd="sng" w="9525">
+                <a:solidFill>
+                  <a:schemeClr val="dk2"/>
+                </a:solidFill>
+                <a:prstDash val="solid"/>
+                <a:round/>
+                <a:headEnd len="sm" w="sm" type="none"/>
+                <a:tailEnd len="sm" w="sm" type="none"/>
+              </a:ln>
+            </p:spPr>
+            <p:txBody>
+              <a:bodyPr anchorCtr="0" anchor="ctr" bIns="91425" lIns="91425" spcFirstLastPara="1" rIns="91425" wrap="square" tIns="91425">
+                <a:noAutofit/>
+              </a:bodyPr>
+              <a:lstStyle/>
+              <a:p>
+                <a:pPr indent="0" lvl="0" marL="0" rtl="0" algn="l">
+                  <a:spcBef>
+                    <a:spcPts val="0"/>
+                  </a:spcBef>
+                  <a:spcAft>
+                    <a:spcPts val="0"/>
+                  </a:spcAft>
+                  <a:buNone/>
+                </a:pPr>
+                <a:r>
+                  <a:rPr lang="en"/>
+                  <a:t>1</a:t>
+                </a:r>
+                <a:endParaRPr/>
+              </a:p>
+            </p:txBody>
+          </p:sp>
+          <p:sp>
+            <p:nvSpPr>
+              <p:cNvPr id="145" name="Google Shape;145;p14"/>
               <p:cNvSpPr/>
               <p:nvPr/>
             </p:nvSpPr>
@@ -12219,7 +11824,8 @@
                   <a:buNone/>
                 </a:pPr>
                 <a:r>
-                  <a:t/>
+                  <a:rPr lang="en"/>
+                  <a:t>1</a:t>
                 </a:r>
                 <a:endParaRPr/>
               </a:p>
@@ -12227,7 +11833,7 @@
           </p:sp>
           <p:sp>
             <p:nvSpPr>
-              <p:cNvPr id="157" name="Google Shape;157;p15"/>
+              <p:cNvPr id="146" name="Google Shape;146;p14"/>
               <p:cNvSpPr/>
               <p:nvPr/>
             </p:nvSpPr>
@@ -12268,7 +11874,99 @@
                   <a:buNone/>
                 </a:pPr>
                 <a:r>
-                  <a:t/>
+                  <a:rPr lang="en"/>
+                  <a:t>0</a:t>
+                </a:r>
+                <a:endParaRPr/>
+              </a:p>
+            </p:txBody>
+          </p:sp>
+        </p:grpSp>
+        <p:cxnSp>
+          <p:nvCxnSpPr>
+            <p:cNvPr id="147" name="Google Shape;147;p14"/>
+            <p:cNvCxnSpPr/>
+            <p:nvPr/>
+          </p:nvCxnSpPr>
+          <p:spPr>
+            <a:xfrm rot="10800000">
+              <a:off x="702750" y="3891175"/>
+              <a:ext cx="1451400" cy="0"/>
+            </a:xfrm>
+            <a:prstGeom prst="straightConnector1">
+              <a:avLst/>
+            </a:prstGeom>
+            <a:noFill/>
+            <a:ln cap="flat" cmpd="sng" w="28575">
+              <a:solidFill>
+                <a:schemeClr val="dk2"/>
+              </a:solidFill>
+              <a:prstDash val="solid"/>
+              <a:round/>
+              <a:headEnd len="med" w="med" type="none"/>
+              <a:tailEnd len="med" w="med" type="none"/>
+            </a:ln>
+          </p:spPr>
+        </p:cxnSp>
+        <p:grpSp>
+          <p:nvGrpSpPr>
+            <p:cNvPr id="148" name="Google Shape;148;p14"/>
+            <p:cNvGrpSpPr/>
+            <p:nvPr/>
+          </p:nvGrpSpPr>
+          <p:grpSpPr>
+            <a:xfrm>
+              <a:off x="1018225" y="3936775"/>
+              <a:ext cx="1144800" cy="286200"/>
+              <a:chOff x="2161225" y="2332350"/>
+              <a:chExt cx="1144800" cy="286200"/>
+            </a:xfrm>
+          </p:grpSpPr>
+          <p:sp>
+            <p:nvSpPr>
+              <p:cNvPr id="149" name="Google Shape;149;p14"/>
+              <p:cNvSpPr/>
+              <p:nvPr/>
+            </p:nvSpPr>
+            <p:spPr>
+              <a:xfrm>
+                <a:off x="2161225" y="2332350"/>
+                <a:ext cx="286200" cy="286200"/>
+              </a:xfrm>
+              <a:prstGeom prst="rect">
+                <a:avLst/>
+              </a:prstGeom>
+              <a:solidFill>
+                <a:schemeClr val="lt2"/>
+              </a:solidFill>
+              <a:ln cap="flat" cmpd="sng" w="9525">
+                <a:solidFill>
+                  <a:schemeClr val="dk2"/>
+                </a:solidFill>
+                <a:prstDash val="solid"/>
+                <a:round/>
+                <a:headEnd len="sm" w="sm" type="none"/>
+                <a:tailEnd len="sm" w="sm" type="none"/>
+              </a:ln>
+            </p:spPr>
+            <p:txBody>
+              <a:bodyPr anchorCtr="0" anchor="ctr" bIns="91425" lIns="91425" spcFirstLastPara="1" rIns="91425" wrap="square" tIns="91425">
+                <a:noAutofit/>
+              </a:bodyPr>
+              <a:lstStyle/>
+              <a:p>
+                <a:pPr indent="0" lvl="0" marL="0" rtl="0" algn="l">
+                  <a:spcBef>
+                    <a:spcPts val="0"/>
+                  </a:spcBef>
+                  <a:spcAft>
+                    <a:spcPts val="0"/>
+                  </a:spcAft>
+                  <a:buNone/>
+                </a:pPr>
+                <a:r>
+                  <a:rPr lang="en"/>
+                  <a:t>1</a:t>
                 </a:r>
                 <a:endParaRPr/>
               </a:p>
@@ -12276,7 +11974,107 @@
           </p:sp>
           <p:sp>
             <p:nvSpPr>
-              <p:cNvPr id="158" name="Google Shape;158;p15"/>
+              <p:cNvPr id="150" name="Google Shape;150;p14"/>
+              <p:cNvSpPr/>
+              <p:nvPr/>
+            </p:nvSpPr>
+            <p:spPr>
+              <a:xfrm>
+                <a:off x="2733625" y="2332350"/>
+                <a:ext cx="286200" cy="286200"/>
+              </a:xfrm>
+              <a:prstGeom prst="rect">
+                <a:avLst/>
+              </a:prstGeom>
+              <a:solidFill>
+                <a:schemeClr val="lt2"/>
+              </a:solidFill>
+              <a:ln cap="flat" cmpd="sng" w="9525">
+                <a:solidFill>
+                  <a:schemeClr val="dk2"/>
+                </a:solidFill>
+                <a:prstDash val="solid"/>
+                <a:round/>
+                <a:headEnd len="sm" w="sm" type="none"/>
+                <a:tailEnd len="sm" w="sm" type="none"/>
+              </a:ln>
+            </p:spPr>
+            <p:txBody>
+              <a:bodyPr anchorCtr="0" anchor="ctr" bIns="91425" lIns="91425" spcFirstLastPara="1" rIns="91425" wrap="square" tIns="91425">
+                <a:noAutofit/>
+              </a:bodyPr>
+              <a:lstStyle/>
+              <a:p>
+                <a:pPr indent="0" lvl="0" marL="0" rtl="0" algn="l">
+                  <a:spcBef>
+                    <a:spcPts val="0"/>
+                  </a:spcBef>
+                  <a:spcAft>
+                    <a:spcPts val="0"/>
+                  </a:spcAft>
+                  <a:buNone/>
+                </a:pPr>
+                <a:r>
+                  <a:rPr lang="en"/>
+                  <a:t>0</a:t>
+                </a:r>
+                <a:endParaRPr/>
+              </a:p>
+            </p:txBody>
+          </p:sp>
+          <p:sp>
+            <p:nvSpPr>
+              <p:cNvPr id="151" name="Google Shape;151;p14"/>
+              <p:cNvSpPr/>
+              <p:nvPr/>
+            </p:nvSpPr>
+            <p:spPr>
+              <a:xfrm>
+                <a:off x="3019825" y="2332350"/>
+                <a:ext cx="286200" cy="286200"/>
+              </a:xfrm>
+              <a:prstGeom prst="rect">
+                <a:avLst/>
+              </a:prstGeom>
+              <a:solidFill>
+                <a:schemeClr val="lt2"/>
+              </a:solidFill>
+              <a:ln cap="flat" cmpd="sng" w="9525">
+                <a:solidFill>
+                  <a:schemeClr val="dk2"/>
+                </a:solidFill>
+                <a:prstDash val="solid"/>
+                <a:round/>
+                <a:headEnd len="sm" w="sm" type="none"/>
+                <a:tailEnd len="sm" w="sm" type="none"/>
+              </a:ln>
+            </p:spPr>
+            <p:txBody>
+              <a:bodyPr anchorCtr="0" anchor="ctr" bIns="91425" lIns="91425" spcFirstLastPara="1" rIns="91425" wrap="square" tIns="91425">
+                <a:noAutofit/>
+              </a:bodyPr>
+              <a:lstStyle/>
+              <a:p>
+                <a:pPr indent="0" lvl="0" marL="0" rtl="0" algn="l">
+                  <a:spcBef>
+                    <a:spcPts val="0"/>
+                  </a:spcBef>
+                  <a:spcAft>
+                    <a:spcPts val="0"/>
+                  </a:spcAft>
+                  <a:buNone/>
+                </a:pPr>
+                <a:r>
+                  <a:rPr lang="en"/>
+                  <a:t>1</a:t>
+                </a:r>
+                <a:endParaRPr/>
+              </a:p>
+            </p:txBody>
+          </p:sp>
+          <p:sp>
+            <p:nvSpPr>
+              <p:cNvPr id="152" name="Google Shape;152;p14"/>
               <p:cNvSpPr/>
               <p:nvPr/>
             </p:nvSpPr>
@@ -12317,7 +12115,8 @@
                   <a:buNone/>
                 </a:pPr>
                 <a:r>
-                  <a:t/>
+                  <a:rPr lang="en"/>
+                  <a:t>0</a:t>
                 </a:r>
                 <a:endParaRPr/>
               </a:p>
@@ -12333,12 +12132,12 @@
 </p:sld>
 </file>
 
-<file path=ppt/slides/slide4.xml><?xml version="1.0" encoding="utf-8"?>
+<file path=ppt/slides/slide3.xml><?xml version="1.0" encoding="utf-8"?>
 <p:sld xmlns:a="http://schemas.openxmlformats.org/drawingml/2006/main" xmlns:r="http://schemas.openxmlformats.org/officeDocument/2006/relationships" xmlns:mc="http://schemas.openxmlformats.org/markup-compatibility/2006" xmlns:mv="urn:schemas-microsoft-com:mac:vml" xmlns:p="http://schemas.openxmlformats.org/presentationml/2006/main" xmlns:c="http://schemas.openxmlformats.org/drawingml/2006/chart" xmlns:dgm="http://schemas.openxmlformats.org/drawingml/2006/diagram" xmlns:o="urn:schemas-microsoft-com:office:office" xmlns:v="urn:schemas-microsoft-com:vml" xmlns:pvml="urn:schemas-microsoft-com:office:powerpoint" xmlns:com="http://schemas.openxmlformats.org/drawingml/2006/compatibility" xmlns:p14="http://schemas.microsoft.com/office/powerpoint/2010/main" xmlns:p15="http://schemas.microsoft.com/office/powerpoint/2012/main" xmlns:ahyp="http://schemas.microsoft.com/office/drawing/2018/hyperlinkcolor">
   <p:cSld>
     <p:spTree>
       <p:nvGrpSpPr>
-        <p:cNvPr id="162" name="Shape 162"/>
+        <p:cNvPr id="156" name="Shape 156"/>
         <p:cNvGrpSpPr/>
         <p:nvPr/>
       </p:nvGrpSpPr>
@@ -12352,7 +12151,7 @@
       </p:grpSpPr>
       <p:sp>
         <p:nvSpPr>
-          <p:cNvPr id="163" name="Google Shape;163;p16"/>
+          <p:cNvPr id="157" name="Google Shape;157;p15"/>
           <p:cNvSpPr txBox="1"/>
           <p:nvPr>
             <p:ph idx="1" type="body"/>
@@ -12600,7 +12399,7 @@
       </p:sp>
       <p:sp>
         <p:nvSpPr>
-          <p:cNvPr id="164" name="Google Shape;164;p16"/>
+          <p:cNvPr id="158" name="Google Shape;158;p15"/>
           <p:cNvSpPr txBox="1"/>
           <p:nvPr>
             <p:ph type="title"/>
@@ -12644,7 +12443,7 @@
       </p:sp>
       <p:grpSp>
         <p:nvGrpSpPr>
-          <p:cNvPr id="165" name="Google Shape;165;p16"/>
+          <p:cNvPr id="159" name="Google Shape;159;p15"/>
           <p:cNvGrpSpPr/>
           <p:nvPr/>
         </p:nvGrpSpPr>
@@ -12658,7 +12457,7 @@
         </p:grpSpPr>
         <p:sp>
           <p:nvSpPr>
-            <p:cNvPr id="166" name="Google Shape;166;p16"/>
+            <p:cNvPr id="160" name="Google Shape;160;p15"/>
             <p:cNvSpPr/>
             <p:nvPr/>
           </p:nvSpPr>
@@ -12708,7 +12507,7 @@
         </p:sp>
         <p:sp>
           <p:nvSpPr>
-            <p:cNvPr id="167" name="Google Shape;167;p16"/>
+            <p:cNvPr id="161" name="Google Shape;161;p15"/>
             <p:cNvSpPr/>
             <p:nvPr/>
           </p:nvSpPr>
@@ -12758,7 +12557,7 @@
         </p:sp>
         <p:sp>
           <p:nvSpPr>
-            <p:cNvPr id="168" name="Google Shape;168;p16"/>
+            <p:cNvPr id="162" name="Google Shape;162;p15"/>
             <p:cNvSpPr/>
             <p:nvPr/>
           </p:nvSpPr>
@@ -12808,7 +12607,7 @@
         </p:sp>
         <p:sp>
           <p:nvSpPr>
-            <p:cNvPr id="169" name="Google Shape;169;p16"/>
+            <p:cNvPr id="163" name="Google Shape;163;p15"/>
             <p:cNvSpPr/>
             <p:nvPr/>
           </p:nvSpPr>
@@ -12859,7 +12658,7 @@
       </p:grpSp>
       <p:grpSp>
         <p:nvGrpSpPr>
-          <p:cNvPr id="170" name="Google Shape;170;p16"/>
+          <p:cNvPr id="164" name="Google Shape;164;p15"/>
           <p:cNvGrpSpPr/>
           <p:nvPr/>
         </p:nvGrpSpPr>
@@ -12873,7 +12672,7 @@
         </p:grpSpPr>
         <p:sp>
           <p:nvSpPr>
-            <p:cNvPr id="171" name="Google Shape;171;p16"/>
+            <p:cNvPr id="165" name="Google Shape;165;p15"/>
             <p:cNvSpPr/>
             <p:nvPr/>
           </p:nvSpPr>
@@ -12923,7 +12722,7 @@
         </p:sp>
         <p:sp>
           <p:nvSpPr>
-            <p:cNvPr id="172" name="Google Shape;172;p16"/>
+            <p:cNvPr id="166" name="Google Shape;166;p15"/>
             <p:cNvSpPr/>
             <p:nvPr/>
           </p:nvSpPr>
@@ -12973,7 +12772,7 @@
         </p:sp>
         <p:sp>
           <p:nvSpPr>
-            <p:cNvPr id="173" name="Google Shape;173;p16"/>
+            <p:cNvPr id="167" name="Google Shape;167;p15"/>
             <p:cNvSpPr/>
             <p:nvPr/>
           </p:nvSpPr>
@@ -13023,7 +12822,7 @@
         </p:sp>
         <p:sp>
           <p:nvSpPr>
-            <p:cNvPr id="174" name="Google Shape;174;p16"/>
+            <p:cNvPr id="168" name="Google Shape;168;p15"/>
             <p:cNvSpPr/>
             <p:nvPr/>
           </p:nvSpPr>
@@ -13074,7 +12873,7 @@
       </p:grpSp>
       <p:sp>
         <p:nvSpPr>
-          <p:cNvPr id="175" name="Google Shape;175;p16"/>
+          <p:cNvPr id="169" name="Google Shape;169;p15"/>
           <p:cNvSpPr/>
           <p:nvPr/>
         </p:nvSpPr>
@@ -13124,7 +12923,7 @@
       </p:sp>
       <p:sp>
         <p:nvSpPr>
-          <p:cNvPr id="176" name="Google Shape;176;p16"/>
+          <p:cNvPr id="170" name="Google Shape;170;p15"/>
           <p:cNvSpPr/>
           <p:nvPr/>
         </p:nvSpPr>
@@ -13174,7 +12973,7 @@
       </p:sp>
       <p:sp>
         <p:nvSpPr>
-          <p:cNvPr id="177" name="Google Shape;177;p16"/>
+          <p:cNvPr id="171" name="Google Shape;171;p15"/>
           <p:cNvSpPr txBox="1"/>
           <p:nvPr/>
         </p:nvSpPr>
@@ -13216,10 +13015,10 @@
       </p:sp>
       <p:cxnSp>
         <p:nvCxnSpPr>
-          <p:cNvPr id="178" name="Google Shape;178;p16"/>
+          <p:cNvPr id="172" name="Google Shape;172;p15"/>
           <p:cNvCxnSpPr>
-            <a:stCxn id="166" idx="2"/>
-            <a:endCxn id="176" idx="0"/>
+            <a:stCxn id="160" idx="2"/>
+            <a:endCxn id="170" idx="0"/>
           </p:cNvCxnSpPr>
           <p:nvPr/>
         </p:nvCxnSpPr>
@@ -13245,10 +13044,10 @@
       </p:cxnSp>
       <p:cxnSp>
         <p:nvCxnSpPr>
-          <p:cNvPr id="179" name="Google Shape;179;p16"/>
+          <p:cNvPr id="173" name="Google Shape;173;p15"/>
           <p:cNvCxnSpPr>
-            <a:stCxn id="167" idx="2"/>
-            <a:endCxn id="171" idx="0"/>
+            <a:stCxn id="161" idx="2"/>
+            <a:endCxn id="165" idx="0"/>
           </p:cNvCxnSpPr>
           <p:nvPr/>
         </p:nvCxnSpPr>
@@ -13274,10 +13073,10 @@
       </p:cxnSp>
       <p:cxnSp>
         <p:nvCxnSpPr>
-          <p:cNvPr id="180" name="Google Shape;180;p16"/>
+          <p:cNvPr id="174" name="Google Shape;174;p15"/>
           <p:cNvCxnSpPr>
-            <a:stCxn id="168" idx="2"/>
-            <a:endCxn id="172" idx="0"/>
+            <a:stCxn id="162" idx="2"/>
+            <a:endCxn id="166" idx="0"/>
           </p:cNvCxnSpPr>
           <p:nvPr/>
         </p:nvCxnSpPr>
@@ -13303,10 +13102,10 @@
       </p:cxnSp>
       <p:cxnSp>
         <p:nvCxnSpPr>
-          <p:cNvPr id="181" name="Google Shape;181;p16"/>
+          <p:cNvPr id="175" name="Google Shape;175;p15"/>
           <p:cNvCxnSpPr>
-            <a:stCxn id="169" idx="2"/>
-            <a:endCxn id="173" idx="0"/>
+            <a:stCxn id="163" idx="2"/>
+            <a:endCxn id="167" idx="0"/>
           </p:cNvCxnSpPr>
           <p:nvPr/>
         </p:nvCxnSpPr>
@@ -13332,10 +13131,10 @@
       </p:cxnSp>
       <p:cxnSp>
         <p:nvCxnSpPr>
-          <p:cNvPr id="182" name="Google Shape;182;p16"/>
+          <p:cNvPr id="176" name="Google Shape;176;p15"/>
           <p:cNvCxnSpPr>
-            <a:stCxn id="175" idx="1"/>
-            <a:endCxn id="174" idx="3"/>
+            <a:stCxn id="169" idx="1"/>
+            <a:endCxn id="168" idx="3"/>
           </p:cNvCxnSpPr>
           <p:nvPr/>
         </p:nvCxnSpPr>
@@ -13361,7 +13160,7 @@
       </p:cxnSp>
       <p:grpSp>
         <p:nvGrpSpPr>
-          <p:cNvPr id="183" name="Google Shape;183;p16"/>
+          <p:cNvPr id="177" name="Google Shape;177;p15"/>
           <p:cNvGrpSpPr/>
           <p:nvPr/>
         </p:nvGrpSpPr>
@@ -13375,7 +13174,7 @@
         </p:grpSpPr>
         <p:sp>
           <p:nvSpPr>
-            <p:cNvPr id="184" name="Google Shape;184;p16"/>
+            <p:cNvPr id="178" name="Google Shape;178;p15"/>
             <p:cNvSpPr/>
             <p:nvPr/>
           </p:nvSpPr>
@@ -13425,7 +13224,7 @@
         </p:sp>
         <p:sp>
           <p:nvSpPr>
-            <p:cNvPr id="185" name="Google Shape;185;p16"/>
+            <p:cNvPr id="179" name="Google Shape;179;p15"/>
             <p:cNvSpPr/>
             <p:nvPr/>
           </p:nvSpPr>
@@ -13475,7 +13274,7 @@
         </p:sp>
         <p:sp>
           <p:nvSpPr>
-            <p:cNvPr id="186" name="Google Shape;186;p16"/>
+            <p:cNvPr id="180" name="Google Shape;180;p15"/>
             <p:cNvSpPr/>
             <p:nvPr/>
           </p:nvSpPr>
@@ -13525,7 +13324,7 @@
         </p:sp>
         <p:sp>
           <p:nvSpPr>
-            <p:cNvPr id="187" name="Google Shape;187;p16"/>
+            <p:cNvPr id="181" name="Google Shape;181;p15"/>
             <p:cNvSpPr/>
             <p:nvPr/>
           </p:nvSpPr>
@@ -13576,7 +13375,7 @@
       </p:grpSp>
       <p:grpSp>
         <p:nvGrpSpPr>
-          <p:cNvPr id="188" name="Google Shape;188;p16"/>
+          <p:cNvPr id="182" name="Google Shape;182;p15"/>
           <p:cNvGrpSpPr/>
           <p:nvPr/>
         </p:nvGrpSpPr>
@@ -13590,7 +13389,7 @@
         </p:grpSpPr>
         <p:sp>
           <p:nvSpPr>
-            <p:cNvPr id="189" name="Google Shape;189;p16"/>
+            <p:cNvPr id="183" name="Google Shape;183;p15"/>
             <p:cNvSpPr/>
             <p:nvPr/>
           </p:nvSpPr>
@@ -13640,7 +13439,7 @@
         </p:sp>
         <p:sp>
           <p:nvSpPr>
-            <p:cNvPr id="190" name="Google Shape;190;p16"/>
+            <p:cNvPr id="184" name="Google Shape;184;p15"/>
             <p:cNvSpPr/>
             <p:nvPr/>
           </p:nvSpPr>
@@ -13690,7 +13489,7 @@
         </p:sp>
         <p:sp>
           <p:nvSpPr>
-            <p:cNvPr id="191" name="Google Shape;191;p16"/>
+            <p:cNvPr id="185" name="Google Shape;185;p15"/>
             <p:cNvSpPr/>
             <p:nvPr/>
           </p:nvSpPr>
@@ -13732,7 +13531,7 @@
               </a:pPr>
               <a:r>
                 <a:rPr lang="en"/>
-                <a:t>1</a:t>
+                <a:t>0</a:t>
               </a:r>
               <a:endParaRPr/>
             </a:p>
@@ -13740,7 +13539,7 @@
         </p:sp>
         <p:sp>
           <p:nvSpPr>
-            <p:cNvPr id="192" name="Google Shape;192;p16"/>
+            <p:cNvPr id="186" name="Google Shape;186;p15"/>
             <p:cNvSpPr/>
             <p:nvPr/>
           </p:nvSpPr>
@@ -13782,7 +13581,7 @@
               </a:pPr>
               <a:r>
                 <a:rPr lang="en"/>
-                <a:t>0</a:t>
+                <a:t>1</a:t>
               </a:r>
               <a:endParaRPr/>
             </a:p>
@@ -13791,7 +13590,7 @@
       </p:grpSp>
       <p:sp>
         <p:nvSpPr>
-          <p:cNvPr id="193" name="Google Shape;193;p16"/>
+          <p:cNvPr id="187" name="Google Shape;187;p15"/>
           <p:cNvSpPr/>
           <p:nvPr/>
         </p:nvSpPr>
@@ -13841,7 +13640,7 @@
       </p:sp>
       <p:sp>
         <p:nvSpPr>
-          <p:cNvPr id="194" name="Google Shape;194;p16"/>
+          <p:cNvPr id="188" name="Google Shape;188;p15"/>
           <p:cNvSpPr/>
           <p:nvPr/>
         </p:nvSpPr>
@@ -13891,7 +13690,7 @@
       </p:sp>
       <p:sp>
         <p:nvSpPr>
-          <p:cNvPr id="195" name="Google Shape;195;p16"/>
+          <p:cNvPr id="189" name="Google Shape;189;p15"/>
           <p:cNvSpPr txBox="1"/>
           <p:nvPr/>
         </p:nvSpPr>
@@ -13933,10 +13732,10 @@
       </p:sp>
       <p:cxnSp>
         <p:nvCxnSpPr>
-          <p:cNvPr id="196" name="Google Shape;196;p16"/>
+          <p:cNvPr id="190" name="Google Shape;190;p15"/>
           <p:cNvCxnSpPr>
-            <a:stCxn id="184" idx="2"/>
-            <a:endCxn id="190" idx="0"/>
+            <a:stCxn id="178" idx="2"/>
+            <a:endCxn id="184" idx="0"/>
           </p:cNvCxnSpPr>
           <p:nvPr/>
         </p:nvCxnSpPr>
@@ -13962,10 +13761,10 @@
       </p:cxnSp>
       <p:cxnSp>
         <p:nvCxnSpPr>
-          <p:cNvPr id="197" name="Google Shape;197;p16"/>
+          <p:cNvPr id="191" name="Google Shape;191;p15"/>
           <p:cNvCxnSpPr>
-            <a:stCxn id="185" idx="2"/>
-            <a:endCxn id="191" idx="0"/>
+            <a:stCxn id="179" idx="2"/>
+            <a:endCxn id="185" idx="0"/>
           </p:cNvCxnSpPr>
           <p:nvPr/>
         </p:nvCxnSpPr>
@@ -13991,10 +13790,10 @@
       </p:cxnSp>
       <p:cxnSp>
         <p:nvCxnSpPr>
-          <p:cNvPr id="198" name="Google Shape;198;p16"/>
+          <p:cNvPr id="192" name="Google Shape;192;p15"/>
           <p:cNvCxnSpPr>
-            <a:stCxn id="186" idx="2"/>
-            <a:endCxn id="192" idx="0"/>
+            <a:stCxn id="180" idx="2"/>
+            <a:endCxn id="186" idx="0"/>
           </p:cNvCxnSpPr>
           <p:nvPr/>
         </p:nvCxnSpPr>
@@ -14020,10 +13819,10 @@
       </p:cxnSp>
       <p:cxnSp>
         <p:nvCxnSpPr>
-          <p:cNvPr id="199" name="Google Shape;199;p16"/>
+          <p:cNvPr id="193" name="Google Shape;193;p15"/>
           <p:cNvCxnSpPr>
-            <a:stCxn id="187" idx="2"/>
-            <a:endCxn id="193" idx="0"/>
+            <a:stCxn id="181" idx="2"/>
+            <a:endCxn id="187" idx="0"/>
           </p:cNvCxnSpPr>
           <p:nvPr/>
         </p:nvCxnSpPr>
@@ -14049,10 +13848,10 @@
       </p:cxnSp>
       <p:cxnSp>
         <p:nvCxnSpPr>
-          <p:cNvPr id="200" name="Google Shape;200;p16"/>
+          <p:cNvPr id="194" name="Google Shape;194;p15"/>
           <p:cNvCxnSpPr>
-            <a:stCxn id="194" idx="3"/>
-            <a:endCxn id="189" idx="1"/>
+            <a:stCxn id="188" idx="3"/>
+            <a:endCxn id="183" idx="1"/>
           </p:cNvCxnSpPr>
           <p:nvPr/>
         </p:nvCxnSpPr>
@@ -14078,7 +13877,7 @@
       </p:cxnSp>
       <p:grpSp>
         <p:nvGrpSpPr>
-          <p:cNvPr id="201" name="Google Shape;201;p16"/>
+          <p:cNvPr id="195" name="Google Shape;195;p15"/>
           <p:cNvGrpSpPr/>
           <p:nvPr/>
         </p:nvGrpSpPr>
@@ -14092,7 +13891,7 @@
         </p:grpSpPr>
         <p:sp>
           <p:nvSpPr>
-            <p:cNvPr id="202" name="Google Shape;202;p16"/>
+            <p:cNvPr id="196" name="Google Shape;196;p15"/>
             <p:cNvSpPr/>
             <p:nvPr/>
           </p:nvSpPr>
@@ -14142,7 +13941,7 @@
         </p:sp>
         <p:sp>
           <p:nvSpPr>
-            <p:cNvPr id="203" name="Google Shape;203;p16"/>
+            <p:cNvPr id="197" name="Google Shape;197;p15"/>
             <p:cNvSpPr/>
             <p:nvPr/>
           </p:nvSpPr>
@@ -14192,7 +13991,7 @@
         </p:sp>
         <p:sp>
           <p:nvSpPr>
-            <p:cNvPr id="204" name="Google Shape;204;p16"/>
+            <p:cNvPr id="198" name="Google Shape;198;p15"/>
             <p:cNvSpPr/>
             <p:nvPr/>
           </p:nvSpPr>
@@ -14242,7 +14041,7 @@
         </p:sp>
         <p:sp>
           <p:nvSpPr>
-            <p:cNvPr id="205" name="Google Shape;205;p16"/>
+            <p:cNvPr id="199" name="Google Shape;199;p15"/>
             <p:cNvSpPr/>
             <p:nvPr/>
           </p:nvSpPr>
@@ -14293,7 +14092,7 @@
       </p:grpSp>
       <p:grpSp>
         <p:nvGrpSpPr>
-          <p:cNvPr id="206" name="Google Shape;206;p16"/>
+          <p:cNvPr id="200" name="Google Shape;200;p15"/>
           <p:cNvGrpSpPr/>
           <p:nvPr/>
         </p:nvGrpSpPr>
@@ -14307,7 +14106,7 @@
         </p:grpSpPr>
         <p:sp>
           <p:nvSpPr>
-            <p:cNvPr id="207" name="Google Shape;207;p16"/>
+            <p:cNvPr id="201" name="Google Shape;201;p15"/>
             <p:cNvSpPr/>
             <p:nvPr/>
           </p:nvSpPr>
@@ -14357,7 +14156,7 @@
         </p:sp>
         <p:sp>
           <p:nvSpPr>
-            <p:cNvPr id="208" name="Google Shape;208;p16"/>
+            <p:cNvPr id="202" name="Google Shape;202;p15"/>
             <p:cNvSpPr/>
             <p:nvPr/>
           </p:nvSpPr>
@@ -14407,7 +14206,7 @@
         </p:sp>
         <p:sp>
           <p:nvSpPr>
-            <p:cNvPr id="209" name="Google Shape;209;p16"/>
+            <p:cNvPr id="203" name="Google Shape;203;p15"/>
             <p:cNvSpPr/>
             <p:nvPr/>
           </p:nvSpPr>
@@ -14449,7 +14248,7 @@
               </a:pPr>
               <a:r>
                 <a:rPr lang="en"/>
-                <a:t>1</a:t>
+                <a:t>0</a:t>
               </a:r>
               <a:endParaRPr/>
             </a:p>
@@ -14457,7 +14256,7 @@
         </p:sp>
         <p:sp>
           <p:nvSpPr>
-            <p:cNvPr id="210" name="Google Shape;210;p16"/>
+            <p:cNvPr id="204" name="Google Shape;204;p15"/>
             <p:cNvSpPr/>
             <p:nvPr/>
           </p:nvSpPr>
@@ -14499,7 +14298,7 @@
               </a:pPr>
               <a:r>
                 <a:rPr lang="en"/>
-                <a:t>0</a:t>
+                <a:t>1</a:t>
               </a:r>
               <a:endParaRPr/>
             </a:p>
@@ -14508,7 +14307,7 @@
       </p:grpSp>
       <p:sp>
         <p:nvSpPr>
-          <p:cNvPr id="211" name="Google Shape;211;p16"/>
+          <p:cNvPr id="205" name="Google Shape;205;p15"/>
           <p:cNvSpPr/>
           <p:nvPr/>
         </p:nvSpPr>
@@ -14558,7 +14357,7 @@
       </p:sp>
       <p:sp>
         <p:nvSpPr>
-          <p:cNvPr id="212" name="Google Shape;212;p16"/>
+          <p:cNvPr id="206" name="Google Shape;206;p15"/>
           <p:cNvSpPr/>
           <p:nvPr/>
         </p:nvSpPr>
@@ -14608,7 +14407,7 @@
       </p:sp>
       <p:sp>
         <p:nvSpPr>
-          <p:cNvPr id="213" name="Google Shape;213;p16"/>
+          <p:cNvPr id="207" name="Google Shape;207;p15"/>
           <p:cNvSpPr txBox="1"/>
           <p:nvPr/>
         </p:nvSpPr>
@@ -14650,10 +14449,10 @@
       </p:sp>
       <p:cxnSp>
         <p:nvCxnSpPr>
-          <p:cNvPr id="214" name="Google Shape;214;p16"/>
+          <p:cNvPr id="208" name="Google Shape;208;p15"/>
           <p:cNvCxnSpPr>
-            <a:stCxn id="202" idx="2"/>
-            <a:endCxn id="208" idx="0"/>
+            <a:stCxn id="196" idx="2"/>
+            <a:endCxn id="202" idx="0"/>
           </p:cNvCxnSpPr>
           <p:nvPr/>
         </p:nvCxnSpPr>
@@ -14679,10 +14478,10 @@
       </p:cxnSp>
       <p:cxnSp>
         <p:nvCxnSpPr>
-          <p:cNvPr id="215" name="Google Shape;215;p16"/>
+          <p:cNvPr id="209" name="Google Shape;209;p15"/>
           <p:cNvCxnSpPr>
-            <a:stCxn id="203" idx="2"/>
-            <a:endCxn id="209" idx="0"/>
+            <a:stCxn id="197" idx="2"/>
+            <a:endCxn id="203" idx="0"/>
           </p:cNvCxnSpPr>
           <p:nvPr/>
         </p:nvCxnSpPr>
@@ -14708,10 +14507,10 @@
       </p:cxnSp>
       <p:cxnSp>
         <p:nvCxnSpPr>
-          <p:cNvPr id="216" name="Google Shape;216;p16"/>
+          <p:cNvPr id="210" name="Google Shape;210;p15"/>
           <p:cNvCxnSpPr>
-            <a:stCxn id="204" idx="2"/>
-            <a:endCxn id="210" idx="0"/>
+            <a:stCxn id="198" idx="2"/>
+            <a:endCxn id="204" idx="0"/>
           </p:cNvCxnSpPr>
           <p:nvPr/>
         </p:nvCxnSpPr>
@@ -14737,10 +14536,10 @@
       </p:cxnSp>
       <p:cxnSp>
         <p:nvCxnSpPr>
-          <p:cNvPr id="217" name="Google Shape;217;p16"/>
+          <p:cNvPr id="211" name="Google Shape;211;p15"/>
           <p:cNvCxnSpPr>
-            <a:stCxn id="205" idx="2"/>
-            <a:endCxn id="211" idx="0"/>
+            <a:stCxn id="199" idx="2"/>
+            <a:endCxn id="205" idx="0"/>
           </p:cNvCxnSpPr>
           <p:nvPr/>
         </p:nvCxnSpPr>
@@ -14766,10 +14565,10 @@
       </p:cxnSp>
       <p:cxnSp>
         <p:nvCxnSpPr>
-          <p:cNvPr id="218" name="Google Shape;218;p16"/>
+          <p:cNvPr id="212" name="Google Shape;212;p15"/>
           <p:cNvCxnSpPr>
-            <a:stCxn id="202" idx="2"/>
-            <a:endCxn id="207" idx="0"/>
+            <a:stCxn id="196" idx="2"/>
+            <a:endCxn id="201" idx="0"/>
           </p:cNvCxnSpPr>
           <p:nvPr/>
         </p:nvCxnSpPr>
@@ -14801,12 +14600,12 @@
 </p:sld>
 </file>
 
-<file path=ppt/slides/slide5.xml><?xml version="1.0" encoding="utf-8"?>
+<file path=ppt/slides/slide4.xml><?xml version="1.0" encoding="utf-8"?>
 <p:sld xmlns:a="http://schemas.openxmlformats.org/drawingml/2006/main" xmlns:r="http://schemas.openxmlformats.org/officeDocument/2006/relationships" xmlns:mc="http://schemas.openxmlformats.org/markup-compatibility/2006" xmlns:mv="urn:schemas-microsoft-com:mac:vml" xmlns:p="http://schemas.openxmlformats.org/presentationml/2006/main" xmlns:c="http://schemas.openxmlformats.org/drawingml/2006/chart" xmlns:dgm="http://schemas.openxmlformats.org/drawingml/2006/diagram" xmlns:o="urn:schemas-microsoft-com:office:office" xmlns:v="urn:schemas-microsoft-com:vml" xmlns:pvml="urn:schemas-microsoft-com:office:powerpoint" xmlns:com="http://schemas.openxmlformats.org/drawingml/2006/compatibility" xmlns:p14="http://schemas.microsoft.com/office/powerpoint/2010/main" xmlns:p15="http://schemas.microsoft.com/office/powerpoint/2012/main" xmlns:ahyp="http://schemas.microsoft.com/office/drawing/2018/hyperlinkcolor">
   <p:cSld>
     <p:spTree>
       <p:nvGrpSpPr>
-        <p:cNvPr id="222" name="Shape 222"/>
+        <p:cNvPr id="216" name="Shape 216"/>
         <p:cNvGrpSpPr/>
         <p:nvPr/>
       </p:nvGrpSpPr>
@@ -14820,7 +14619,7 @@
       </p:grpSpPr>
       <p:sp>
         <p:nvSpPr>
-          <p:cNvPr id="223" name="Google Shape;223;p17"/>
+          <p:cNvPr id="217" name="Google Shape;217;p16"/>
           <p:cNvSpPr txBox="1"/>
           <p:nvPr>
             <p:ph idx="1" type="body"/>
@@ -14901,7 +14700,11 @@
             </a:pPr>
             <a:r>
               <a:rPr lang="en"/>
-              <a:t>Shift Right Logical		</a:t>
+              <a:t>Rotate</a:t>
+            </a:r>
+            <a:r>
+              <a:rPr lang="en"/>
+              <a:t> Right Logical		</a:t>
             </a:r>
             <a:r>
               <a:rPr lang="en">
@@ -14957,7 +14760,7 @@
       </p:sp>
       <p:sp>
         <p:nvSpPr>
-          <p:cNvPr id="224" name="Google Shape;224;p17"/>
+          <p:cNvPr id="218" name="Google Shape;218;p16"/>
           <p:cNvSpPr txBox="1"/>
           <p:nvPr>
             <p:ph type="title"/>
@@ -15001,7 +14804,7 @@
       </p:sp>
       <p:grpSp>
         <p:nvGrpSpPr>
-          <p:cNvPr id="225" name="Google Shape;225;p17"/>
+          <p:cNvPr id="219" name="Google Shape;219;p16"/>
           <p:cNvGrpSpPr/>
           <p:nvPr/>
         </p:nvGrpSpPr>
@@ -15015,7 +14818,7 @@
         </p:grpSpPr>
         <p:sp>
           <p:nvSpPr>
-            <p:cNvPr id="226" name="Google Shape;226;p17"/>
+            <p:cNvPr id="220" name="Google Shape;220;p16"/>
             <p:cNvSpPr/>
             <p:nvPr/>
           </p:nvSpPr>
@@ -15065,7 +14868,7 @@
         </p:sp>
         <p:sp>
           <p:nvSpPr>
-            <p:cNvPr id="227" name="Google Shape;227;p17"/>
+            <p:cNvPr id="221" name="Google Shape;221;p16"/>
             <p:cNvSpPr/>
             <p:nvPr/>
           </p:nvSpPr>
@@ -15115,7 +14918,7 @@
         </p:sp>
         <p:sp>
           <p:nvSpPr>
-            <p:cNvPr id="228" name="Google Shape;228;p17"/>
+            <p:cNvPr id="222" name="Google Shape;222;p16"/>
             <p:cNvSpPr/>
             <p:nvPr/>
           </p:nvSpPr>
@@ -15165,7 +14968,7 @@
         </p:sp>
         <p:sp>
           <p:nvSpPr>
-            <p:cNvPr id="229" name="Google Shape;229;p17"/>
+            <p:cNvPr id="223" name="Google Shape;223;p16"/>
             <p:cNvSpPr/>
             <p:nvPr/>
           </p:nvSpPr>
@@ -15216,7 +15019,7 @@
       </p:grpSp>
       <p:grpSp>
         <p:nvGrpSpPr>
-          <p:cNvPr id="230" name="Google Shape;230;p17"/>
+          <p:cNvPr id="224" name="Google Shape;224;p16"/>
           <p:cNvGrpSpPr/>
           <p:nvPr/>
         </p:nvGrpSpPr>
@@ -15230,7 +15033,7 @@
         </p:grpSpPr>
         <p:sp>
           <p:nvSpPr>
-            <p:cNvPr id="231" name="Google Shape;231;p17"/>
+            <p:cNvPr id="225" name="Google Shape;225;p16"/>
             <p:cNvSpPr/>
             <p:nvPr/>
           </p:nvSpPr>
@@ -15280,7 +15083,7 @@
         </p:sp>
         <p:sp>
           <p:nvSpPr>
-            <p:cNvPr id="232" name="Google Shape;232;p17"/>
+            <p:cNvPr id="226" name="Google Shape;226;p16"/>
             <p:cNvSpPr/>
             <p:nvPr/>
           </p:nvSpPr>
@@ -15330,7 +15133,7 @@
         </p:sp>
         <p:sp>
           <p:nvSpPr>
-            <p:cNvPr id="233" name="Google Shape;233;p17"/>
+            <p:cNvPr id="227" name="Google Shape;227;p16"/>
             <p:cNvSpPr/>
             <p:nvPr/>
           </p:nvSpPr>
@@ -15380,7 +15183,7 @@
         </p:sp>
         <p:sp>
           <p:nvSpPr>
-            <p:cNvPr id="234" name="Google Shape;234;p17"/>
+            <p:cNvPr id="228" name="Google Shape;228;p16"/>
             <p:cNvSpPr/>
             <p:nvPr/>
           </p:nvSpPr>
@@ -15422,7 +15225,7 @@
               </a:pPr>
               <a:r>
                 <a:rPr lang="en"/>
-                <a:t>0</a:t>
+                <a:t>1</a:t>
               </a:r>
               <a:endParaRPr/>
             </a:p>
@@ -15431,7 +15234,7 @@
       </p:grpSp>
       <p:sp>
         <p:nvSpPr>
-          <p:cNvPr id="235" name="Google Shape;235;p17"/>
+          <p:cNvPr id="229" name="Google Shape;229;p16"/>
           <p:cNvSpPr/>
           <p:nvPr/>
         </p:nvSpPr>
@@ -15481,7 +15284,7 @@
       </p:sp>
       <p:sp>
         <p:nvSpPr>
-          <p:cNvPr id="236" name="Google Shape;236;p17"/>
+          <p:cNvPr id="230" name="Google Shape;230;p16"/>
           <p:cNvSpPr/>
           <p:nvPr/>
         </p:nvSpPr>
@@ -15523,7 +15326,7 @@
             </a:pPr>
             <a:r>
               <a:rPr lang="en"/>
-              <a:t>0</a:t>
+              <a:t>1</a:t>
             </a:r>
             <a:endParaRPr/>
           </a:p>
@@ -15531,7 +15334,7 @@
       </p:sp>
       <p:sp>
         <p:nvSpPr>
-          <p:cNvPr id="237" name="Google Shape;237;p17"/>
+          <p:cNvPr id="231" name="Google Shape;231;p16"/>
           <p:cNvSpPr txBox="1"/>
           <p:nvPr/>
         </p:nvSpPr>
@@ -15577,10 +15380,10 @@
       </p:sp>
       <p:cxnSp>
         <p:nvCxnSpPr>
-          <p:cNvPr id="238" name="Google Shape;238;p17"/>
+          <p:cNvPr id="232" name="Google Shape;232;p16"/>
           <p:cNvCxnSpPr>
-            <a:stCxn id="226" idx="2"/>
-            <a:endCxn id="236" idx="0"/>
+            <a:stCxn id="220" idx="2"/>
+            <a:endCxn id="230" idx="0"/>
           </p:cNvCxnSpPr>
           <p:nvPr/>
         </p:nvCxnSpPr>
@@ -15606,10 +15409,10 @@
       </p:cxnSp>
       <p:cxnSp>
         <p:nvCxnSpPr>
-          <p:cNvPr id="239" name="Google Shape;239;p17"/>
+          <p:cNvPr id="233" name="Google Shape;233;p16"/>
           <p:cNvCxnSpPr>
-            <a:stCxn id="227" idx="2"/>
-            <a:endCxn id="231" idx="0"/>
+            <a:stCxn id="221" idx="2"/>
+            <a:endCxn id="225" idx="0"/>
           </p:cNvCxnSpPr>
           <p:nvPr/>
         </p:nvCxnSpPr>
@@ -15635,10 +15438,10 @@
       </p:cxnSp>
       <p:cxnSp>
         <p:nvCxnSpPr>
-          <p:cNvPr id="240" name="Google Shape;240;p17"/>
+          <p:cNvPr id="234" name="Google Shape;234;p16"/>
           <p:cNvCxnSpPr>
-            <a:stCxn id="228" idx="2"/>
-            <a:endCxn id="232" idx="0"/>
+            <a:stCxn id="222" idx="2"/>
+            <a:endCxn id="226" idx="0"/>
           </p:cNvCxnSpPr>
           <p:nvPr/>
         </p:nvCxnSpPr>
@@ -15664,10 +15467,10 @@
       </p:cxnSp>
       <p:cxnSp>
         <p:nvCxnSpPr>
-          <p:cNvPr id="241" name="Google Shape;241;p17"/>
+          <p:cNvPr id="235" name="Google Shape;235;p16"/>
           <p:cNvCxnSpPr>
-            <a:stCxn id="229" idx="2"/>
-            <a:endCxn id="233" idx="0"/>
+            <a:stCxn id="223" idx="2"/>
+            <a:endCxn id="227" idx="0"/>
           </p:cNvCxnSpPr>
           <p:nvPr/>
         </p:nvCxnSpPr>
@@ -15693,7 +15496,7 @@
       </p:cxnSp>
       <p:grpSp>
         <p:nvGrpSpPr>
-          <p:cNvPr id="242" name="Google Shape;242;p17"/>
+          <p:cNvPr id="236" name="Google Shape;236;p16"/>
           <p:cNvGrpSpPr/>
           <p:nvPr/>
         </p:nvGrpSpPr>
@@ -15707,7 +15510,7 @@
         </p:grpSpPr>
         <p:sp>
           <p:nvSpPr>
-            <p:cNvPr id="243" name="Google Shape;243;p17"/>
+            <p:cNvPr id="237" name="Google Shape;237;p16"/>
             <p:cNvSpPr/>
             <p:nvPr/>
           </p:nvSpPr>
@@ -15757,7 +15560,7 @@
         </p:sp>
         <p:sp>
           <p:nvSpPr>
-            <p:cNvPr id="244" name="Google Shape;244;p17"/>
+            <p:cNvPr id="238" name="Google Shape;238;p16"/>
             <p:cNvSpPr/>
             <p:nvPr/>
           </p:nvSpPr>
@@ -15807,7 +15610,7 @@
         </p:sp>
         <p:sp>
           <p:nvSpPr>
-            <p:cNvPr id="245" name="Google Shape;245;p17"/>
+            <p:cNvPr id="239" name="Google Shape;239;p16"/>
             <p:cNvSpPr/>
             <p:nvPr/>
           </p:nvSpPr>
@@ -15857,7 +15660,7 @@
         </p:sp>
         <p:sp>
           <p:nvSpPr>
-            <p:cNvPr id="246" name="Google Shape;246;p17"/>
+            <p:cNvPr id="240" name="Google Shape;240;p16"/>
             <p:cNvSpPr/>
             <p:nvPr/>
           </p:nvSpPr>
@@ -15908,7 +15711,7 @@
       </p:grpSp>
       <p:grpSp>
         <p:nvGrpSpPr>
-          <p:cNvPr id="247" name="Google Shape;247;p17"/>
+          <p:cNvPr id="241" name="Google Shape;241;p16"/>
           <p:cNvGrpSpPr/>
           <p:nvPr/>
         </p:nvGrpSpPr>
@@ -15922,7 +15725,7 @@
         </p:grpSpPr>
         <p:sp>
           <p:nvSpPr>
-            <p:cNvPr id="248" name="Google Shape;248;p17"/>
+            <p:cNvPr id="242" name="Google Shape;242;p16"/>
             <p:cNvSpPr/>
             <p:nvPr/>
           </p:nvSpPr>
@@ -15972,7 +15775,7 @@
         </p:sp>
         <p:sp>
           <p:nvSpPr>
-            <p:cNvPr id="249" name="Google Shape;249;p17"/>
+            <p:cNvPr id="243" name="Google Shape;243;p16"/>
             <p:cNvSpPr/>
             <p:nvPr/>
           </p:nvSpPr>
@@ -16022,7 +15825,7 @@
         </p:sp>
         <p:sp>
           <p:nvSpPr>
-            <p:cNvPr id="250" name="Google Shape;250;p17"/>
+            <p:cNvPr id="244" name="Google Shape;244;p16"/>
             <p:cNvSpPr/>
             <p:nvPr/>
           </p:nvSpPr>
@@ -16064,7 +15867,7 @@
               </a:pPr>
               <a:r>
                 <a:rPr lang="en"/>
-                <a:t>1</a:t>
+                <a:t>0</a:t>
               </a:r>
               <a:endParaRPr/>
             </a:p>
@@ -16072,7 +15875,7 @@
         </p:sp>
         <p:sp>
           <p:nvSpPr>
-            <p:cNvPr id="251" name="Google Shape;251;p17"/>
+            <p:cNvPr id="245" name="Google Shape;245;p16"/>
             <p:cNvSpPr/>
             <p:nvPr/>
           </p:nvSpPr>
@@ -16114,7 +15917,7 @@
               </a:pPr>
               <a:r>
                 <a:rPr lang="en"/>
-                <a:t>0</a:t>
+                <a:t>1</a:t>
               </a:r>
               <a:endParaRPr/>
             </a:p>
@@ -16123,7 +15926,7 @@
       </p:grpSp>
       <p:sp>
         <p:nvSpPr>
-          <p:cNvPr id="252" name="Google Shape;252;p17"/>
+          <p:cNvPr id="246" name="Google Shape;246;p16"/>
           <p:cNvSpPr/>
           <p:nvPr/>
         </p:nvSpPr>
@@ -16173,7 +15976,7 @@
       </p:sp>
       <p:sp>
         <p:nvSpPr>
-          <p:cNvPr id="253" name="Google Shape;253;p17"/>
+          <p:cNvPr id="247" name="Google Shape;247;p16"/>
           <p:cNvSpPr/>
           <p:nvPr/>
         </p:nvSpPr>
@@ -16223,7 +16026,7 @@
       </p:sp>
       <p:sp>
         <p:nvSpPr>
-          <p:cNvPr id="254" name="Google Shape;254;p17"/>
+          <p:cNvPr id="248" name="Google Shape;248;p16"/>
           <p:cNvSpPr txBox="1"/>
           <p:nvPr/>
         </p:nvSpPr>
@@ -16265,10 +16068,10 @@
       </p:sp>
       <p:cxnSp>
         <p:nvCxnSpPr>
-          <p:cNvPr id="255" name="Google Shape;255;p17"/>
+          <p:cNvPr id="249" name="Google Shape;249;p16"/>
           <p:cNvCxnSpPr>
-            <a:stCxn id="243" idx="2"/>
-            <a:endCxn id="249" idx="0"/>
+            <a:stCxn id="237" idx="2"/>
+            <a:endCxn id="243" idx="0"/>
           </p:cNvCxnSpPr>
           <p:nvPr/>
         </p:nvCxnSpPr>
@@ -16294,10 +16097,10 @@
       </p:cxnSp>
       <p:cxnSp>
         <p:nvCxnSpPr>
-          <p:cNvPr id="256" name="Google Shape;256;p17"/>
+          <p:cNvPr id="250" name="Google Shape;250;p16"/>
           <p:cNvCxnSpPr>
-            <a:stCxn id="244" idx="2"/>
-            <a:endCxn id="250" idx="0"/>
+            <a:stCxn id="238" idx="2"/>
+            <a:endCxn id="244" idx="0"/>
           </p:cNvCxnSpPr>
           <p:nvPr/>
         </p:nvCxnSpPr>
@@ -16323,10 +16126,10 @@
       </p:cxnSp>
       <p:cxnSp>
         <p:nvCxnSpPr>
-          <p:cNvPr id="257" name="Google Shape;257;p17"/>
+          <p:cNvPr id="251" name="Google Shape;251;p16"/>
           <p:cNvCxnSpPr>
-            <a:stCxn id="245" idx="2"/>
-            <a:endCxn id="251" idx="0"/>
+            <a:stCxn id="239" idx="2"/>
+            <a:endCxn id="245" idx="0"/>
           </p:cNvCxnSpPr>
           <p:nvPr/>
         </p:nvCxnSpPr>
@@ -16352,10 +16155,10 @@
       </p:cxnSp>
       <p:cxnSp>
         <p:nvCxnSpPr>
-          <p:cNvPr id="258" name="Google Shape;258;p17"/>
+          <p:cNvPr id="252" name="Google Shape;252;p16"/>
           <p:cNvCxnSpPr>
-            <a:stCxn id="246" idx="2"/>
-            <a:endCxn id="252" idx="0"/>
+            <a:stCxn id="240" idx="2"/>
+            <a:endCxn id="246" idx="0"/>
           </p:cNvCxnSpPr>
           <p:nvPr/>
         </p:nvCxnSpPr>
@@ -16381,10 +16184,10 @@
       </p:cxnSp>
       <p:cxnSp>
         <p:nvCxnSpPr>
-          <p:cNvPr id="259" name="Google Shape;259;p17"/>
+          <p:cNvPr id="253" name="Google Shape;253;p16"/>
           <p:cNvCxnSpPr>
-            <a:stCxn id="236" idx="2"/>
-            <a:endCxn id="234" idx="2"/>
+            <a:stCxn id="230" idx="2"/>
+            <a:endCxn id="228" idx="2"/>
           </p:cNvCxnSpPr>
           <p:nvPr/>
         </p:nvCxnSpPr>
@@ -16412,10 +16215,10 @@
       </p:cxnSp>
       <p:cxnSp>
         <p:nvCxnSpPr>
-          <p:cNvPr id="260" name="Google Shape;260;p17"/>
+          <p:cNvPr id="254" name="Google Shape;254;p16"/>
           <p:cNvCxnSpPr>
-            <a:stCxn id="252" idx="2"/>
-            <a:endCxn id="248" idx="2"/>
+            <a:stCxn id="246" idx="2"/>
+            <a:endCxn id="242" idx="2"/>
           </p:cNvCxnSpPr>
           <p:nvPr/>
         </p:nvCxnSpPr>
@@ -16437,13 +16240,13 @@
             <a:prstDash val="solid"/>
             <a:round/>
             <a:headEnd len="med" w="med" type="none"/>
-            <a:tailEnd len="med" w="med" type="none"/>
+            <a:tailEnd len="med" w="med" type="triangle"/>
           </a:ln>
         </p:spPr>
       </p:cxnSp>
       <p:sp>
         <p:nvSpPr>
-          <p:cNvPr id="261" name="Google Shape;261;p17"/>
+          <p:cNvPr id="255" name="Google Shape;255;p16"/>
           <p:cNvSpPr txBox="1"/>
           <p:nvPr/>
         </p:nvSpPr>
@@ -16544,7 +16347,7 @@
       </p:sp>
       <p:sp>
         <p:nvSpPr>
-          <p:cNvPr id="262" name="Google Shape;262;p17"/>
+          <p:cNvPr id="256" name="Google Shape;256;p16"/>
           <p:cNvSpPr txBox="1"/>
           <p:nvPr/>
         </p:nvSpPr>
@@ -16585,7 +16388,7 @@
             <a:r>
               <a:rPr lang="en">
                 <a:solidFill>
-                  <a:schemeClr val="lt1"/>
+                  <a:schemeClr val="dk1"/>
                 </a:solidFill>
                 <a:latin typeface="Source Code Pro"/>
                 <a:ea typeface="Source Code Pro"/>
@@ -16597,7 +16400,7 @@
             <a:br>
               <a:rPr lang="en">
                 <a:solidFill>
-                  <a:schemeClr val="lt1"/>
+                  <a:schemeClr val="dk1"/>
                 </a:solidFill>
                 <a:latin typeface="Source Code Pro"/>
                 <a:ea typeface="Source Code Pro"/>
@@ -16608,7 +16411,7 @@
             <a:r>
               <a:rPr lang="en">
                 <a:solidFill>
-                  <a:schemeClr val="lt1"/>
+                  <a:schemeClr val="dk1"/>
                 </a:solidFill>
                 <a:latin typeface="Source Code Pro"/>
                 <a:ea typeface="Source Code Pro"/>
@@ -16619,7 +16422,7 @@
             </a:r>
             <a:endParaRPr>
               <a:solidFill>
-                <a:schemeClr val="lt1"/>
+                <a:schemeClr val="dk1"/>
               </a:solidFill>
               <a:latin typeface="Source Code Pro"/>
               <a:ea typeface="Source Code Pro"/>
@@ -16640,7 +16443,7 @@
             <a:r>
               <a:rPr lang="en">
                 <a:solidFill>
-                  <a:schemeClr val="lt1"/>
+                  <a:schemeClr val="dk1"/>
                 </a:solidFill>
                 <a:latin typeface="Source Code Pro"/>
                 <a:ea typeface="Source Code Pro"/>
@@ -16651,7 +16454,7 @@
             </a:r>
             <a:endParaRPr>
               <a:solidFill>
-                <a:schemeClr val="lt1"/>
+                <a:schemeClr val="dk1"/>
               </a:solidFill>
               <a:latin typeface="Source Code Pro"/>
               <a:ea typeface="Source Code Pro"/>
@@ -16663,9 +16466,9 @@
       </p:sp>
       <p:cxnSp>
         <p:nvCxnSpPr>
-          <p:cNvPr id="263" name="Google Shape;263;p17"/>
+          <p:cNvPr id="257" name="Google Shape;257;p16"/>
           <p:cNvCxnSpPr>
-            <a:endCxn id="261" idx="1"/>
+            <a:endCxn id="255" idx="1"/>
           </p:cNvCxnSpPr>
           <p:nvPr/>
         </p:nvCxnSpPr>
@@ -16693,9 +16496,9 @@
       </p:cxnSp>
       <p:cxnSp>
         <p:nvCxnSpPr>
-          <p:cNvPr id="264" name="Google Shape;264;p17"/>
+          <p:cNvPr id="258" name="Google Shape;258;p16"/>
           <p:cNvCxnSpPr>
-            <a:endCxn id="262" idx="1"/>
+            <a:endCxn id="256" idx="1"/>
           </p:cNvCxnSpPr>
           <p:nvPr/>
         </p:nvCxnSpPr>
@@ -16729,12 +16532,12 @@
 </p:sld>
 </file>
 
-<file path=ppt/slides/slide6.xml><?xml version="1.0" encoding="utf-8"?>
+<file path=ppt/slides/slide5.xml><?xml version="1.0" encoding="utf-8"?>
 <p:sld xmlns:a="http://schemas.openxmlformats.org/drawingml/2006/main" xmlns:r="http://schemas.openxmlformats.org/officeDocument/2006/relationships" xmlns:mc="http://schemas.openxmlformats.org/markup-compatibility/2006" xmlns:mv="urn:schemas-microsoft-com:mac:vml" xmlns:p="http://schemas.openxmlformats.org/presentationml/2006/main" xmlns:c="http://schemas.openxmlformats.org/drawingml/2006/chart" xmlns:dgm="http://schemas.openxmlformats.org/drawingml/2006/diagram" xmlns:o="urn:schemas-microsoft-com:office:office" xmlns:v="urn:schemas-microsoft-com:vml" xmlns:pvml="urn:schemas-microsoft-com:office:powerpoint" xmlns:com="http://schemas.openxmlformats.org/drawingml/2006/compatibility" xmlns:p14="http://schemas.microsoft.com/office/powerpoint/2010/main" xmlns:p15="http://schemas.microsoft.com/office/powerpoint/2012/main" xmlns:ahyp="http://schemas.microsoft.com/office/drawing/2018/hyperlinkcolor">
   <p:cSld>
     <p:spTree>
       <p:nvGrpSpPr>
-        <p:cNvPr id="268" name="Shape 268"/>
+        <p:cNvPr id="262" name="Shape 262"/>
         <p:cNvGrpSpPr/>
         <p:nvPr/>
       </p:nvGrpSpPr>
@@ -16748,7 +16551,7 @@
       </p:grpSpPr>
       <p:sp>
         <p:nvSpPr>
-          <p:cNvPr id="269" name="Google Shape;269;p18"/>
+          <p:cNvPr id="263" name="Google Shape;263;p17"/>
           <p:cNvSpPr txBox="1"/>
           <p:nvPr>
             <p:ph type="title"/>
@@ -16788,7 +16591,7 @@
       </p:sp>
       <p:sp>
         <p:nvSpPr>
-          <p:cNvPr id="270" name="Google Shape;270;p18"/>
+          <p:cNvPr id="264" name="Google Shape;264;p17"/>
           <p:cNvSpPr txBox="1"/>
           <p:nvPr>
             <p:ph idx="1" type="body"/>
@@ -16884,7 +16687,7 @@
       </p:sp>
       <p:grpSp>
         <p:nvGrpSpPr>
-          <p:cNvPr id="271" name="Google Shape;271;p18"/>
+          <p:cNvPr id="265" name="Google Shape;265;p17"/>
           <p:cNvGrpSpPr/>
           <p:nvPr/>
         </p:nvGrpSpPr>
@@ -16898,7 +16701,7 @@
         </p:grpSpPr>
         <p:sp>
           <p:nvSpPr>
-            <p:cNvPr id="272" name="Google Shape;272;p18"/>
+            <p:cNvPr id="266" name="Google Shape;266;p17"/>
             <p:cNvSpPr/>
             <p:nvPr/>
           </p:nvSpPr>
@@ -16948,7 +16751,7 @@
         </p:sp>
         <p:sp>
           <p:nvSpPr>
-            <p:cNvPr id="273" name="Google Shape;273;p18"/>
+            <p:cNvPr id="267" name="Google Shape;267;p17"/>
             <p:cNvSpPr/>
             <p:nvPr/>
           </p:nvSpPr>
@@ -16998,7 +16801,7 @@
         </p:sp>
         <p:sp>
           <p:nvSpPr>
-            <p:cNvPr id="274" name="Google Shape;274;p18"/>
+            <p:cNvPr id="268" name="Google Shape;268;p17"/>
             <p:cNvSpPr/>
             <p:nvPr/>
           </p:nvSpPr>
@@ -17048,7 +16851,7 @@
         </p:sp>
         <p:sp>
           <p:nvSpPr>
-            <p:cNvPr id="275" name="Google Shape;275;p18"/>
+            <p:cNvPr id="269" name="Google Shape;269;p17"/>
             <p:cNvSpPr/>
             <p:nvPr/>
           </p:nvSpPr>
@@ -17099,7 +16902,7 @@
       </p:grpSp>
       <p:grpSp>
         <p:nvGrpSpPr>
-          <p:cNvPr id="276" name="Google Shape;276;p18"/>
+          <p:cNvPr id="270" name="Google Shape;270;p17"/>
           <p:cNvGrpSpPr/>
           <p:nvPr/>
         </p:nvGrpSpPr>
@@ -17113,7 +16916,7 @@
         </p:grpSpPr>
         <p:sp>
           <p:nvSpPr>
-            <p:cNvPr id="277" name="Google Shape;277;p18"/>
+            <p:cNvPr id="271" name="Google Shape;271;p17"/>
             <p:cNvSpPr/>
             <p:nvPr/>
           </p:nvSpPr>
@@ -17163,7 +16966,7 @@
         </p:sp>
         <p:sp>
           <p:nvSpPr>
-            <p:cNvPr id="278" name="Google Shape;278;p18"/>
+            <p:cNvPr id="272" name="Google Shape;272;p17"/>
             <p:cNvSpPr/>
             <p:nvPr/>
           </p:nvSpPr>
@@ -17213,7 +17016,7 @@
         </p:sp>
         <p:sp>
           <p:nvSpPr>
-            <p:cNvPr id="279" name="Google Shape;279;p18"/>
+            <p:cNvPr id="273" name="Google Shape;273;p17"/>
             <p:cNvSpPr/>
             <p:nvPr/>
           </p:nvSpPr>
@@ -17263,7 +17066,7 @@
         </p:sp>
         <p:sp>
           <p:nvSpPr>
-            <p:cNvPr id="280" name="Google Shape;280;p18"/>
+            <p:cNvPr id="274" name="Google Shape;274;p17"/>
             <p:cNvSpPr/>
             <p:nvPr/>
           </p:nvSpPr>
@@ -17314,7 +17117,7 @@
       </p:grpSp>
       <p:grpSp>
         <p:nvGrpSpPr>
-          <p:cNvPr id="281" name="Google Shape;281;p18"/>
+          <p:cNvPr id="275" name="Google Shape;275;p17"/>
           <p:cNvGrpSpPr/>
           <p:nvPr/>
         </p:nvGrpSpPr>
@@ -17328,7 +17131,7 @@
         </p:grpSpPr>
         <p:sp>
           <p:nvSpPr>
-            <p:cNvPr id="282" name="Google Shape;282;p18"/>
+            <p:cNvPr id="276" name="Google Shape;276;p17"/>
             <p:cNvSpPr/>
             <p:nvPr/>
           </p:nvSpPr>
@@ -17378,7 +17181,7 @@
         </p:sp>
         <p:sp>
           <p:nvSpPr>
-            <p:cNvPr id="283" name="Google Shape;283;p18"/>
+            <p:cNvPr id="277" name="Google Shape;277;p17"/>
             <p:cNvSpPr/>
             <p:nvPr/>
           </p:nvSpPr>
@@ -17428,7 +17231,7 @@
         </p:sp>
         <p:sp>
           <p:nvSpPr>
-            <p:cNvPr id="284" name="Google Shape;284;p18"/>
+            <p:cNvPr id="278" name="Google Shape;278;p17"/>
             <p:cNvSpPr/>
             <p:nvPr/>
           </p:nvSpPr>
@@ -17478,7 +17281,7 @@
         </p:sp>
         <p:sp>
           <p:nvSpPr>
-            <p:cNvPr id="285" name="Google Shape;285;p18"/>
+            <p:cNvPr id="279" name="Google Shape;279;p17"/>
             <p:cNvSpPr/>
             <p:nvPr/>
           </p:nvSpPr>
@@ -17529,7 +17332,7 @@
       </p:grpSp>
       <p:grpSp>
         <p:nvGrpSpPr>
-          <p:cNvPr id="286" name="Google Shape;286;p18"/>
+          <p:cNvPr id="280" name="Google Shape;280;p17"/>
           <p:cNvGrpSpPr/>
           <p:nvPr/>
         </p:nvGrpSpPr>
@@ -17543,7 +17346,7 @@
         </p:grpSpPr>
         <p:sp>
           <p:nvSpPr>
-            <p:cNvPr id="287" name="Google Shape;287;p18"/>
+            <p:cNvPr id="281" name="Google Shape;281;p17"/>
             <p:cNvSpPr/>
             <p:nvPr/>
           </p:nvSpPr>
@@ -17593,7 +17396,7 @@
         </p:sp>
         <p:sp>
           <p:nvSpPr>
-            <p:cNvPr id="288" name="Google Shape;288;p18"/>
+            <p:cNvPr id="282" name="Google Shape;282;p17"/>
             <p:cNvSpPr/>
             <p:nvPr/>
           </p:nvSpPr>
@@ -17643,7 +17446,7 @@
         </p:sp>
         <p:sp>
           <p:nvSpPr>
-            <p:cNvPr id="289" name="Google Shape;289;p18"/>
+            <p:cNvPr id="283" name="Google Shape;283;p17"/>
             <p:cNvSpPr/>
             <p:nvPr/>
           </p:nvSpPr>
@@ -17693,7 +17496,7 @@
         </p:sp>
         <p:sp>
           <p:nvSpPr>
-            <p:cNvPr id="290" name="Google Shape;290;p18"/>
+            <p:cNvPr id="284" name="Google Shape;284;p17"/>
             <p:cNvSpPr/>
             <p:nvPr/>
           </p:nvSpPr>
@@ -17744,7 +17547,7 @@
       </p:grpSp>
       <p:grpSp>
         <p:nvGrpSpPr>
-          <p:cNvPr id="291" name="Google Shape;291;p18"/>
+          <p:cNvPr id="285" name="Google Shape;285;p17"/>
           <p:cNvGrpSpPr/>
           <p:nvPr/>
         </p:nvGrpSpPr>
@@ -17758,7 +17561,7 @@
         </p:grpSpPr>
         <p:sp>
           <p:nvSpPr>
-            <p:cNvPr id="292" name="Google Shape;292;p18"/>
+            <p:cNvPr id="286" name="Google Shape;286;p17"/>
             <p:cNvSpPr/>
             <p:nvPr/>
           </p:nvSpPr>
@@ -17808,7 +17611,7 @@
         </p:sp>
         <p:sp>
           <p:nvSpPr>
-            <p:cNvPr id="293" name="Google Shape;293;p18"/>
+            <p:cNvPr id="287" name="Google Shape;287;p17"/>
             <p:cNvSpPr/>
             <p:nvPr/>
           </p:nvSpPr>
@@ -17858,7 +17661,7 @@
         </p:sp>
         <p:sp>
           <p:nvSpPr>
-            <p:cNvPr id="294" name="Google Shape;294;p18"/>
+            <p:cNvPr id="288" name="Google Shape;288;p17"/>
             <p:cNvSpPr/>
             <p:nvPr/>
           </p:nvSpPr>
@@ -17908,7 +17711,7 @@
         </p:sp>
         <p:sp>
           <p:nvSpPr>
-            <p:cNvPr id="295" name="Google Shape;295;p18"/>
+            <p:cNvPr id="289" name="Google Shape;289;p17"/>
             <p:cNvSpPr/>
             <p:nvPr/>
           </p:nvSpPr>
@@ -17959,7 +17762,7 @@
       </p:grpSp>
       <p:grpSp>
         <p:nvGrpSpPr>
-          <p:cNvPr id="296" name="Google Shape;296;p18"/>
+          <p:cNvPr id="290" name="Google Shape;290;p17"/>
           <p:cNvGrpSpPr/>
           <p:nvPr/>
         </p:nvGrpSpPr>
@@ -17973,7 +17776,7 @@
         </p:grpSpPr>
         <p:sp>
           <p:nvSpPr>
-            <p:cNvPr id="297" name="Google Shape;297;p18"/>
+            <p:cNvPr id="291" name="Google Shape;291;p17"/>
             <p:cNvSpPr/>
             <p:nvPr/>
           </p:nvSpPr>
@@ -18023,7 +17826,7 @@
         </p:sp>
         <p:sp>
           <p:nvSpPr>
-            <p:cNvPr id="298" name="Google Shape;298;p18"/>
+            <p:cNvPr id="292" name="Google Shape;292;p17"/>
             <p:cNvSpPr/>
             <p:nvPr/>
           </p:nvSpPr>
@@ -18073,7 +17876,7 @@
         </p:sp>
         <p:sp>
           <p:nvSpPr>
-            <p:cNvPr id="299" name="Google Shape;299;p18"/>
+            <p:cNvPr id="293" name="Google Shape;293;p17"/>
             <p:cNvSpPr/>
             <p:nvPr/>
           </p:nvSpPr>
@@ -18115,7 +17918,7 @@
               </a:pPr>
               <a:r>
                 <a:rPr lang="en"/>
-                <a:t>?</a:t>
+                <a:t>0</a:t>
               </a:r>
               <a:endParaRPr/>
             </a:p>
@@ -18123,7 +17926,7 @@
         </p:sp>
         <p:sp>
           <p:nvSpPr>
-            <p:cNvPr id="300" name="Google Shape;300;p18"/>
+            <p:cNvPr id="294" name="Google Shape;294;p17"/>
             <p:cNvSpPr/>
             <p:nvPr/>
           </p:nvSpPr>
@@ -18174,7 +17977,7 @@
       </p:grpSp>
       <p:grpSp>
         <p:nvGrpSpPr>
-          <p:cNvPr id="301" name="Google Shape;301;p18"/>
+          <p:cNvPr id="295" name="Google Shape;295;p17"/>
           <p:cNvGrpSpPr/>
           <p:nvPr/>
         </p:nvGrpSpPr>
@@ -18188,7 +17991,7 @@
         </p:grpSpPr>
         <p:sp>
           <p:nvSpPr>
-            <p:cNvPr id="302" name="Google Shape;302;p18"/>
+            <p:cNvPr id="296" name="Google Shape;296;p17"/>
             <p:cNvSpPr/>
             <p:nvPr/>
           </p:nvSpPr>
@@ -18238,7 +18041,7 @@
         </p:sp>
         <p:sp>
           <p:nvSpPr>
-            <p:cNvPr id="303" name="Google Shape;303;p18"/>
+            <p:cNvPr id="297" name="Google Shape;297;p17"/>
             <p:cNvSpPr/>
             <p:nvPr/>
           </p:nvSpPr>
@@ -18288,7 +18091,7 @@
         </p:sp>
         <p:sp>
           <p:nvSpPr>
-            <p:cNvPr id="304" name="Google Shape;304;p18"/>
+            <p:cNvPr id="298" name="Google Shape;298;p17"/>
             <p:cNvSpPr/>
             <p:nvPr/>
           </p:nvSpPr>
@@ -18338,7 +18141,7 @@
         </p:sp>
         <p:sp>
           <p:nvSpPr>
-            <p:cNvPr id="305" name="Google Shape;305;p18"/>
+            <p:cNvPr id="299" name="Google Shape;299;p17"/>
             <p:cNvSpPr/>
             <p:nvPr/>
           </p:nvSpPr>
@@ -18389,7 +18192,7 @@
       </p:grpSp>
       <p:grpSp>
         <p:nvGrpSpPr>
-          <p:cNvPr id="306" name="Google Shape;306;p18"/>
+          <p:cNvPr id="300" name="Google Shape;300;p17"/>
           <p:cNvGrpSpPr/>
           <p:nvPr/>
         </p:nvGrpSpPr>
@@ -18403,7 +18206,7 @@
         </p:grpSpPr>
         <p:sp>
           <p:nvSpPr>
-            <p:cNvPr id="307" name="Google Shape;307;p18"/>
+            <p:cNvPr id="301" name="Google Shape;301;p17"/>
             <p:cNvSpPr/>
             <p:nvPr/>
           </p:nvSpPr>
@@ -18453,7 +18256,7 @@
         </p:sp>
         <p:sp>
           <p:nvSpPr>
-            <p:cNvPr id="308" name="Google Shape;308;p18"/>
+            <p:cNvPr id="302" name="Google Shape;302;p17"/>
             <p:cNvSpPr/>
             <p:nvPr/>
           </p:nvSpPr>
@@ -18503,7 +18306,7 @@
         </p:sp>
         <p:sp>
           <p:nvSpPr>
-            <p:cNvPr id="309" name="Google Shape;309;p18"/>
+            <p:cNvPr id="303" name="Google Shape;303;p17"/>
             <p:cNvSpPr/>
             <p:nvPr/>
           </p:nvSpPr>
@@ -18553,7 +18356,7 @@
         </p:sp>
         <p:sp>
           <p:nvSpPr>
-            <p:cNvPr id="310" name="Google Shape;310;p18"/>
+            <p:cNvPr id="304" name="Google Shape;304;p17"/>
             <p:cNvSpPr/>
             <p:nvPr/>
           </p:nvSpPr>
@@ -18604,10 +18407,10 @@
       </p:grpSp>
       <p:cxnSp>
         <p:nvCxnSpPr>
-          <p:cNvPr id="311" name="Google Shape;311;p18"/>
+          <p:cNvPr id="305" name="Google Shape;305;p17"/>
           <p:cNvCxnSpPr>
-            <a:stCxn id="312" idx="2"/>
-            <a:endCxn id="307" idx="0"/>
+            <a:stCxn id="306" idx="2"/>
+            <a:endCxn id="301" idx="0"/>
           </p:cNvCxnSpPr>
           <p:nvPr/>
         </p:nvCxnSpPr>
@@ -18633,10 +18436,10 @@
       </p:cxnSp>
       <p:cxnSp>
         <p:nvCxnSpPr>
-          <p:cNvPr id="313" name="Google Shape;313;p18"/>
+          <p:cNvPr id="307" name="Google Shape;307;p17"/>
           <p:cNvCxnSpPr>
-            <a:stCxn id="314" idx="2"/>
-            <a:endCxn id="308" idx="0"/>
+            <a:stCxn id="308" idx="2"/>
+            <a:endCxn id="302" idx="0"/>
           </p:cNvCxnSpPr>
           <p:nvPr/>
         </p:nvCxnSpPr>
@@ -18662,10 +18465,10 @@
       </p:cxnSp>
       <p:cxnSp>
         <p:nvCxnSpPr>
-          <p:cNvPr id="315" name="Google Shape;315;p18"/>
+          <p:cNvPr id="309" name="Google Shape;309;p17"/>
           <p:cNvCxnSpPr>
-            <a:stCxn id="316" idx="2"/>
-            <a:endCxn id="309" idx="0"/>
+            <a:stCxn id="310" idx="2"/>
+            <a:endCxn id="303" idx="0"/>
           </p:cNvCxnSpPr>
           <p:nvPr/>
         </p:nvCxnSpPr>
@@ -18691,10 +18494,10 @@
       </p:cxnSp>
       <p:cxnSp>
         <p:nvCxnSpPr>
-          <p:cNvPr id="317" name="Google Shape;317;p18"/>
+          <p:cNvPr id="311" name="Google Shape;311;p17"/>
           <p:cNvCxnSpPr>
-            <a:stCxn id="318" idx="2"/>
-            <a:endCxn id="310" idx="0"/>
+            <a:stCxn id="312" idx="2"/>
+            <a:endCxn id="304" idx="0"/>
           </p:cNvCxnSpPr>
           <p:nvPr/>
         </p:nvCxnSpPr>
@@ -18720,10 +18523,10 @@
       </p:cxnSp>
       <p:cxnSp>
         <p:nvCxnSpPr>
-          <p:cNvPr id="319" name="Google Shape;319;p18"/>
+          <p:cNvPr id="313" name="Google Shape;313;p17"/>
           <p:cNvCxnSpPr>
-            <a:stCxn id="320" idx="2"/>
-            <a:endCxn id="302" idx="0"/>
+            <a:stCxn id="314" idx="2"/>
+            <a:endCxn id="296" idx="0"/>
           </p:cNvCxnSpPr>
           <p:nvPr/>
         </p:nvCxnSpPr>
@@ -18749,7 +18552,7 @@
       </p:cxnSp>
       <p:cxnSp>
         <p:nvCxnSpPr>
-          <p:cNvPr id="321" name="Google Shape;321;p18"/>
+          <p:cNvPr id="315" name="Google Shape;315;p17"/>
           <p:cNvCxnSpPr/>
           <p:nvPr/>
         </p:nvCxnSpPr>
@@ -18775,10 +18578,10 @@
       </p:cxnSp>
       <p:cxnSp>
         <p:nvCxnSpPr>
-          <p:cNvPr id="322" name="Google Shape;322;p18"/>
+          <p:cNvPr id="316" name="Google Shape;316;p17"/>
           <p:cNvCxnSpPr>
-            <a:stCxn id="323" idx="2"/>
-            <a:endCxn id="303" idx="0"/>
+            <a:stCxn id="317" idx="2"/>
+            <a:endCxn id="297" idx="0"/>
           </p:cNvCxnSpPr>
           <p:nvPr/>
         </p:nvCxnSpPr>
@@ -18804,10 +18607,10 @@
       </p:cxnSp>
       <p:cxnSp>
         <p:nvCxnSpPr>
-          <p:cNvPr id="324" name="Google Shape;324;p18"/>
+          <p:cNvPr id="318" name="Google Shape;318;p17"/>
           <p:cNvCxnSpPr>
-            <a:stCxn id="325" idx="2"/>
-            <a:endCxn id="304" idx="0"/>
+            <a:stCxn id="319" idx="2"/>
+            <a:endCxn id="298" idx="0"/>
           </p:cNvCxnSpPr>
           <p:nvPr/>
         </p:nvCxnSpPr>
@@ -18833,10 +18636,10 @@
       </p:cxnSp>
       <p:cxnSp>
         <p:nvCxnSpPr>
-          <p:cNvPr id="326" name="Google Shape;326;p18"/>
+          <p:cNvPr id="320" name="Google Shape;320;p17"/>
           <p:cNvCxnSpPr>
-            <a:stCxn id="327" idx="2"/>
-            <a:endCxn id="297" idx="0"/>
+            <a:stCxn id="321" idx="2"/>
+            <a:endCxn id="291" idx="0"/>
           </p:cNvCxnSpPr>
           <p:nvPr/>
         </p:nvCxnSpPr>
@@ -18862,10 +18665,10 @@
       </p:cxnSp>
       <p:cxnSp>
         <p:nvCxnSpPr>
-          <p:cNvPr id="328" name="Google Shape;328;p18"/>
+          <p:cNvPr id="322" name="Google Shape;322;p17"/>
           <p:cNvCxnSpPr>
-            <a:stCxn id="329" idx="2"/>
-            <a:endCxn id="298" idx="0"/>
+            <a:stCxn id="323" idx="2"/>
+            <a:endCxn id="292" idx="0"/>
           </p:cNvCxnSpPr>
           <p:nvPr/>
         </p:nvCxnSpPr>
@@ -18891,10 +18694,10 @@
       </p:cxnSp>
       <p:cxnSp>
         <p:nvCxnSpPr>
-          <p:cNvPr id="330" name="Google Shape;330;p18"/>
+          <p:cNvPr id="324" name="Google Shape;324;p17"/>
           <p:cNvCxnSpPr>
-            <a:stCxn id="331" idx="2"/>
-            <a:endCxn id="299" idx="0"/>
+            <a:stCxn id="325" idx="2"/>
+            <a:endCxn id="293" idx="0"/>
           </p:cNvCxnSpPr>
           <p:nvPr/>
         </p:nvCxnSpPr>
@@ -18920,10 +18723,10 @@
       </p:cxnSp>
       <p:cxnSp>
         <p:nvCxnSpPr>
-          <p:cNvPr id="332" name="Google Shape;332;p18"/>
+          <p:cNvPr id="326" name="Google Shape;326;p17"/>
           <p:cNvCxnSpPr>
-            <a:stCxn id="333" idx="2"/>
-            <a:endCxn id="300" idx="0"/>
+            <a:stCxn id="327" idx="2"/>
+            <a:endCxn id="294" idx="0"/>
           </p:cNvCxnSpPr>
           <p:nvPr/>
         </p:nvCxnSpPr>
@@ -18949,10 +18752,10 @@
       </p:cxnSp>
       <p:cxnSp>
         <p:nvCxnSpPr>
-          <p:cNvPr id="334" name="Google Shape;334;p18"/>
+          <p:cNvPr id="328" name="Google Shape;328;p17"/>
           <p:cNvCxnSpPr>
-            <a:stCxn id="335" idx="2"/>
-            <a:endCxn id="292" idx="0"/>
+            <a:stCxn id="329" idx="2"/>
+            <a:endCxn id="286" idx="0"/>
           </p:cNvCxnSpPr>
           <p:nvPr/>
         </p:nvCxnSpPr>
@@ -18978,10 +18781,10 @@
       </p:cxnSp>
       <p:cxnSp>
         <p:nvCxnSpPr>
-          <p:cNvPr id="336" name="Google Shape;336;p18"/>
+          <p:cNvPr id="330" name="Google Shape;330;p17"/>
           <p:cNvCxnSpPr>
-            <a:stCxn id="337" idx="2"/>
-            <a:endCxn id="293" idx="0"/>
+            <a:stCxn id="331" idx="2"/>
+            <a:endCxn id="287" idx="0"/>
           </p:cNvCxnSpPr>
           <p:nvPr/>
         </p:nvCxnSpPr>
@@ -19007,10 +18810,10 @@
       </p:cxnSp>
       <p:cxnSp>
         <p:nvCxnSpPr>
-          <p:cNvPr id="338" name="Google Shape;338;p18"/>
+          <p:cNvPr id="332" name="Google Shape;332;p17"/>
           <p:cNvCxnSpPr>
-            <a:stCxn id="339" idx="2"/>
-            <a:endCxn id="294" idx="0"/>
+            <a:stCxn id="333" idx="2"/>
+            <a:endCxn id="288" idx="0"/>
           </p:cNvCxnSpPr>
           <p:nvPr/>
         </p:nvCxnSpPr>
@@ -19036,10 +18839,10 @@
       </p:cxnSp>
       <p:cxnSp>
         <p:nvCxnSpPr>
-          <p:cNvPr id="340" name="Google Shape;340;p18"/>
+          <p:cNvPr id="334" name="Google Shape;334;p17"/>
           <p:cNvCxnSpPr>
-            <a:stCxn id="341" idx="2"/>
-            <a:endCxn id="295" idx="0"/>
+            <a:stCxn id="335" idx="2"/>
+            <a:endCxn id="289" idx="0"/>
           </p:cNvCxnSpPr>
           <p:nvPr/>
         </p:nvCxnSpPr>
@@ -19065,7 +18868,7 @@
       </p:cxnSp>
       <p:grpSp>
         <p:nvGrpSpPr>
-          <p:cNvPr id="342" name="Google Shape;342;p18"/>
+          <p:cNvPr id="336" name="Google Shape;336;p17"/>
           <p:cNvGrpSpPr/>
           <p:nvPr/>
         </p:nvGrpSpPr>
@@ -19079,7 +18882,7 @@
         </p:grpSpPr>
         <p:sp>
           <p:nvSpPr>
-            <p:cNvPr id="335" name="Google Shape;335;p18"/>
+            <p:cNvPr id="329" name="Google Shape;329;p17"/>
             <p:cNvSpPr/>
             <p:nvPr/>
           </p:nvSpPr>
@@ -19129,7 +18932,7 @@
         </p:sp>
         <p:sp>
           <p:nvSpPr>
-            <p:cNvPr id="337" name="Google Shape;337;p18"/>
+            <p:cNvPr id="331" name="Google Shape;331;p17"/>
             <p:cNvSpPr/>
             <p:nvPr/>
           </p:nvSpPr>
@@ -19179,7 +18982,7 @@
         </p:sp>
         <p:sp>
           <p:nvSpPr>
-            <p:cNvPr id="339" name="Google Shape;339;p18"/>
+            <p:cNvPr id="333" name="Google Shape;333;p17"/>
             <p:cNvSpPr/>
             <p:nvPr/>
           </p:nvSpPr>
@@ -19229,7 +19032,7 @@
         </p:sp>
         <p:sp>
           <p:nvSpPr>
-            <p:cNvPr id="341" name="Google Shape;341;p18"/>
+            <p:cNvPr id="335" name="Google Shape;335;p17"/>
             <p:cNvSpPr/>
             <p:nvPr/>
           </p:nvSpPr>
@@ -19280,7 +19083,7 @@
       </p:grpSp>
       <p:grpSp>
         <p:nvGrpSpPr>
-          <p:cNvPr id="343" name="Google Shape;343;p18"/>
+          <p:cNvPr id="337" name="Google Shape;337;p17"/>
           <p:cNvGrpSpPr/>
           <p:nvPr/>
         </p:nvGrpSpPr>
@@ -19294,7 +19097,7 @@
         </p:grpSpPr>
         <p:sp>
           <p:nvSpPr>
-            <p:cNvPr id="327" name="Google Shape;327;p18"/>
+            <p:cNvPr id="321" name="Google Shape;321;p17"/>
             <p:cNvSpPr/>
             <p:nvPr/>
           </p:nvSpPr>
@@ -19344,7 +19147,7 @@
         </p:sp>
         <p:sp>
           <p:nvSpPr>
-            <p:cNvPr id="329" name="Google Shape;329;p18"/>
+            <p:cNvPr id="323" name="Google Shape;323;p17"/>
             <p:cNvSpPr/>
             <p:nvPr/>
           </p:nvSpPr>
@@ -19394,7 +19197,7 @@
         </p:sp>
         <p:sp>
           <p:nvSpPr>
-            <p:cNvPr id="331" name="Google Shape;331;p18"/>
+            <p:cNvPr id="325" name="Google Shape;325;p17"/>
             <p:cNvSpPr/>
             <p:nvPr/>
           </p:nvSpPr>
@@ -19444,7 +19247,7 @@
         </p:sp>
         <p:sp>
           <p:nvSpPr>
-            <p:cNvPr id="333" name="Google Shape;333;p18"/>
+            <p:cNvPr id="327" name="Google Shape;327;p17"/>
             <p:cNvSpPr/>
             <p:nvPr/>
           </p:nvSpPr>
@@ -19495,7 +19298,7 @@
       </p:grpSp>
       <p:grpSp>
         <p:nvGrpSpPr>
-          <p:cNvPr id="344" name="Google Shape;344;p18"/>
+          <p:cNvPr id="338" name="Google Shape;338;p17"/>
           <p:cNvGrpSpPr/>
           <p:nvPr/>
         </p:nvGrpSpPr>
@@ -19509,7 +19312,7 @@
         </p:grpSpPr>
         <p:sp>
           <p:nvSpPr>
-            <p:cNvPr id="320" name="Google Shape;320;p18"/>
+            <p:cNvPr id="314" name="Google Shape;314;p17"/>
             <p:cNvSpPr/>
             <p:nvPr/>
           </p:nvSpPr>
@@ -19559,7 +19362,7 @@
         </p:sp>
         <p:sp>
           <p:nvSpPr>
-            <p:cNvPr id="323" name="Google Shape;323;p18"/>
+            <p:cNvPr id="317" name="Google Shape;317;p17"/>
             <p:cNvSpPr/>
             <p:nvPr/>
           </p:nvSpPr>
@@ -19609,7 +19412,7 @@
         </p:sp>
         <p:sp>
           <p:nvSpPr>
-            <p:cNvPr id="325" name="Google Shape;325;p18"/>
+            <p:cNvPr id="319" name="Google Shape;319;p17"/>
             <p:cNvSpPr/>
             <p:nvPr/>
           </p:nvSpPr>
@@ -19659,7 +19462,7 @@
         </p:sp>
         <p:sp>
           <p:nvSpPr>
-            <p:cNvPr id="345" name="Google Shape;345;p18"/>
+            <p:cNvPr id="339" name="Google Shape;339;p17"/>
             <p:cNvSpPr/>
             <p:nvPr/>
           </p:nvSpPr>
@@ -19710,7 +19513,7 @@
       </p:grpSp>
       <p:grpSp>
         <p:nvGrpSpPr>
-          <p:cNvPr id="346" name="Google Shape;346;p18"/>
+          <p:cNvPr id="340" name="Google Shape;340;p17"/>
           <p:cNvGrpSpPr/>
           <p:nvPr/>
         </p:nvGrpSpPr>
@@ -19724,7 +19527,7 @@
         </p:grpSpPr>
         <p:sp>
           <p:nvSpPr>
-            <p:cNvPr id="312" name="Google Shape;312;p18"/>
+            <p:cNvPr id="306" name="Google Shape;306;p17"/>
             <p:cNvSpPr/>
             <p:nvPr/>
           </p:nvSpPr>
@@ -19774,7 +19577,7 @@
         </p:sp>
         <p:sp>
           <p:nvSpPr>
-            <p:cNvPr id="314" name="Google Shape;314;p18"/>
+            <p:cNvPr id="308" name="Google Shape;308;p17"/>
             <p:cNvSpPr/>
             <p:nvPr/>
           </p:nvSpPr>
@@ -19824,7 +19627,7 @@
         </p:sp>
         <p:sp>
           <p:nvSpPr>
-            <p:cNvPr id="316" name="Google Shape;316;p18"/>
+            <p:cNvPr id="310" name="Google Shape;310;p17"/>
             <p:cNvSpPr/>
             <p:nvPr/>
           </p:nvSpPr>
@@ -19874,7 +19677,7 @@
         </p:sp>
         <p:sp>
           <p:nvSpPr>
-            <p:cNvPr id="318" name="Google Shape;318;p18"/>
+            <p:cNvPr id="312" name="Google Shape;312;p17"/>
             <p:cNvSpPr/>
             <p:nvPr/>
           </p:nvSpPr>
@@ -19925,7 +19728,7 @@
       </p:grpSp>
       <p:sp>
         <p:nvSpPr>
-          <p:cNvPr id="347" name="Google Shape;347;p18"/>
+          <p:cNvPr id="341" name="Google Shape;341;p17"/>
           <p:cNvSpPr txBox="1"/>
           <p:nvPr/>
         </p:nvSpPr>
@@ -19967,7 +19770,7 @@
       </p:sp>
       <p:sp>
         <p:nvSpPr>
-          <p:cNvPr id="348" name="Google Shape;348;p18"/>
+          <p:cNvPr id="342" name="Google Shape;342;p17"/>
           <p:cNvSpPr txBox="1"/>
           <p:nvPr/>
         </p:nvSpPr>
@@ -20009,7 +19812,7 @@
       </p:sp>
       <p:sp>
         <p:nvSpPr>
-          <p:cNvPr id="349" name="Google Shape;349;p18"/>
+          <p:cNvPr id="343" name="Google Shape;343;p17"/>
           <p:cNvSpPr txBox="1"/>
           <p:nvPr/>
         </p:nvSpPr>
@@ -20051,7 +19854,7 @@
       </p:sp>
       <p:sp>
         <p:nvSpPr>
-          <p:cNvPr id="350" name="Google Shape;350;p18"/>
+          <p:cNvPr id="344" name="Google Shape;344;p17"/>
           <p:cNvSpPr txBox="1"/>
           <p:nvPr/>
         </p:nvSpPr>
@@ -20099,10 +19902,10 @@
       </p:sp>
       <p:cxnSp>
         <p:nvCxnSpPr>
-          <p:cNvPr id="351" name="Google Shape;351;p18"/>
+          <p:cNvPr id="345" name="Google Shape;345;p17"/>
           <p:cNvCxnSpPr>
-            <a:stCxn id="350" idx="3"/>
-            <a:endCxn id="348" idx="3"/>
+            <a:stCxn id="344" idx="3"/>
+            <a:endCxn id="342" idx="3"/>
           </p:cNvCxnSpPr>
           <p:nvPr/>
         </p:nvCxnSpPr>
@@ -20130,7 +19933,7 @@
       </p:cxnSp>
       <p:cxnSp>
         <p:nvCxnSpPr>
-          <p:cNvPr id="352" name="Google Shape;352;p18"/>
+          <p:cNvPr id="346" name="Google Shape;346;p17"/>
           <p:cNvCxnSpPr/>
           <p:nvPr/>
         </p:nvCxnSpPr>
@@ -20156,7 +19959,7 @@
       </p:cxnSp>
       <p:grpSp>
         <p:nvGrpSpPr>
-          <p:cNvPr id="353" name="Google Shape;353;p18"/>
+          <p:cNvPr id="347" name="Google Shape;347;p17"/>
           <p:cNvGrpSpPr/>
           <p:nvPr/>
         </p:nvGrpSpPr>
@@ -20170,7 +19973,7 @@
         </p:grpSpPr>
         <p:grpSp>
           <p:nvGrpSpPr>
-            <p:cNvPr id="354" name="Google Shape;354;p18"/>
+            <p:cNvPr id="348" name="Google Shape;348;p17"/>
             <p:cNvGrpSpPr/>
             <p:nvPr/>
           </p:nvGrpSpPr>
@@ -20184,7 +19987,7 @@
           </p:grpSpPr>
           <p:sp>
             <p:nvSpPr>
-              <p:cNvPr id="355" name="Google Shape;355;p18"/>
+              <p:cNvPr id="349" name="Google Shape;349;p17"/>
               <p:cNvSpPr/>
               <p:nvPr/>
             </p:nvSpPr>
@@ -20234,7 +20037,7 @@
           </p:sp>
           <p:sp>
             <p:nvSpPr>
-              <p:cNvPr id="356" name="Google Shape;356;p18"/>
+              <p:cNvPr id="350" name="Google Shape;350;p17"/>
               <p:cNvSpPr/>
               <p:nvPr/>
             </p:nvSpPr>
@@ -20284,7 +20087,7 @@
           </p:sp>
           <p:sp>
             <p:nvSpPr>
-              <p:cNvPr id="357" name="Google Shape;357;p18"/>
+              <p:cNvPr id="351" name="Google Shape;351;p17"/>
               <p:cNvSpPr/>
               <p:nvPr/>
             </p:nvSpPr>
@@ -20334,7 +20137,7 @@
           </p:sp>
           <p:sp>
             <p:nvSpPr>
-              <p:cNvPr id="358" name="Google Shape;358;p18"/>
+              <p:cNvPr id="352" name="Google Shape;352;p17"/>
               <p:cNvSpPr/>
               <p:nvPr/>
             </p:nvSpPr>
@@ -20385,7 +20188,7 @@
         </p:grpSp>
         <p:grpSp>
           <p:nvGrpSpPr>
-            <p:cNvPr id="359" name="Google Shape;359;p18"/>
+            <p:cNvPr id="353" name="Google Shape;353;p17"/>
             <p:cNvGrpSpPr/>
             <p:nvPr/>
           </p:nvGrpSpPr>
@@ -20399,7 +20202,7 @@
           </p:grpSpPr>
           <p:sp>
             <p:nvSpPr>
-              <p:cNvPr id="360" name="Google Shape;360;p18"/>
+              <p:cNvPr id="354" name="Google Shape;354;p17"/>
               <p:cNvSpPr/>
               <p:nvPr/>
             </p:nvSpPr>
@@ -20441,7 +20244,7 @@
           </p:sp>
           <p:sp>
             <p:nvSpPr>
-              <p:cNvPr id="361" name="Google Shape;361;p18"/>
+              <p:cNvPr id="355" name="Google Shape;355;p17"/>
               <p:cNvSpPr/>
               <p:nvPr/>
             </p:nvSpPr>
@@ -20483,7 +20286,7 @@
           </p:sp>
           <p:sp>
             <p:nvSpPr>
-              <p:cNvPr id="362" name="Google Shape;362;p18"/>
+              <p:cNvPr id="356" name="Google Shape;356;p17"/>
               <p:cNvSpPr/>
               <p:nvPr/>
             </p:nvSpPr>
@@ -20525,7 +20328,7 @@
           </p:sp>
           <p:sp>
             <p:nvSpPr>
-              <p:cNvPr id="363" name="Google Shape;363;p18"/>
+              <p:cNvPr id="357" name="Google Shape;357;p17"/>
               <p:cNvSpPr/>
               <p:nvPr/>
             </p:nvSpPr>
@@ -20575,12 +20378,12 @@
 </p:sld>
 </file>
 
-<file path=ppt/slides/slide7.xml><?xml version="1.0" encoding="utf-8"?>
+<file path=ppt/slides/slide6.xml><?xml version="1.0" encoding="utf-8"?>
 <p:sld xmlns:a="http://schemas.openxmlformats.org/drawingml/2006/main" xmlns:r="http://schemas.openxmlformats.org/officeDocument/2006/relationships" xmlns:mc="http://schemas.openxmlformats.org/markup-compatibility/2006" xmlns:mv="urn:schemas-microsoft-com:mac:vml" xmlns:p="http://schemas.openxmlformats.org/presentationml/2006/main" xmlns:c="http://schemas.openxmlformats.org/drawingml/2006/chart" xmlns:dgm="http://schemas.openxmlformats.org/drawingml/2006/diagram" xmlns:o="urn:schemas-microsoft-com:office:office" xmlns:v="urn:schemas-microsoft-com:vml" xmlns:pvml="urn:schemas-microsoft-com:office:powerpoint" xmlns:com="http://schemas.openxmlformats.org/drawingml/2006/compatibility" xmlns:p14="http://schemas.microsoft.com/office/powerpoint/2010/main" xmlns:p15="http://schemas.microsoft.com/office/powerpoint/2012/main" xmlns:ahyp="http://schemas.microsoft.com/office/drawing/2018/hyperlinkcolor">
   <p:cSld>
     <p:spTree>
       <p:nvGrpSpPr>
-        <p:cNvPr id="367" name="Shape 367"/>
+        <p:cNvPr id="361" name="Shape 361"/>
         <p:cNvGrpSpPr/>
         <p:nvPr/>
       </p:nvGrpSpPr>
@@ -20594,7 +20397,7 @@
       </p:grpSpPr>
       <p:sp>
         <p:nvSpPr>
-          <p:cNvPr id="368" name="Google Shape;368;p19"/>
+          <p:cNvPr id="362" name="Google Shape;362;p18"/>
           <p:cNvSpPr txBox="1"/>
           <p:nvPr>
             <p:ph type="title"/>
@@ -20634,7 +20437,7 @@
       </p:sp>
       <p:sp>
         <p:nvSpPr>
-          <p:cNvPr id="369" name="Google Shape;369;p19"/>
+          <p:cNvPr id="363" name="Google Shape;363;p18"/>
           <p:cNvSpPr txBox="1"/>
           <p:nvPr>
             <p:ph idx="1" type="body"/>
@@ -20730,7 +20533,7 @@
             </a:r>
             <a:r>
               <a:rPr lang="en"/>
-              <a:t> on arm: bic A, A #0x200</a:t>
+              <a:t> on ARM: bic A, A #0x200</a:t>
             </a:r>
             <a:endParaRPr/>
           </a:p>
@@ -20738,7 +20541,7 @@
       </p:sp>
       <p:grpSp>
         <p:nvGrpSpPr>
-          <p:cNvPr id="370" name="Google Shape;370;p19"/>
+          <p:cNvPr id="364" name="Google Shape;364;p18"/>
           <p:cNvGrpSpPr/>
           <p:nvPr/>
         </p:nvGrpSpPr>
@@ -20752,7 +20555,7 @@
         </p:grpSpPr>
         <p:sp>
           <p:nvSpPr>
-            <p:cNvPr id="371" name="Google Shape;371;p19"/>
+            <p:cNvPr id="365" name="Google Shape;365;p18"/>
             <p:cNvSpPr/>
             <p:nvPr/>
           </p:nvSpPr>
@@ -20802,7 +20605,7 @@
         </p:sp>
         <p:sp>
           <p:nvSpPr>
-            <p:cNvPr id="372" name="Google Shape;372;p19"/>
+            <p:cNvPr id="366" name="Google Shape;366;p18"/>
             <p:cNvSpPr/>
             <p:nvPr/>
           </p:nvSpPr>
@@ -20852,7 +20655,7 @@
         </p:sp>
         <p:sp>
           <p:nvSpPr>
-            <p:cNvPr id="373" name="Google Shape;373;p19"/>
+            <p:cNvPr id="367" name="Google Shape;367;p18"/>
             <p:cNvSpPr/>
             <p:nvPr/>
           </p:nvSpPr>
@@ -20902,7 +20705,7 @@
         </p:sp>
         <p:sp>
           <p:nvSpPr>
-            <p:cNvPr id="374" name="Google Shape;374;p19"/>
+            <p:cNvPr id="368" name="Google Shape;368;p18"/>
             <p:cNvSpPr/>
             <p:nvPr/>
           </p:nvSpPr>
@@ -20953,7 +20756,7 @@
       </p:grpSp>
       <p:grpSp>
         <p:nvGrpSpPr>
-          <p:cNvPr id="375" name="Google Shape;375;p19"/>
+          <p:cNvPr id="369" name="Google Shape;369;p18"/>
           <p:cNvGrpSpPr/>
           <p:nvPr/>
         </p:nvGrpSpPr>
@@ -20967,7 +20770,7 @@
         </p:grpSpPr>
         <p:sp>
           <p:nvSpPr>
-            <p:cNvPr id="376" name="Google Shape;376;p19"/>
+            <p:cNvPr id="370" name="Google Shape;370;p18"/>
             <p:cNvSpPr/>
             <p:nvPr/>
           </p:nvSpPr>
@@ -21017,7 +20820,7 @@
         </p:sp>
         <p:sp>
           <p:nvSpPr>
-            <p:cNvPr id="377" name="Google Shape;377;p19"/>
+            <p:cNvPr id="371" name="Google Shape;371;p18"/>
             <p:cNvSpPr/>
             <p:nvPr/>
           </p:nvSpPr>
@@ -21067,7 +20870,7 @@
         </p:sp>
         <p:sp>
           <p:nvSpPr>
-            <p:cNvPr id="378" name="Google Shape;378;p19"/>
+            <p:cNvPr id="372" name="Google Shape;372;p18"/>
             <p:cNvSpPr/>
             <p:nvPr/>
           </p:nvSpPr>
@@ -21117,7 +20920,7 @@
         </p:sp>
         <p:sp>
           <p:nvSpPr>
-            <p:cNvPr id="379" name="Google Shape;379;p19"/>
+            <p:cNvPr id="373" name="Google Shape;373;p18"/>
             <p:cNvSpPr/>
             <p:nvPr/>
           </p:nvSpPr>
@@ -21168,7 +20971,7 @@
       </p:grpSp>
       <p:grpSp>
         <p:nvGrpSpPr>
-          <p:cNvPr id="380" name="Google Shape;380;p19"/>
+          <p:cNvPr id="374" name="Google Shape;374;p18"/>
           <p:cNvGrpSpPr/>
           <p:nvPr/>
         </p:nvGrpSpPr>
@@ -21182,7 +20985,7 @@
         </p:grpSpPr>
         <p:sp>
           <p:nvSpPr>
-            <p:cNvPr id="381" name="Google Shape;381;p19"/>
+            <p:cNvPr id="375" name="Google Shape;375;p18"/>
             <p:cNvSpPr/>
             <p:nvPr/>
           </p:nvSpPr>
@@ -21232,7 +21035,7 @@
         </p:sp>
         <p:sp>
           <p:nvSpPr>
-            <p:cNvPr id="382" name="Google Shape;382;p19"/>
+            <p:cNvPr id="376" name="Google Shape;376;p18"/>
             <p:cNvSpPr/>
             <p:nvPr/>
           </p:nvSpPr>
@@ -21282,7 +21085,7 @@
         </p:sp>
         <p:sp>
           <p:nvSpPr>
-            <p:cNvPr id="383" name="Google Shape;383;p19"/>
+            <p:cNvPr id="377" name="Google Shape;377;p18"/>
             <p:cNvSpPr/>
             <p:nvPr/>
           </p:nvSpPr>
@@ -21332,7 +21135,7 @@
         </p:sp>
         <p:sp>
           <p:nvSpPr>
-            <p:cNvPr id="384" name="Google Shape;384;p19"/>
+            <p:cNvPr id="378" name="Google Shape;378;p18"/>
             <p:cNvSpPr/>
             <p:nvPr/>
           </p:nvSpPr>
@@ -21383,7 +21186,7 @@
       </p:grpSp>
       <p:grpSp>
         <p:nvGrpSpPr>
-          <p:cNvPr id="385" name="Google Shape;385;p19"/>
+          <p:cNvPr id="379" name="Google Shape;379;p18"/>
           <p:cNvGrpSpPr/>
           <p:nvPr/>
         </p:nvGrpSpPr>
@@ -21397,7 +21200,7 @@
         </p:grpSpPr>
         <p:sp>
           <p:nvSpPr>
-            <p:cNvPr id="386" name="Google Shape;386;p19"/>
+            <p:cNvPr id="380" name="Google Shape;380;p18"/>
             <p:cNvSpPr/>
             <p:nvPr/>
           </p:nvSpPr>
@@ -21447,7 +21250,7 @@
         </p:sp>
         <p:sp>
           <p:nvSpPr>
-            <p:cNvPr id="387" name="Google Shape;387;p19"/>
+            <p:cNvPr id="381" name="Google Shape;381;p18"/>
             <p:cNvSpPr/>
             <p:nvPr/>
           </p:nvSpPr>
@@ -21497,7 +21300,7 @@
         </p:sp>
         <p:sp>
           <p:nvSpPr>
-            <p:cNvPr id="388" name="Google Shape;388;p19"/>
+            <p:cNvPr id="382" name="Google Shape;382;p18"/>
             <p:cNvSpPr/>
             <p:nvPr/>
           </p:nvSpPr>
@@ -21547,7 +21350,7 @@
         </p:sp>
         <p:sp>
           <p:nvSpPr>
-            <p:cNvPr id="389" name="Google Shape;389;p19"/>
+            <p:cNvPr id="383" name="Google Shape;383;p18"/>
             <p:cNvSpPr/>
             <p:nvPr/>
           </p:nvSpPr>
@@ -21598,7 +21401,7 @@
       </p:grpSp>
       <p:grpSp>
         <p:nvGrpSpPr>
-          <p:cNvPr id="390" name="Google Shape;390;p19"/>
+          <p:cNvPr id="384" name="Google Shape;384;p18"/>
           <p:cNvGrpSpPr/>
           <p:nvPr/>
         </p:nvGrpSpPr>
@@ -21612,7 +21415,7 @@
         </p:grpSpPr>
         <p:sp>
           <p:nvSpPr>
-            <p:cNvPr id="391" name="Google Shape;391;p19"/>
+            <p:cNvPr id="385" name="Google Shape;385;p18"/>
             <p:cNvSpPr/>
             <p:nvPr/>
           </p:nvSpPr>
@@ -21662,7 +21465,7 @@
         </p:sp>
         <p:sp>
           <p:nvSpPr>
-            <p:cNvPr id="392" name="Google Shape;392;p19"/>
+            <p:cNvPr id="386" name="Google Shape;386;p18"/>
             <p:cNvSpPr/>
             <p:nvPr/>
           </p:nvSpPr>
@@ -21712,7 +21515,7 @@
         </p:sp>
         <p:sp>
           <p:nvSpPr>
-            <p:cNvPr id="393" name="Google Shape;393;p19"/>
+            <p:cNvPr id="387" name="Google Shape;387;p18"/>
             <p:cNvSpPr/>
             <p:nvPr/>
           </p:nvSpPr>
@@ -21762,7 +21565,7 @@
         </p:sp>
         <p:sp>
           <p:nvSpPr>
-            <p:cNvPr id="394" name="Google Shape;394;p19"/>
+            <p:cNvPr id="388" name="Google Shape;388;p18"/>
             <p:cNvSpPr/>
             <p:nvPr/>
           </p:nvSpPr>
@@ -21813,7 +21616,7 @@
       </p:grpSp>
       <p:grpSp>
         <p:nvGrpSpPr>
-          <p:cNvPr id="395" name="Google Shape;395;p19"/>
+          <p:cNvPr id="389" name="Google Shape;389;p18"/>
           <p:cNvGrpSpPr/>
           <p:nvPr/>
         </p:nvGrpSpPr>
@@ -21827,7 +21630,7 @@
         </p:grpSpPr>
         <p:sp>
           <p:nvSpPr>
-            <p:cNvPr id="396" name="Google Shape;396;p19"/>
+            <p:cNvPr id="390" name="Google Shape;390;p18"/>
             <p:cNvSpPr/>
             <p:nvPr/>
           </p:nvSpPr>
@@ -21877,7 +21680,7 @@
         </p:sp>
         <p:sp>
           <p:nvSpPr>
-            <p:cNvPr id="397" name="Google Shape;397;p19"/>
+            <p:cNvPr id="391" name="Google Shape;391;p18"/>
             <p:cNvSpPr/>
             <p:nvPr/>
           </p:nvSpPr>
@@ -21927,7 +21730,7 @@
         </p:sp>
         <p:sp>
           <p:nvSpPr>
-            <p:cNvPr id="398" name="Google Shape;398;p19"/>
+            <p:cNvPr id="392" name="Google Shape;392;p18"/>
             <p:cNvSpPr/>
             <p:nvPr/>
           </p:nvSpPr>
@@ -21977,7 +21780,7 @@
         </p:sp>
         <p:sp>
           <p:nvSpPr>
-            <p:cNvPr id="399" name="Google Shape;399;p19"/>
+            <p:cNvPr id="393" name="Google Shape;393;p18"/>
             <p:cNvSpPr/>
             <p:nvPr/>
           </p:nvSpPr>
@@ -22028,7 +21831,7 @@
       </p:grpSp>
       <p:grpSp>
         <p:nvGrpSpPr>
-          <p:cNvPr id="400" name="Google Shape;400;p19"/>
+          <p:cNvPr id="394" name="Google Shape;394;p18"/>
           <p:cNvGrpSpPr/>
           <p:nvPr/>
         </p:nvGrpSpPr>
@@ -22042,7 +21845,7 @@
         </p:grpSpPr>
         <p:sp>
           <p:nvSpPr>
-            <p:cNvPr id="401" name="Google Shape;401;p19"/>
+            <p:cNvPr id="395" name="Google Shape;395;p18"/>
             <p:cNvSpPr/>
             <p:nvPr/>
           </p:nvSpPr>
@@ -22092,7 +21895,7 @@
         </p:sp>
         <p:sp>
           <p:nvSpPr>
-            <p:cNvPr id="402" name="Google Shape;402;p19"/>
+            <p:cNvPr id="396" name="Google Shape;396;p18"/>
             <p:cNvSpPr/>
             <p:nvPr/>
           </p:nvSpPr>
@@ -22142,7 +21945,7 @@
         </p:sp>
         <p:sp>
           <p:nvSpPr>
-            <p:cNvPr id="403" name="Google Shape;403;p19"/>
+            <p:cNvPr id="397" name="Google Shape;397;p18"/>
             <p:cNvSpPr/>
             <p:nvPr/>
           </p:nvSpPr>
@@ -22192,7 +21995,7 @@
         </p:sp>
         <p:sp>
           <p:nvSpPr>
-            <p:cNvPr id="404" name="Google Shape;404;p19"/>
+            <p:cNvPr id="398" name="Google Shape;398;p18"/>
             <p:cNvSpPr/>
             <p:nvPr/>
           </p:nvSpPr>
@@ -22243,7 +22046,7 @@
       </p:grpSp>
       <p:grpSp>
         <p:nvGrpSpPr>
-          <p:cNvPr id="405" name="Google Shape;405;p19"/>
+          <p:cNvPr id="399" name="Google Shape;399;p18"/>
           <p:cNvGrpSpPr/>
           <p:nvPr/>
         </p:nvGrpSpPr>
@@ -22257,7 +22060,7 @@
         </p:grpSpPr>
         <p:sp>
           <p:nvSpPr>
-            <p:cNvPr id="406" name="Google Shape;406;p19"/>
+            <p:cNvPr id="400" name="Google Shape;400;p18"/>
             <p:cNvSpPr/>
             <p:nvPr/>
           </p:nvSpPr>
@@ -22307,7 +22110,7 @@
         </p:sp>
         <p:sp>
           <p:nvSpPr>
-            <p:cNvPr id="407" name="Google Shape;407;p19"/>
+            <p:cNvPr id="401" name="Google Shape;401;p18"/>
             <p:cNvSpPr/>
             <p:nvPr/>
           </p:nvSpPr>
@@ -22357,7 +22160,7 @@
         </p:sp>
         <p:sp>
           <p:nvSpPr>
-            <p:cNvPr id="408" name="Google Shape;408;p19"/>
+            <p:cNvPr id="402" name="Google Shape;402;p18"/>
             <p:cNvSpPr/>
             <p:nvPr/>
           </p:nvSpPr>
@@ -22407,7 +22210,7 @@
         </p:sp>
         <p:sp>
           <p:nvSpPr>
-            <p:cNvPr id="409" name="Google Shape;409;p19"/>
+            <p:cNvPr id="403" name="Google Shape;403;p18"/>
             <p:cNvSpPr/>
             <p:nvPr/>
           </p:nvSpPr>
@@ -22458,10 +22261,10 @@
       </p:grpSp>
       <p:cxnSp>
         <p:nvCxnSpPr>
-          <p:cNvPr id="410" name="Google Shape;410;p19"/>
+          <p:cNvPr id="404" name="Google Shape;404;p18"/>
           <p:cNvCxnSpPr>
-            <a:stCxn id="411" idx="2"/>
-            <a:endCxn id="406" idx="0"/>
+            <a:stCxn id="405" idx="2"/>
+            <a:endCxn id="400" idx="0"/>
           </p:cNvCxnSpPr>
           <p:nvPr/>
         </p:nvCxnSpPr>
@@ -22487,10 +22290,10 @@
       </p:cxnSp>
       <p:cxnSp>
         <p:nvCxnSpPr>
-          <p:cNvPr id="412" name="Google Shape;412;p19"/>
+          <p:cNvPr id="406" name="Google Shape;406;p18"/>
           <p:cNvCxnSpPr>
-            <a:stCxn id="413" idx="2"/>
-            <a:endCxn id="407" idx="0"/>
+            <a:stCxn id="407" idx="2"/>
+            <a:endCxn id="401" idx="0"/>
           </p:cNvCxnSpPr>
           <p:nvPr/>
         </p:nvCxnSpPr>
@@ -22516,10 +22319,10 @@
       </p:cxnSp>
       <p:cxnSp>
         <p:nvCxnSpPr>
-          <p:cNvPr id="414" name="Google Shape;414;p19"/>
+          <p:cNvPr id="408" name="Google Shape;408;p18"/>
           <p:cNvCxnSpPr>
-            <a:stCxn id="415" idx="2"/>
-            <a:endCxn id="408" idx="0"/>
+            <a:stCxn id="409" idx="2"/>
+            <a:endCxn id="402" idx="0"/>
           </p:cNvCxnSpPr>
           <p:nvPr/>
         </p:nvCxnSpPr>
@@ -22545,10 +22348,10 @@
       </p:cxnSp>
       <p:cxnSp>
         <p:nvCxnSpPr>
-          <p:cNvPr id="416" name="Google Shape;416;p19"/>
+          <p:cNvPr id="410" name="Google Shape;410;p18"/>
           <p:cNvCxnSpPr>
-            <a:stCxn id="417" idx="2"/>
-            <a:endCxn id="409" idx="0"/>
+            <a:stCxn id="411" idx="2"/>
+            <a:endCxn id="403" idx="0"/>
           </p:cNvCxnSpPr>
           <p:nvPr/>
         </p:nvCxnSpPr>
@@ -22574,10 +22377,10 @@
       </p:cxnSp>
       <p:cxnSp>
         <p:nvCxnSpPr>
-          <p:cNvPr id="418" name="Google Shape;418;p19"/>
+          <p:cNvPr id="412" name="Google Shape;412;p18"/>
           <p:cNvCxnSpPr>
-            <a:stCxn id="419" idx="2"/>
-            <a:endCxn id="401" idx="0"/>
+            <a:stCxn id="413" idx="2"/>
+            <a:endCxn id="395" idx="0"/>
           </p:cNvCxnSpPr>
           <p:nvPr/>
         </p:nvCxnSpPr>
@@ -22603,7 +22406,7 @@
       </p:cxnSp>
       <p:cxnSp>
         <p:nvCxnSpPr>
-          <p:cNvPr id="420" name="Google Shape;420;p19"/>
+          <p:cNvPr id="414" name="Google Shape;414;p18"/>
           <p:cNvCxnSpPr/>
           <p:nvPr/>
         </p:nvCxnSpPr>
@@ -22629,10 +22432,10 @@
       </p:cxnSp>
       <p:cxnSp>
         <p:nvCxnSpPr>
-          <p:cNvPr id="421" name="Google Shape;421;p19"/>
+          <p:cNvPr id="415" name="Google Shape;415;p18"/>
           <p:cNvCxnSpPr>
-            <a:stCxn id="422" idx="2"/>
-            <a:endCxn id="402" idx="0"/>
+            <a:stCxn id="416" idx="2"/>
+            <a:endCxn id="396" idx="0"/>
           </p:cNvCxnSpPr>
           <p:nvPr/>
         </p:nvCxnSpPr>
@@ -22658,10 +22461,10 @@
       </p:cxnSp>
       <p:cxnSp>
         <p:nvCxnSpPr>
-          <p:cNvPr id="423" name="Google Shape;423;p19"/>
+          <p:cNvPr id="417" name="Google Shape;417;p18"/>
           <p:cNvCxnSpPr>
-            <a:stCxn id="424" idx="2"/>
-            <a:endCxn id="403" idx="0"/>
+            <a:stCxn id="418" idx="2"/>
+            <a:endCxn id="397" idx="0"/>
           </p:cNvCxnSpPr>
           <p:nvPr/>
         </p:nvCxnSpPr>
@@ -22687,10 +22490,10 @@
       </p:cxnSp>
       <p:cxnSp>
         <p:nvCxnSpPr>
-          <p:cNvPr id="425" name="Google Shape;425;p19"/>
+          <p:cNvPr id="419" name="Google Shape;419;p18"/>
           <p:cNvCxnSpPr>
-            <a:stCxn id="426" idx="2"/>
-            <a:endCxn id="396" idx="0"/>
+            <a:stCxn id="420" idx="2"/>
+            <a:endCxn id="390" idx="0"/>
           </p:cNvCxnSpPr>
           <p:nvPr/>
         </p:nvCxnSpPr>
@@ -22716,10 +22519,10 @@
       </p:cxnSp>
       <p:cxnSp>
         <p:nvCxnSpPr>
-          <p:cNvPr id="427" name="Google Shape;427;p19"/>
+          <p:cNvPr id="421" name="Google Shape;421;p18"/>
           <p:cNvCxnSpPr>
-            <a:stCxn id="428" idx="2"/>
-            <a:endCxn id="397" idx="0"/>
+            <a:stCxn id="422" idx="2"/>
+            <a:endCxn id="391" idx="0"/>
           </p:cNvCxnSpPr>
           <p:nvPr/>
         </p:nvCxnSpPr>
@@ -22745,10 +22548,10 @@
       </p:cxnSp>
       <p:cxnSp>
         <p:nvCxnSpPr>
-          <p:cNvPr id="429" name="Google Shape;429;p19"/>
+          <p:cNvPr id="423" name="Google Shape;423;p18"/>
           <p:cNvCxnSpPr>
-            <a:stCxn id="430" idx="2"/>
-            <a:endCxn id="398" idx="0"/>
+            <a:stCxn id="424" idx="2"/>
+            <a:endCxn id="392" idx="0"/>
           </p:cNvCxnSpPr>
           <p:nvPr/>
         </p:nvCxnSpPr>
@@ -22774,10 +22577,10 @@
       </p:cxnSp>
       <p:cxnSp>
         <p:nvCxnSpPr>
-          <p:cNvPr id="431" name="Google Shape;431;p19"/>
+          <p:cNvPr id="425" name="Google Shape;425;p18"/>
           <p:cNvCxnSpPr>
-            <a:stCxn id="432" idx="2"/>
-            <a:endCxn id="399" idx="0"/>
+            <a:stCxn id="426" idx="2"/>
+            <a:endCxn id="393" idx="0"/>
           </p:cNvCxnSpPr>
           <p:nvPr/>
         </p:nvCxnSpPr>
@@ -22803,10 +22606,10 @@
       </p:cxnSp>
       <p:cxnSp>
         <p:nvCxnSpPr>
-          <p:cNvPr id="433" name="Google Shape;433;p19"/>
+          <p:cNvPr id="427" name="Google Shape;427;p18"/>
           <p:cNvCxnSpPr>
-            <a:stCxn id="434" idx="2"/>
-            <a:endCxn id="391" idx="0"/>
+            <a:stCxn id="428" idx="2"/>
+            <a:endCxn id="385" idx="0"/>
           </p:cNvCxnSpPr>
           <p:nvPr/>
         </p:nvCxnSpPr>
@@ -22832,10 +22635,10 @@
       </p:cxnSp>
       <p:cxnSp>
         <p:nvCxnSpPr>
-          <p:cNvPr id="435" name="Google Shape;435;p19"/>
+          <p:cNvPr id="429" name="Google Shape;429;p18"/>
           <p:cNvCxnSpPr>
-            <a:stCxn id="436" idx="2"/>
-            <a:endCxn id="392" idx="0"/>
+            <a:stCxn id="430" idx="2"/>
+            <a:endCxn id="386" idx="0"/>
           </p:cNvCxnSpPr>
           <p:nvPr/>
         </p:nvCxnSpPr>
@@ -22861,10 +22664,10 @@
       </p:cxnSp>
       <p:cxnSp>
         <p:nvCxnSpPr>
-          <p:cNvPr id="437" name="Google Shape;437;p19"/>
+          <p:cNvPr id="431" name="Google Shape;431;p18"/>
           <p:cNvCxnSpPr>
-            <a:stCxn id="438" idx="2"/>
-            <a:endCxn id="393" idx="0"/>
+            <a:stCxn id="432" idx="2"/>
+            <a:endCxn id="387" idx="0"/>
           </p:cNvCxnSpPr>
           <p:nvPr/>
         </p:nvCxnSpPr>
@@ -22890,10 +22693,10 @@
       </p:cxnSp>
       <p:cxnSp>
         <p:nvCxnSpPr>
-          <p:cNvPr id="439" name="Google Shape;439;p19"/>
+          <p:cNvPr id="433" name="Google Shape;433;p18"/>
           <p:cNvCxnSpPr>
-            <a:stCxn id="440" idx="2"/>
-            <a:endCxn id="394" idx="0"/>
+            <a:stCxn id="434" idx="2"/>
+            <a:endCxn id="388" idx="0"/>
           </p:cNvCxnSpPr>
           <p:nvPr/>
         </p:nvCxnSpPr>
@@ -22919,7 +22722,7 @@
       </p:cxnSp>
       <p:grpSp>
         <p:nvGrpSpPr>
-          <p:cNvPr id="441" name="Google Shape;441;p19"/>
+          <p:cNvPr id="435" name="Google Shape;435;p18"/>
           <p:cNvGrpSpPr/>
           <p:nvPr/>
         </p:nvGrpSpPr>
@@ -22933,7 +22736,7 @@
         </p:grpSpPr>
         <p:sp>
           <p:nvSpPr>
-            <p:cNvPr id="434" name="Google Shape;434;p19"/>
+            <p:cNvPr id="428" name="Google Shape;428;p18"/>
             <p:cNvSpPr/>
             <p:nvPr/>
           </p:nvSpPr>
@@ -22983,7 +22786,7 @@
         </p:sp>
         <p:sp>
           <p:nvSpPr>
-            <p:cNvPr id="436" name="Google Shape;436;p19"/>
+            <p:cNvPr id="430" name="Google Shape;430;p18"/>
             <p:cNvSpPr/>
             <p:nvPr/>
           </p:nvSpPr>
@@ -23033,7 +22836,7 @@
         </p:sp>
         <p:sp>
           <p:nvSpPr>
-            <p:cNvPr id="438" name="Google Shape;438;p19"/>
+            <p:cNvPr id="432" name="Google Shape;432;p18"/>
             <p:cNvSpPr/>
             <p:nvPr/>
           </p:nvSpPr>
@@ -23083,7 +22886,7 @@
         </p:sp>
         <p:sp>
           <p:nvSpPr>
-            <p:cNvPr id="440" name="Google Shape;440;p19"/>
+            <p:cNvPr id="434" name="Google Shape;434;p18"/>
             <p:cNvSpPr/>
             <p:nvPr/>
           </p:nvSpPr>
@@ -23134,7 +22937,7 @@
       </p:grpSp>
       <p:grpSp>
         <p:nvGrpSpPr>
-          <p:cNvPr id="442" name="Google Shape;442;p19"/>
+          <p:cNvPr id="436" name="Google Shape;436;p18"/>
           <p:cNvGrpSpPr/>
           <p:nvPr/>
         </p:nvGrpSpPr>
@@ -23148,7 +22951,7 @@
         </p:grpSpPr>
         <p:sp>
           <p:nvSpPr>
-            <p:cNvPr id="426" name="Google Shape;426;p19"/>
+            <p:cNvPr id="420" name="Google Shape;420;p18"/>
             <p:cNvSpPr/>
             <p:nvPr/>
           </p:nvSpPr>
@@ -23198,7 +23001,7 @@
         </p:sp>
         <p:sp>
           <p:nvSpPr>
-            <p:cNvPr id="428" name="Google Shape;428;p19"/>
+            <p:cNvPr id="422" name="Google Shape;422;p18"/>
             <p:cNvSpPr/>
             <p:nvPr/>
           </p:nvSpPr>
@@ -23248,7 +23051,7 @@
         </p:sp>
         <p:sp>
           <p:nvSpPr>
-            <p:cNvPr id="430" name="Google Shape;430;p19"/>
+            <p:cNvPr id="424" name="Google Shape;424;p18"/>
             <p:cNvSpPr/>
             <p:nvPr/>
           </p:nvSpPr>
@@ -23298,7 +23101,7 @@
         </p:sp>
         <p:sp>
           <p:nvSpPr>
-            <p:cNvPr id="432" name="Google Shape;432;p19"/>
+            <p:cNvPr id="426" name="Google Shape;426;p18"/>
             <p:cNvSpPr/>
             <p:nvPr/>
           </p:nvSpPr>
@@ -23349,7 +23152,7 @@
       </p:grpSp>
       <p:grpSp>
         <p:nvGrpSpPr>
-          <p:cNvPr id="443" name="Google Shape;443;p19"/>
+          <p:cNvPr id="437" name="Google Shape;437;p18"/>
           <p:cNvGrpSpPr/>
           <p:nvPr/>
         </p:nvGrpSpPr>
@@ -23363,7 +23166,7 @@
         </p:grpSpPr>
         <p:sp>
           <p:nvSpPr>
-            <p:cNvPr id="419" name="Google Shape;419;p19"/>
+            <p:cNvPr id="413" name="Google Shape;413;p18"/>
             <p:cNvSpPr/>
             <p:nvPr/>
           </p:nvSpPr>
@@ -23413,7 +23216,7 @@
         </p:sp>
         <p:sp>
           <p:nvSpPr>
-            <p:cNvPr id="422" name="Google Shape;422;p19"/>
+            <p:cNvPr id="416" name="Google Shape;416;p18"/>
             <p:cNvSpPr/>
             <p:nvPr/>
           </p:nvSpPr>
@@ -23463,7 +23266,7 @@
         </p:sp>
         <p:sp>
           <p:nvSpPr>
-            <p:cNvPr id="424" name="Google Shape;424;p19"/>
+            <p:cNvPr id="418" name="Google Shape;418;p18"/>
             <p:cNvSpPr/>
             <p:nvPr/>
           </p:nvSpPr>
@@ -23513,7 +23316,7 @@
         </p:sp>
         <p:sp>
           <p:nvSpPr>
-            <p:cNvPr id="444" name="Google Shape;444;p19"/>
+            <p:cNvPr id="438" name="Google Shape;438;p18"/>
             <p:cNvSpPr/>
             <p:nvPr/>
           </p:nvSpPr>
@@ -23564,7 +23367,7 @@
       </p:grpSp>
       <p:grpSp>
         <p:nvGrpSpPr>
-          <p:cNvPr id="445" name="Google Shape;445;p19"/>
+          <p:cNvPr id="439" name="Google Shape;439;p18"/>
           <p:cNvGrpSpPr/>
           <p:nvPr/>
         </p:nvGrpSpPr>
@@ -23578,7 +23381,7 @@
         </p:grpSpPr>
         <p:sp>
           <p:nvSpPr>
-            <p:cNvPr id="411" name="Google Shape;411;p19"/>
+            <p:cNvPr id="405" name="Google Shape;405;p18"/>
             <p:cNvSpPr/>
             <p:nvPr/>
           </p:nvSpPr>
@@ -23628,7 +23431,7 @@
         </p:sp>
         <p:sp>
           <p:nvSpPr>
-            <p:cNvPr id="413" name="Google Shape;413;p19"/>
+            <p:cNvPr id="407" name="Google Shape;407;p18"/>
             <p:cNvSpPr/>
             <p:nvPr/>
           </p:nvSpPr>
@@ -23678,7 +23481,7 @@
         </p:sp>
         <p:sp>
           <p:nvSpPr>
-            <p:cNvPr id="415" name="Google Shape;415;p19"/>
+            <p:cNvPr id="409" name="Google Shape;409;p18"/>
             <p:cNvSpPr/>
             <p:nvPr/>
           </p:nvSpPr>
@@ -23728,7 +23531,7 @@
         </p:sp>
         <p:sp>
           <p:nvSpPr>
-            <p:cNvPr id="417" name="Google Shape;417;p19"/>
+            <p:cNvPr id="411" name="Google Shape;411;p18"/>
             <p:cNvSpPr/>
             <p:nvPr/>
           </p:nvSpPr>
@@ -23779,7 +23582,7 @@
       </p:grpSp>
       <p:sp>
         <p:nvSpPr>
-          <p:cNvPr id="446" name="Google Shape;446;p19"/>
+          <p:cNvPr id="440" name="Google Shape;440;p18"/>
           <p:cNvSpPr txBox="1"/>
           <p:nvPr/>
         </p:nvSpPr>
@@ -23821,7 +23624,7 @@
       </p:sp>
       <p:sp>
         <p:nvSpPr>
-          <p:cNvPr id="447" name="Google Shape;447;p19"/>
+          <p:cNvPr id="441" name="Google Shape;441;p18"/>
           <p:cNvSpPr txBox="1"/>
           <p:nvPr/>
         </p:nvSpPr>
@@ -23863,7 +23666,7 @@
       </p:sp>
       <p:sp>
         <p:nvSpPr>
-          <p:cNvPr id="448" name="Google Shape;448;p19"/>
+          <p:cNvPr id="442" name="Google Shape;442;p18"/>
           <p:cNvSpPr txBox="1"/>
           <p:nvPr/>
         </p:nvSpPr>
@@ -23905,7 +23708,7 @@
       </p:sp>
       <p:sp>
         <p:nvSpPr>
-          <p:cNvPr id="449" name="Google Shape;449;p19"/>
+          <p:cNvPr id="443" name="Google Shape;443;p18"/>
           <p:cNvSpPr txBox="1"/>
           <p:nvPr/>
         </p:nvSpPr>
@@ -23953,10 +23756,10 @@
       </p:sp>
       <p:cxnSp>
         <p:nvCxnSpPr>
-          <p:cNvPr id="450" name="Google Shape;450;p19"/>
+          <p:cNvPr id="444" name="Google Shape;444;p18"/>
           <p:cNvCxnSpPr>
-            <a:stCxn id="449" idx="3"/>
-            <a:endCxn id="447" idx="3"/>
+            <a:stCxn id="443" idx="3"/>
+            <a:endCxn id="441" idx="3"/>
           </p:cNvCxnSpPr>
           <p:nvPr/>
         </p:nvCxnSpPr>
@@ -23984,7 +23787,7 @@
       </p:cxnSp>
       <p:cxnSp>
         <p:nvCxnSpPr>
-          <p:cNvPr id="451" name="Google Shape;451;p19"/>
+          <p:cNvPr id="445" name="Google Shape;445;p18"/>
           <p:cNvCxnSpPr/>
           <p:nvPr/>
         </p:nvCxnSpPr>
@@ -24016,12 +23819,12 @@
 </p:sld>
 </file>
 
-<file path=ppt/slides/slide8.xml><?xml version="1.0" encoding="utf-8"?>
+<file path=ppt/slides/slide7.xml><?xml version="1.0" encoding="utf-8"?>
 <p:sld xmlns:a="http://schemas.openxmlformats.org/drawingml/2006/main" xmlns:r="http://schemas.openxmlformats.org/officeDocument/2006/relationships" xmlns:mc="http://schemas.openxmlformats.org/markup-compatibility/2006" xmlns:mv="urn:schemas-microsoft-com:mac:vml" xmlns:p="http://schemas.openxmlformats.org/presentationml/2006/main" xmlns:c="http://schemas.openxmlformats.org/drawingml/2006/chart" xmlns:dgm="http://schemas.openxmlformats.org/drawingml/2006/diagram" xmlns:o="urn:schemas-microsoft-com:office:office" xmlns:v="urn:schemas-microsoft-com:vml" xmlns:pvml="urn:schemas-microsoft-com:office:powerpoint" xmlns:com="http://schemas.openxmlformats.org/drawingml/2006/compatibility" xmlns:p14="http://schemas.microsoft.com/office/powerpoint/2010/main" xmlns:p15="http://schemas.microsoft.com/office/powerpoint/2012/main" xmlns:ahyp="http://schemas.microsoft.com/office/drawing/2018/hyperlinkcolor">
   <p:cSld>
     <p:spTree>
       <p:nvGrpSpPr>
-        <p:cNvPr id="455" name="Shape 455"/>
+        <p:cNvPr id="449" name="Shape 449"/>
         <p:cNvGrpSpPr/>
         <p:nvPr/>
       </p:nvGrpSpPr>
@@ -24035,7 +23838,7 @@
       </p:grpSpPr>
       <p:sp>
         <p:nvSpPr>
-          <p:cNvPr id="456" name="Google Shape;456;p20"/>
+          <p:cNvPr id="450" name="Google Shape;450;p19"/>
           <p:cNvSpPr txBox="1"/>
           <p:nvPr>
             <p:ph idx="1" type="body"/>
@@ -24108,7 +23911,7 @@
       </p:sp>
       <p:cxnSp>
         <p:nvCxnSpPr>
-          <p:cNvPr id="457" name="Google Shape;457;p20"/>
+          <p:cNvPr id="451" name="Google Shape;451;p19"/>
           <p:cNvCxnSpPr/>
           <p:nvPr/>
         </p:nvCxnSpPr>
@@ -24134,7 +23937,7 @@
       </p:cxnSp>
       <p:cxnSp>
         <p:nvCxnSpPr>
-          <p:cNvPr id="458" name="Google Shape;458;p20"/>
+          <p:cNvPr id="452" name="Google Shape;452;p19"/>
           <p:cNvCxnSpPr/>
           <p:nvPr/>
         </p:nvCxnSpPr>
@@ -24160,7 +23963,7 @@
       </p:cxnSp>
       <p:cxnSp>
         <p:nvCxnSpPr>
-          <p:cNvPr id="459" name="Google Shape;459;p20"/>
+          <p:cNvPr id="453" name="Google Shape;453;p19"/>
           <p:cNvCxnSpPr/>
           <p:nvPr/>
         </p:nvCxnSpPr>
@@ -24186,7 +23989,7 @@
       </p:cxnSp>
       <p:cxnSp>
         <p:nvCxnSpPr>
-          <p:cNvPr id="460" name="Google Shape;460;p20"/>
+          <p:cNvPr id="454" name="Google Shape;454;p19"/>
           <p:cNvCxnSpPr/>
           <p:nvPr/>
         </p:nvCxnSpPr>
@@ -24212,7 +24015,7 @@
       </p:cxnSp>
       <p:cxnSp>
         <p:nvCxnSpPr>
-          <p:cNvPr id="461" name="Google Shape;461;p20"/>
+          <p:cNvPr id="455" name="Google Shape;455;p19"/>
           <p:cNvCxnSpPr/>
           <p:nvPr/>
         </p:nvCxnSpPr>
@@ -24238,7 +24041,7 @@
       </p:cxnSp>
       <p:cxnSp>
         <p:nvCxnSpPr>
-          <p:cNvPr id="462" name="Google Shape;462;p20"/>
+          <p:cNvPr id="456" name="Google Shape;456;p19"/>
           <p:cNvCxnSpPr/>
           <p:nvPr/>
         </p:nvCxnSpPr>
@@ -24264,7 +24067,7 @@
       </p:cxnSp>
       <p:cxnSp>
         <p:nvCxnSpPr>
-          <p:cNvPr id="463" name="Google Shape;463;p20"/>
+          <p:cNvPr id="457" name="Google Shape;457;p19"/>
           <p:cNvCxnSpPr/>
           <p:nvPr/>
         </p:nvCxnSpPr>
@@ -24290,7 +24093,7 @@
       </p:cxnSp>
       <p:cxnSp>
         <p:nvCxnSpPr>
-          <p:cNvPr id="464" name="Google Shape;464;p20"/>
+          <p:cNvPr id="458" name="Google Shape;458;p19"/>
           <p:cNvCxnSpPr/>
           <p:nvPr/>
         </p:nvCxnSpPr>
@@ -24316,7 +24119,7 @@
       </p:cxnSp>
       <p:cxnSp>
         <p:nvCxnSpPr>
-          <p:cNvPr id="465" name="Google Shape;465;p20"/>
+          <p:cNvPr id="459" name="Google Shape;459;p19"/>
           <p:cNvCxnSpPr/>
           <p:nvPr/>
         </p:nvCxnSpPr>
@@ -24342,7 +24145,7 @@
       </p:cxnSp>
       <p:cxnSp>
         <p:nvCxnSpPr>
-          <p:cNvPr id="466" name="Google Shape;466;p20"/>
+          <p:cNvPr id="460" name="Google Shape;460;p19"/>
           <p:cNvCxnSpPr/>
           <p:nvPr/>
         </p:nvCxnSpPr>
@@ -24368,7 +24171,7 @@
       </p:cxnSp>
       <p:cxnSp>
         <p:nvCxnSpPr>
-          <p:cNvPr id="467" name="Google Shape;467;p20"/>
+          <p:cNvPr id="461" name="Google Shape;461;p19"/>
           <p:cNvCxnSpPr/>
           <p:nvPr/>
         </p:nvCxnSpPr>
@@ -24394,7 +24197,7 @@
       </p:cxnSp>
       <p:cxnSp>
         <p:nvCxnSpPr>
-          <p:cNvPr id="468" name="Google Shape;468;p20"/>
+          <p:cNvPr id="462" name="Google Shape;462;p19"/>
           <p:cNvCxnSpPr/>
           <p:nvPr/>
         </p:nvCxnSpPr>
@@ -24420,7 +24223,7 @@
       </p:cxnSp>
       <p:sp>
         <p:nvSpPr>
-          <p:cNvPr id="469" name="Google Shape;469;p20"/>
+          <p:cNvPr id="463" name="Google Shape;463;p19"/>
           <p:cNvSpPr txBox="1"/>
           <p:nvPr>
             <p:ph type="title"/>
@@ -24460,7 +24263,7 @@
       </p:sp>
       <p:grpSp>
         <p:nvGrpSpPr>
-          <p:cNvPr id="470" name="Google Shape;470;p20"/>
+          <p:cNvPr id="464" name="Google Shape;464;p19"/>
           <p:cNvGrpSpPr/>
           <p:nvPr/>
         </p:nvGrpSpPr>
@@ -24474,7 +24277,7 @@
         </p:grpSpPr>
         <p:sp>
           <p:nvSpPr>
-            <p:cNvPr id="471" name="Google Shape;471;p20"/>
+            <p:cNvPr id="465" name="Google Shape;465;p19"/>
             <p:cNvSpPr/>
             <p:nvPr/>
           </p:nvSpPr>
@@ -24524,7 +24327,7 @@
         </p:sp>
         <p:sp>
           <p:nvSpPr>
-            <p:cNvPr id="472" name="Google Shape;472;p20"/>
+            <p:cNvPr id="466" name="Google Shape;466;p19"/>
             <p:cNvSpPr/>
             <p:nvPr/>
           </p:nvSpPr>
@@ -24574,7 +24377,7 @@
         </p:sp>
         <p:sp>
           <p:nvSpPr>
-            <p:cNvPr id="473" name="Google Shape;473;p20"/>
+            <p:cNvPr id="467" name="Google Shape;467;p19"/>
             <p:cNvSpPr/>
             <p:nvPr/>
           </p:nvSpPr>
@@ -24624,7 +24427,7 @@
         </p:sp>
         <p:sp>
           <p:nvSpPr>
-            <p:cNvPr id="474" name="Google Shape;474;p20"/>
+            <p:cNvPr id="468" name="Google Shape;468;p19"/>
             <p:cNvSpPr/>
             <p:nvPr/>
           </p:nvSpPr>
@@ -24675,7 +24478,7 @@
       </p:grpSp>
       <p:grpSp>
         <p:nvGrpSpPr>
-          <p:cNvPr id="475" name="Google Shape;475;p20"/>
+          <p:cNvPr id="469" name="Google Shape;469;p19"/>
           <p:cNvGrpSpPr/>
           <p:nvPr/>
         </p:nvGrpSpPr>
@@ -24689,7 +24492,7 @@
         </p:grpSpPr>
         <p:sp>
           <p:nvSpPr>
-            <p:cNvPr id="476" name="Google Shape;476;p20"/>
+            <p:cNvPr id="470" name="Google Shape;470;p19"/>
             <p:cNvSpPr/>
             <p:nvPr/>
           </p:nvSpPr>
@@ -24739,7 +24542,7 @@
         </p:sp>
         <p:sp>
           <p:nvSpPr>
-            <p:cNvPr id="477" name="Google Shape;477;p20"/>
+            <p:cNvPr id="471" name="Google Shape;471;p19"/>
             <p:cNvSpPr/>
             <p:nvPr/>
           </p:nvSpPr>
@@ -24789,7 +24592,7 @@
         </p:sp>
         <p:sp>
           <p:nvSpPr>
-            <p:cNvPr id="478" name="Google Shape;478;p20"/>
+            <p:cNvPr id="472" name="Google Shape;472;p19"/>
             <p:cNvSpPr/>
             <p:nvPr/>
           </p:nvSpPr>
@@ -24839,7 +24642,7 @@
         </p:sp>
         <p:sp>
           <p:nvSpPr>
-            <p:cNvPr id="479" name="Google Shape;479;p20"/>
+            <p:cNvPr id="473" name="Google Shape;473;p19"/>
             <p:cNvSpPr/>
             <p:nvPr/>
           </p:nvSpPr>
@@ -24890,7 +24693,7 @@
       </p:grpSp>
       <p:grpSp>
         <p:nvGrpSpPr>
-          <p:cNvPr id="480" name="Google Shape;480;p20"/>
+          <p:cNvPr id="474" name="Google Shape;474;p19"/>
           <p:cNvGrpSpPr/>
           <p:nvPr/>
         </p:nvGrpSpPr>
@@ -24904,7 +24707,7 @@
         </p:grpSpPr>
         <p:sp>
           <p:nvSpPr>
-            <p:cNvPr id="481" name="Google Shape;481;p20"/>
+            <p:cNvPr id="475" name="Google Shape;475;p19"/>
             <p:cNvSpPr/>
             <p:nvPr/>
           </p:nvSpPr>
@@ -24954,7 +24757,7 @@
         </p:sp>
         <p:sp>
           <p:nvSpPr>
-            <p:cNvPr id="482" name="Google Shape;482;p20"/>
+            <p:cNvPr id="476" name="Google Shape;476;p19"/>
             <p:cNvSpPr/>
             <p:nvPr/>
           </p:nvSpPr>
@@ -25004,7 +24807,7 @@
         </p:sp>
         <p:sp>
           <p:nvSpPr>
-            <p:cNvPr id="483" name="Google Shape;483;p20"/>
+            <p:cNvPr id="477" name="Google Shape;477;p19"/>
             <p:cNvSpPr/>
             <p:nvPr/>
           </p:nvSpPr>
@@ -25054,7 +24857,7 @@
         </p:sp>
         <p:sp>
           <p:nvSpPr>
-            <p:cNvPr id="484" name="Google Shape;484;p20"/>
+            <p:cNvPr id="478" name="Google Shape;478;p19"/>
             <p:cNvSpPr/>
             <p:nvPr/>
           </p:nvSpPr>
@@ -25105,7 +24908,7 @@
       </p:grpSp>
       <p:grpSp>
         <p:nvGrpSpPr>
-          <p:cNvPr id="485" name="Google Shape;485;p20"/>
+          <p:cNvPr id="479" name="Google Shape;479;p19"/>
           <p:cNvGrpSpPr/>
           <p:nvPr/>
         </p:nvGrpSpPr>
@@ -25119,7 +24922,7 @@
         </p:grpSpPr>
         <p:sp>
           <p:nvSpPr>
-            <p:cNvPr id="486" name="Google Shape;486;p20"/>
+            <p:cNvPr id="480" name="Google Shape;480;p19"/>
             <p:cNvSpPr/>
             <p:nvPr/>
           </p:nvSpPr>
@@ -25169,7 +24972,7 @@
         </p:sp>
         <p:sp>
           <p:nvSpPr>
-            <p:cNvPr id="487" name="Google Shape;487;p20"/>
+            <p:cNvPr id="481" name="Google Shape;481;p19"/>
             <p:cNvSpPr/>
             <p:nvPr/>
           </p:nvSpPr>
@@ -25219,7 +25022,7 @@
         </p:sp>
         <p:sp>
           <p:nvSpPr>
-            <p:cNvPr id="488" name="Google Shape;488;p20"/>
+            <p:cNvPr id="482" name="Google Shape;482;p19"/>
             <p:cNvSpPr/>
             <p:nvPr/>
           </p:nvSpPr>
@@ -25269,7 +25072,7 @@
         </p:sp>
         <p:sp>
           <p:nvSpPr>
-            <p:cNvPr id="489" name="Google Shape;489;p20"/>
+            <p:cNvPr id="483" name="Google Shape;483;p19"/>
             <p:cNvSpPr/>
             <p:nvPr/>
           </p:nvSpPr>
@@ -25320,7 +25123,7 @@
       </p:grpSp>
       <p:grpSp>
         <p:nvGrpSpPr>
-          <p:cNvPr id="490" name="Google Shape;490;p20"/>
+          <p:cNvPr id="484" name="Google Shape;484;p19"/>
           <p:cNvGrpSpPr/>
           <p:nvPr/>
         </p:nvGrpSpPr>
@@ -25334,7 +25137,7 @@
         </p:grpSpPr>
         <p:sp>
           <p:nvSpPr>
-            <p:cNvPr id="491" name="Google Shape;491;p20"/>
+            <p:cNvPr id="485" name="Google Shape;485;p19"/>
             <p:cNvSpPr/>
             <p:nvPr/>
           </p:nvSpPr>
@@ -25384,7 +25187,7 @@
         </p:sp>
         <p:sp>
           <p:nvSpPr>
-            <p:cNvPr id="492" name="Google Shape;492;p20"/>
+            <p:cNvPr id="486" name="Google Shape;486;p19"/>
             <p:cNvSpPr/>
             <p:nvPr/>
           </p:nvSpPr>
@@ -25434,7 +25237,7 @@
         </p:sp>
         <p:sp>
           <p:nvSpPr>
-            <p:cNvPr id="493" name="Google Shape;493;p20"/>
+            <p:cNvPr id="487" name="Google Shape;487;p19"/>
             <p:cNvSpPr/>
             <p:nvPr/>
           </p:nvSpPr>
@@ -25476,7 +25279,7 @@
               </a:pPr>
               <a:r>
                 <a:rPr lang="en"/>
-                <a:t>1</a:t>
+                <a:t>0</a:t>
               </a:r>
               <a:endParaRPr/>
             </a:p>
@@ -25484,7 +25287,7 @@
         </p:sp>
         <p:sp>
           <p:nvSpPr>
-            <p:cNvPr id="494" name="Google Shape;494;p20"/>
+            <p:cNvPr id="488" name="Google Shape;488;p19"/>
             <p:cNvSpPr/>
             <p:nvPr/>
           </p:nvSpPr>
@@ -25535,7 +25338,7 @@
       </p:grpSp>
       <p:grpSp>
         <p:nvGrpSpPr>
-          <p:cNvPr id="495" name="Google Shape;495;p20"/>
+          <p:cNvPr id="489" name="Google Shape;489;p19"/>
           <p:cNvGrpSpPr/>
           <p:nvPr/>
         </p:nvGrpSpPr>
@@ -25549,7 +25352,7 @@
         </p:grpSpPr>
         <p:sp>
           <p:nvSpPr>
-            <p:cNvPr id="496" name="Google Shape;496;p20"/>
+            <p:cNvPr id="490" name="Google Shape;490;p19"/>
             <p:cNvSpPr/>
             <p:nvPr/>
           </p:nvSpPr>
@@ -25599,7 +25402,7 @@
         </p:sp>
         <p:sp>
           <p:nvSpPr>
-            <p:cNvPr id="497" name="Google Shape;497;p20"/>
+            <p:cNvPr id="491" name="Google Shape;491;p19"/>
             <p:cNvSpPr/>
             <p:nvPr/>
           </p:nvSpPr>
@@ -25649,7 +25452,7 @@
         </p:sp>
         <p:sp>
           <p:nvSpPr>
-            <p:cNvPr id="498" name="Google Shape;498;p20"/>
+            <p:cNvPr id="492" name="Google Shape;492;p19"/>
             <p:cNvSpPr/>
             <p:nvPr/>
           </p:nvSpPr>
@@ -25699,7 +25502,7 @@
         </p:sp>
         <p:sp>
           <p:nvSpPr>
-            <p:cNvPr id="499" name="Google Shape;499;p20"/>
+            <p:cNvPr id="493" name="Google Shape;493;p19"/>
             <p:cNvSpPr/>
             <p:nvPr/>
           </p:nvSpPr>
@@ -25750,7 +25553,7 @@
       </p:grpSp>
       <p:grpSp>
         <p:nvGrpSpPr>
-          <p:cNvPr id="500" name="Google Shape;500;p20"/>
+          <p:cNvPr id="494" name="Google Shape;494;p19"/>
           <p:cNvGrpSpPr/>
           <p:nvPr/>
         </p:nvGrpSpPr>
@@ -25764,7 +25567,7 @@
         </p:grpSpPr>
         <p:sp>
           <p:nvSpPr>
-            <p:cNvPr id="501" name="Google Shape;501;p20"/>
+            <p:cNvPr id="495" name="Google Shape;495;p19"/>
             <p:cNvSpPr/>
             <p:nvPr/>
           </p:nvSpPr>
@@ -25814,7 +25617,7 @@
         </p:sp>
         <p:sp>
           <p:nvSpPr>
-            <p:cNvPr id="502" name="Google Shape;502;p20"/>
+            <p:cNvPr id="496" name="Google Shape;496;p19"/>
             <p:cNvSpPr/>
             <p:nvPr/>
           </p:nvSpPr>
@@ -25864,7 +25667,7 @@
         </p:sp>
         <p:sp>
           <p:nvSpPr>
-            <p:cNvPr id="503" name="Google Shape;503;p20"/>
+            <p:cNvPr id="497" name="Google Shape;497;p19"/>
             <p:cNvSpPr/>
             <p:nvPr/>
           </p:nvSpPr>
@@ -25914,7 +25717,7 @@
         </p:sp>
         <p:sp>
           <p:nvSpPr>
-            <p:cNvPr id="504" name="Google Shape;504;p20"/>
+            <p:cNvPr id="498" name="Google Shape;498;p19"/>
             <p:cNvSpPr/>
             <p:nvPr/>
           </p:nvSpPr>
@@ -25965,7 +25768,7 @@
       </p:grpSp>
       <p:grpSp>
         <p:nvGrpSpPr>
-          <p:cNvPr id="505" name="Google Shape;505;p20"/>
+          <p:cNvPr id="499" name="Google Shape;499;p19"/>
           <p:cNvGrpSpPr/>
           <p:nvPr/>
         </p:nvGrpSpPr>
@@ -25979,7 +25782,7 @@
         </p:grpSpPr>
         <p:sp>
           <p:nvSpPr>
-            <p:cNvPr id="506" name="Google Shape;506;p20"/>
+            <p:cNvPr id="500" name="Google Shape;500;p19"/>
             <p:cNvSpPr/>
             <p:nvPr/>
           </p:nvSpPr>
@@ -26029,7 +25832,7 @@
         </p:sp>
         <p:sp>
           <p:nvSpPr>
-            <p:cNvPr id="507" name="Google Shape;507;p20"/>
+            <p:cNvPr id="501" name="Google Shape;501;p19"/>
             <p:cNvSpPr/>
             <p:nvPr/>
           </p:nvSpPr>
@@ -26079,7 +25882,7 @@
         </p:sp>
         <p:sp>
           <p:nvSpPr>
-            <p:cNvPr id="508" name="Google Shape;508;p20"/>
+            <p:cNvPr id="502" name="Google Shape;502;p19"/>
             <p:cNvSpPr/>
             <p:nvPr/>
           </p:nvSpPr>
@@ -26129,7 +25932,7 @@
         </p:sp>
         <p:sp>
           <p:nvSpPr>
-            <p:cNvPr id="509" name="Google Shape;509;p20"/>
+            <p:cNvPr id="503" name="Google Shape;503;p19"/>
             <p:cNvSpPr/>
             <p:nvPr/>
           </p:nvSpPr>
@@ -26180,7 +25983,7 @@
       </p:grpSp>
       <p:cxnSp>
         <p:nvCxnSpPr>
-          <p:cNvPr id="510" name="Google Shape;510;p20"/>
+          <p:cNvPr id="504" name="Google Shape;504;p19"/>
           <p:cNvCxnSpPr/>
           <p:nvPr/>
         </p:nvCxnSpPr>
@@ -26206,7 +26009,7 @@
       </p:cxnSp>
       <p:cxnSp>
         <p:nvCxnSpPr>
-          <p:cNvPr id="511" name="Google Shape;511;p20"/>
+          <p:cNvPr id="505" name="Google Shape;505;p19"/>
           <p:cNvCxnSpPr/>
           <p:nvPr/>
         </p:nvCxnSpPr>
@@ -26232,7 +26035,7 @@
       </p:cxnSp>
       <p:cxnSp>
         <p:nvCxnSpPr>
-          <p:cNvPr id="512" name="Google Shape;512;p20"/>
+          <p:cNvPr id="506" name="Google Shape;506;p19"/>
           <p:cNvCxnSpPr/>
           <p:nvPr/>
         </p:nvCxnSpPr>
@@ -26258,7 +26061,7 @@
       </p:cxnSp>
       <p:cxnSp>
         <p:nvCxnSpPr>
-          <p:cNvPr id="513" name="Google Shape;513;p20"/>
+          <p:cNvPr id="507" name="Google Shape;507;p19"/>
           <p:cNvCxnSpPr/>
           <p:nvPr/>
         </p:nvCxnSpPr>
@@ -26284,7 +26087,7 @@
       </p:cxnSp>
       <p:grpSp>
         <p:nvGrpSpPr>
-          <p:cNvPr id="514" name="Google Shape;514;p20"/>
+          <p:cNvPr id="508" name="Google Shape;508;p19"/>
           <p:cNvGrpSpPr/>
           <p:nvPr/>
         </p:nvGrpSpPr>
@@ -26298,7 +26101,7 @@
         </p:grpSpPr>
         <p:sp>
           <p:nvSpPr>
-            <p:cNvPr id="515" name="Google Shape;515;p20"/>
+            <p:cNvPr id="509" name="Google Shape;509;p19"/>
             <p:cNvSpPr/>
             <p:nvPr/>
           </p:nvSpPr>
@@ -26348,7 +26151,7 @@
         </p:sp>
         <p:sp>
           <p:nvSpPr>
-            <p:cNvPr id="516" name="Google Shape;516;p20"/>
+            <p:cNvPr id="510" name="Google Shape;510;p19"/>
             <p:cNvSpPr/>
             <p:nvPr/>
           </p:nvSpPr>
@@ -26398,7 +26201,7 @@
         </p:sp>
         <p:sp>
           <p:nvSpPr>
-            <p:cNvPr id="517" name="Google Shape;517;p20"/>
+            <p:cNvPr id="511" name="Google Shape;511;p19"/>
             <p:cNvSpPr/>
             <p:nvPr/>
           </p:nvSpPr>
@@ -26440,7 +26243,7 @@
               </a:pPr>
               <a:r>
                 <a:rPr lang="en"/>
-                <a:t>0</a:t>
+                <a:t>1</a:t>
               </a:r>
               <a:endParaRPr/>
             </a:p>
@@ -26448,7 +26251,7 @@
         </p:sp>
         <p:sp>
           <p:nvSpPr>
-            <p:cNvPr id="518" name="Google Shape;518;p20"/>
+            <p:cNvPr id="512" name="Google Shape;512;p19"/>
             <p:cNvSpPr/>
             <p:nvPr/>
           </p:nvSpPr>
@@ -26499,7 +26302,7 @@
       </p:grpSp>
       <p:grpSp>
         <p:nvGrpSpPr>
-          <p:cNvPr id="519" name="Google Shape;519;p20"/>
+          <p:cNvPr id="513" name="Google Shape;513;p19"/>
           <p:cNvGrpSpPr/>
           <p:nvPr/>
         </p:nvGrpSpPr>
@@ -26513,7 +26316,7 @@
         </p:grpSpPr>
         <p:sp>
           <p:nvSpPr>
-            <p:cNvPr id="520" name="Google Shape;520;p20"/>
+            <p:cNvPr id="514" name="Google Shape;514;p19"/>
             <p:cNvSpPr/>
             <p:nvPr/>
           </p:nvSpPr>
@@ -26563,7 +26366,7 @@
         </p:sp>
         <p:sp>
           <p:nvSpPr>
-            <p:cNvPr id="521" name="Google Shape;521;p20"/>
+            <p:cNvPr id="515" name="Google Shape;515;p19"/>
             <p:cNvSpPr/>
             <p:nvPr/>
           </p:nvSpPr>
@@ -26613,7 +26416,7 @@
         </p:sp>
         <p:sp>
           <p:nvSpPr>
-            <p:cNvPr id="522" name="Google Shape;522;p20"/>
+            <p:cNvPr id="516" name="Google Shape;516;p19"/>
             <p:cNvSpPr/>
             <p:nvPr/>
           </p:nvSpPr>
@@ -26663,7 +26466,7 @@
         </p:sp>
         <p:sp>
           <p:nvSpPr>
-            <p:cNvPr id="523" name="Google Shape;523;p20"/>
+            <p:cNvPr id="517" name="Google Shape;517;p19"/>
             <p:cNvSpPr/>
             <p:nvPr/>
           </p:nvSpPr>
@@ -26714,7 +26517,7 @@
       </p:grpSp>
       <p:grpSp>
         <p:nvGrpSpPr>
-          <p:cNvPr id="524" name="Google Shape;524;p20"/>
+          <p:cNvPr id="518" name="Google Shape;518;p19"/>
           <p:cNvGrpSpPr/>
           <p:nvPr/>
         </p:nvGrpSpPr>
@@ -26728,7 +26531,7 @@
         </p:grpSpPr>
         <p:sp>
           <p:nvSpPr>
-            <p:cNvPr id="525" name="Google Shape;525;p20"/>
+            <p:cNvPr id="519" name="Google Shape;519;p19"/>
             <p:cNvSpPr/>
             <p:nvPr/>
           </p:nvSpPr>
@@ -26778,7 +26581,7 @@
         </p:sp>
         <p:sp>
           <p:nvSpPr>
-            <p:cNvPr id="526" name="Google Shape;526;p20"/>
+            <p:cNvPr id="520" name="Google Shape;520;p19"/>
             <p:cNvSpPr/>
             <p:nvPr/>
           </p:nvSpPr>
@@ -26828,7 +26631,7 @@
         </p:sp>
         <p:sp>
           <p:nvSpPr>
-            <p:cNvPr id="527" name="Google Shape;527;p20"/>
+            <p:cNvPr id="521" name="Google Shape;521;p19"/>
             <p:cNvSpPr/>
             <p:nvPr/>
           </p:nvSpPr>
@@ -26878,7 +26681,7 @@
         </p:sp>
         <p:sp>
           <p:nvSpPr>
-            <p:cNvPr id="528" name="Google Shape;528;p20"/>
+            <p:cNvPr id="522" name="Google Shape;522;p19"/>
             <p:cNvSpPr/>
             <p:nvPr/>
           </p:nvSpPr>
@@ -26929,7 +26732,7 @@
       </p:grpSp>
       <p:grpSp>
         <p:nvGrpSpPr>
-          <p:cNvPr id="529" name="Google Shape;529;p20"/>
+          <p:cNvPr id="523" name="Google Shape;523;p19"/>
           <p:cNvGrpSpPr/>
           <p:nvPr/>
         </p:nvGrpSpPr>
@@ -26943,7 +26746,7 @@
         </p:grpSpPr>
         <p:sp>
           <p:nvSpPr>
-            <p:cNvPr id="530" name="Google Shape;530;p20"/>
+            <p:cNvPr id="524" name="Google Shape;524;p19"/>
             <p:cNvSpPr/>
             <p:nvPr/>
           </p:nvSpPr>
@@ -26993,7 +26796,7 @@
         </p:sp>
         <p:sp>
           <p:nvSpPr>
-            <p:cNvPr id="531" name="Google Shape;531;p20"/>
+            <p:cNvPr id="525" name="Google Shape;525;p19"/>
             <p:cNvSpPr/>
             <p:nvPr/>
           </p:nvSpPr>
@@ -27043,7 +26846,7 @@
         </p:sp>
         <p:sp>
           <p:nvSpPr>
-            <p:cNvPr id="532" name="Google Shape;532;p20"/>
+            <p:cNvPr id="526" name="Google Shape;526;p19"/>
             <p:cNvSpPr/>
             <p:nvPr/>
           </p:nvSpPr>
@@ -27093,7 +26896,7 @@
         </p:sp>
         <p:sp>
           <p:nvSpPr>
-            <p:cNvPr id="533" name="Google Shape;533;p20"/>
+            <p:cNvPr id="527" name="Google Shape;527;p19"/>
             <p:cNvSpPr/>
             <p:nvPr/>
           </p:nvSpPr>
@@ -27144,7 +26947,7 @@
       </p:grpSp>
       <p:sp>
         <p:nvSpPr>
-          <p:cNvPr id="534" name="Google Shape;534;p20"/>
+          <p:cNvPr id="528" name="Google Shape;528;p19"/>
           <p:cNvSpPr txBox="1"/>
           <p:nvPr/>
         </p:nvSpPr>
@@ -27186,7 +26989,7 @@
       </p:sp>
       <p:sp>
         <p:nvSpPr>
-          <p:cNvPr id="535" name="Google Shape;535;p20"/>
+          <p:cNvPr id="529" name="Google Shape;529;p19"/>
           <p:cNvSpPr txBox="1"/>
           <p:nvPr/>
         </p:nvSpPr>
@@ -27220,7 +27023,11 @@
             </a:pPr>
             <a:r>
               <a:rPr lang="en"/>
-              <a:t>0x0952</a:t>
+              <a:t>0x099</a:t>
+            </a:r>
+            <a:r>
+              <a:rPr lang="en"/>
+              <a:t>2</a:t>
             </a:r>
             <a:endParaRPr/>
           </a:p>
@@ -27228,7 +27035,7 @@
       </p:sp>
       <p:sp>
         <p:nvSpPr>
-          <p:cNvPr id="536" name="Google Shape;536;p20"/>
+          <p:cNvPr id="530" name="Google Shape;530;p19"/>
           <p:cNvSpPr txBox="1"/>
           <p:nvPr/>
         </p:nvSpPr>
@@ -27262,7 +27069,7 @@
             </a:pPr>
             <a:r>
               <a:rPr lang="en"/>
-              <a:t>A ^ 0x0952</a:t>
+              <a:t>A ^ 0x0992</a:t>
             </a:r>
             <a:endParaRPr/>
           </a:p>
@@ -27270,7 +27077,7 @@
       </p:sp>
       <p:sp>
         <p:nvSpPr>
-          <p:cNvPr id="537" name="Google Shape;537;p20"/>
+          <p:cNvPr id="531" name="Google Shape;531;p19"/>
           <p:cNvSpPr txBox="1"/>
           <p:nvPr/>
         </p:nvSpPr>
@@ -27318,10 +27125,10 @@
       </p:sp>
       <p:cxnSp>
         <p:nvCxnSpPr>
-          <p:cNvPr id="538" name="Google Shape;538;p20"/>
+          <p:cNvPr id="532" name="Google Shape;532;p19"/>
           <p:cNvCxnSpPr>
-            <a:stCxn id="537" idx="3"/>
-            <a:endCxn id="535" idx="3"/>
+            <a:stCxn id="531" idx="3"/>
+            <a:endCxn id="529" idx="3"/>
           </p:cNvCxnSpPr>
           <p:nvPr/>
         </p:nvCxnSpPr>
@@ -27355,12 +27162,12 @@
 </p:sld>
 </file>
 
-<file path=ppt/slides/slide9.xml><?xml version="1.0" encoding="utf-8"?>
+<file path=ppt/slides/slide8.xml><?xml version="1.0" encoding="utf-8"?>
 <p:sld xmlns:a="http://schemas.openxmlformats.org/drawingml/2006/main" xmlns:r="http://schemas.openxmlformats.org/officeDocument/2006/relationships" xmlns:mc="http://schemas.openxmlformats.org/markup-compatibility/2006" xmlns:mv="urn:schemas-microsoft-com:mac:vml" xmlns:p="http://schemas.openxmlformats.org/presentationml/2006/main" xmlns:c="http://schemas.openxmlformats.org/drawingml/2006/chart" xmlns:dgm="http://schemas.openxmlformats.org/drawingml/2006/diagram" xmlns:o="urn:schemas-microsoft-com:office:office" xmlns:v="urn:schemas-microsoft-com:vml" xmlns:pvml="urn:schemas-microsoft-com:office:powerpoint" xmlns:com="http://schemas.openxmlformats.org/drawingml/2006/compatibility" xmlns:p14="http://schemas.microsoft.com/office/powerpoint/2010/main" xmlns:p15="http://schemas.microsoft.com/office/powerpoint/2012/main" xmlns:ahyp="http://schemas.microsoft.com/office/drawing/2018/hyperlinkcolor">
   <p:cSld>
     <p:spTree>
       <p:nvGrpSpPr>
-        <p:cNvPr id="542" name="Shape 542"/>
+        <p:cNvPr id="536" name="Shape 536"/>
         <p:cNvGrpSpPr/>
         <p:nvPr/>
       </p:nvGrpSpPr>
@@ -27374,7 +27181,7 @@
       </p:grpSpPr>
       <p:cxnSp>
         <p:nvCxnSpPr>
-          <p:cNvPr id="543" name="Google Shape;543;p21"/>
+          <p:cNvPr id="537" name="Google Shape;537;p20"/>
           <p:cNvCxnSpPr/>
           <p:nvPr/>
         </p:nvCxnSpPr>
@@ -27400,7 +27207,7 @@
       </p:cxnSp>
       <p:cxnSp>
         <p:nvCxnSpPr>
-          <p:cNvPr id="544" name="Google Shape;544;p21"/>
+          <p:cNvPr id="538" name="Google Shape;538;p20"/>
           <p:cNvCxnSpPr/>
           <p:nvPr/>
         </p:nvCxnSpPr>
@@ -27426,7 +27233,7 @@
       </p:cxnSp>
       <p:sp>
         <p:nvSpPr>
-          <p:cNvPr id="545" name="Google Shape;545;p21"/>
+          <p:cNvPr id="539" name="Google Shape;539;p20"/>
           <p:cNvSpPr txBox="1"/>
           <p:nvPr>
             <p:ph type="title"/>
@@ -27466,7 +27273,7 @@
       </p:sp>
       <p:sp>
         <p:nvSpPr>
-          <p:cNvPr id="546" name="Google Shape;546;p21"/>
+          <p:cNvPr id="540" name="Google Shape;540;p20"/>
           <p:cNvSpPr txBox="1"/>
           <p:nvPr>
             <p:ph idx="1" type="body"/>
@@ -27547,7 +27354,7 @@
       </p:sp>
       <p:grpSp>
         <p:nvGrpSpPr>
-          <p:cNvPr id="547" name="Google Shape;547;p21"/>
+          <p:cNvPr id="541" name="Google Shape;541;p20"/>
           <p:cNvGrpSpPr/>
           <p:nvPr/>
         </p:nvGrpSpPr>
@@ -27561,7 +27368,7 @@
         </p:grpSpPr>
         <p:sp>
           <p:nvSpPr>
-            <p:cNvPr id="548" name="Google Shape;548;p21"/>
+            <p:cNvPr id="542" name="Google Shape;542;p20"/>
             <p:cNvSpPr/>
             <p:nvPr/>
           </p:nvSpPr>
@@ -27611,7 +27418,7 @@
         </p:sp>
         <p:sp>
           <p:nvSpPr>
-            <p:cNvPr id="549" name="Google Shape;549;p21"/>
+            <p:cNvPr id="543" name="Google Shape;543;p20"/>
             <p:cNvSpPr/>
             <p:nvPr/>
           </p:nvSpPr>
@@ -27661,7 +27468,7 @@
         </p:sp>
         <p:sp>
           <p:nvSpPr>
-            <p:cNvPr id="550" name="Google Shape;550;p21"/>
+            <p:cNvPr id="544" name="Google Shape;544;p20"/>
             <p:cNvSpPr/>
             <p:nvPr/>
           </p:nvSpPr>
@@ -27711,7 +27518,7 @@
         </p:sp>
         <p:sp>
           <p:nvSpPr>
-            <p:cNvPr id="551" name="Google Shape;551;p21"/>
+            <p:cNvPr id="545" name="Google Shape;545;p20"/>
             <p:cNvSpPr/>
             <p:nvPr/>
           </p:nvSpPr>
@@ -27762,7 +27569,7 @@
       </p:grpSp>
       <p:grpSp>
         <p:nvGrpSpPr>
-          <p:cNvPr id="552" name="Google Shape;552;p21"/>
+          <p:cNvPr id="546" name="Google Shape;546;p20"/>
           <p:cNvGrpSpPr/>
           <p:nvPr/>
         </p:nvGrpSpPr>
@@ -27776,7 +27583,7 @@
         </p:grpSpPr>
         <p:sp>
           <p:nvSpPr>
-            <p:cNvPr id="553" name="Google Shape;553;p21"/>
+            <p:cNvPr id="547" name="Google Shape;547;p20"/>
             <p:cNvSpPr/>
             <p:nvPr/>
           </p:nvSpPr>
@@ -27826,7 +27633,7 @@
         </p:sp>
         <p:sp>
           <p:nvSpPr>
-            <p:cNvPr id="554" name="Google Shape;554;p21"/>
+            <p:cNvPr id="548" name="Google Shape;548;p20"/>
             <p:cNvSpPr/>
             <p:nvPr/>
           </p:nvSpPr>
@@ -27876,7 +27683,7 @@
         </p:sp>
         <p:sp>
           <p:nvSpPr>
-            <p:cNvPr id="555" name="Google Shape;555;p21"/>
+            <p:cNvPr id="549" name="Google Shape;549;p20"/>
             <p:cNvSpPr/>
             <p:nvPr/>
           </p:nvSpPr>
@@ -27926,7 +27733,7 @@
         </p:sp>
         <p:sp>
           <p:nvSpPr>
-            <p:cNvPr id="556" name="Google Shape;556;p21"/>
+            <p:cNvPr id="550" name="Google Shape;550;p20"/>
             <p:cNvSpPr/>
             <p:nvPr/>
           </p:nvSpPr>
@@ -27977,7 +27784,7 @@
       </p:grpSp>
       <p:grpSp>
         <p:nvGrpSpPr>
-          <p:cNvPr id="557" name="Google Shape;557;p21"/>
+          <p:cNvPr id="551" name="Google Shape;551;p20"/>
           <p:cNvGrpSpPr/>
           <p:nvPr/>
         </p:nvGrpSpPr>
@@ -27991,7 +27798,7 @@
         </p:grpSpPr>
         <p:sp>
           <p:nvSpPr>
-            <p:cNvPr id="558" name="Google Shape;558;p21"/>
+            <p:cNvPr id="552" name="Google Shape;552;p20"/>
             <p:cNvSpPr/>
             <p:nvPr/>
           </p:nvSpPr>
@@ -28041,7 +27848,7 @@
         </p:sp>
         <p:sp>
           <p:nvSpPr>
-            <p:cNvPr id="559" name="Google Shape;559;p21"/>
+            <p:cNvPr id="553" name="Google Shape;553;p20"/>
             <p:cNvSpPr/>
             <p:nvPr/>
           </p:nvSpPr>
@@ -28091,7 +27898,7 @@
         </p:sp>
         <p:sp>
           <p:nvSpPr>
-            <p:cNvPr id="560" name="Google Shape;560;p21"/>
+            <p:cNvPr id="554" name="Google Shape;554;p20"/>
             <p:cNvSpPr/>
             <p:nvPr/>
           </p:nvSpPr>
@@ -28141,7 +27948,7 @@
         </p:sp>
         <p:sp>
           <p:nvSpPr>
-            <p:cNvPr id="561" name="Google Shape;561;p21"/>
+            <p:cNvPr id="555" name="Google Shape;555;p20"/>
             <p:cNvSpPr/>
             <p:nvPr/>
           </p:nvSpPr>
@@ -28192,7 +27999,7 @@
       </p:grpSp>
       <p:grpSp>
         <p:nvGrpSpPr>
-          <p:cNvPr id="562" name="Google Shape;562;p21"/>
+          <p:cNvPr id="556" name="Google Shape;556;p20"/>
           <p:cNvGrpSpPr/>
           <p:nvPr/>
         </p:nvGrpSpPr>
@@ -28206,7 +28013,7 @@
         </p:grpSpPr>
         <p:sp>
           <p:nvSpPr>
-            <p:cNvPr id="563" name="Google Shape;563;p21"/>
+            <p:cNvPr id="557" name="Google Shape;557;p20"/>
             <p:cNvSpPr/>
             <p:nvPr/>
           </p:nvSpPr>
@@ -28256,7 +28063,7 @@
         </p:sp>
         <p:sp>
           <p:nvSpPr>
-            <p:cNvPr id="564" name="Google Shape;564;p21"/>
+            <p:cNvPr id="558" name="Google Shape;558;p20"/>
             <p:cNvSpPr/>
             <p:nvPr/>
           </p:nvSpPr>
@@ -28306,7 +28113,7 @@
         </p:sp>
         <p:sp>
           <p:nvSpPr>
-            <p:cNvPr id="565" name="Google Shape;565;p21"/>
+            <p:cNvPr id="559" name="Google Shape;559;p20"/>
             <p:cNvSpPr/>
             <p:nvPr/>
           </p:nvSpPr>
@@ -28356,7 +28163,7 @@
         </p:sp>
         <p:sp>
           <p:nvSpPr>
-            <p:cNvPr id="566" name="Google Shape;566;p21"/>
+            <p:cNvPr id="560" name="Google Shape;560;p20"/>
             <p:cNvSpPr/>
             <p:nvPr/>
           </p:nvSpPr>
@@ -28407,7 +28214,7 @@
       </p:grpSp>
       <p:grpSp>
         <p:nvGrpSpPr>
-          <p:cNvPr id="567" name="Google Shape;567;p21"/>
+          <p:cNvPr id="561" name="Google Shape;561;p20"/>
           <p:cNvGrpSpPr/>
           <p:nvPr/>
         </p:nvGrpSpPr>
@@ -28421,7 +28228,7 @@
         </p:grpSpPr>
         <p:sp>
           <p:nvSpPr>
-            <p:cNvPr id="568" name="Google Shape;568;p21"/>
+            <p:cNvPr id="562" name="Google Shape;562;p20"/>
             <p:cNvSpPr/>
             <p:nvPr/>
           </p:nvSpPr>
@@ -28471,7 +28278,7 @@
         </p:sp>
         <p:sp>
           <p:nvSpPr>
-            <p:cNvPr id="569" name="Google Shape;569;p21"/>
+            <p:cNvPr id="563" name="Google Shape;563;p20"/>
             <p:cNvSpPr/>
             <p:nvPr/>
           </p:nvSpPr>
@@ -28521,7 +28328,7 @@
         </p:sp>
         <p:sp>
           <p:nvSpPr>
-            <p:cNvPr id="570" name="Google Shape;570;p21"/>
+            <p:cNvPr id="564" name="Google Shape;564;p20"/>
             <p:cNvSpPr/>
             <p:nvPr/>
           </p:nvSpPr>
@@ -28571,7 +28378,7 @@
         </p:sp>
         <p:sp>
           <p:nvSpPr>
-            <p:cNvPr id="571" name="Google Shape;571;p21"/>
+            <p:cNvPr id="565" name="Google Shape;565;p20"/>
             <p:cNvSpPr/>
             <p:nvPr/>
           </p:nvSpPr>
@@ -28622,7 +28429,7 @@
       </p:grpSp>
       <p:grpSp>
         <p:nvGrpSpPr>
-          <p:cNvPr id="572" name="Google Shape;572;p21"/>
+          <p:cNvPr id="566" name="Google Shape;566;p20"/>
           <p:cNvGrpSpPr/>
           <p:nvPr/>
         </p:nvGrpSpPr>
@@ -28636,7 +28443,7 @@
         </p:grpSpPr>
         <p:sp>
           <p:nvSpPr>
-            <p:cNvPr id="573" name="Google Shape;573;p21"/>
+            <p:cNvPr id="567" name="Google Shape;567;p20"/>
             <p:cNvSpPr/>
             <p:nvPr/>
           </p:nvSpPr>
@@ -28686,7 +28493,7 @@
         </p:sp>
         <p:sp>
           <p:nvSpPr>
-            <p:cNvPr id="574" name="Google Shape;574;p21"/>
+            <p:cNvPr id="568" name="Google Shape;568;p20"/>
             <p:cNvSpPr/>
             <p:nvPr/>
           </p:nvSpPr>
@@ -28736,7 +28543,7 @@
         </p:sp>
         <p:sp>
           <p:nvSpPr>
-            <p:cNvPr id="575" name="Google Shape;575;p21"/>
+            <p:cNvPr id="569" name="Google Shape;569;p20"/>
             <p:cNvSpPr/>
             <p:nvPr/>
           </p:nvSpPr>
@@ -28786,7 +28593,7 @@
         </p:sp>
         <p:sp>
           <p:nvSpPr>
-            <p:cNvPr id="576" name="Google Shape;576;p21"/>
+            <p:cNvPr id="570" name="Google Shape;570;p20"/>
             <p:cNvSpPr/>
             <p:nvPr/>
           </p:nvSpPr>
@@ -28837,7 +28644,7 @@
       </p:grpSp>
       <p:grpSp>
         <p:nvGrpSpPr>
-          <p:cNvPr id="577" name="Google Shape;577;p21"/>
+          <p:cNvPr id="571" name="Google Shape;571;p20"/>
           <p:cNvGrpSpPr/>
           <p:nvPr/>
         </p:nvGrpSpPr>
@@ -28851,7 +28658,7 @@
         </p:grpSpPr>
         <p:sp>
           <p:nvSpPr>
-            <p:cNvPr id="578" name="Google Shape;578;p21"/>
+            <p:cNvPr id="572" name="Google Shape;572;p20"/>
             <p:cNvSpPr/>
             <p:nvPr/>
           </p:nvSpPr>
@@ -28901,7 +28708,7 @@
         </p:sp>
         <p:sp>
           <p:nvSpPr>
-            <p:cNvPr id="579" name="Google Shape;579;p21"/>
+            <p:cNvPr id="573" name="Google Shape;573;p20"/>
             <p:cNvSpPr/>
             <p:nvPr/>
           </p:nvSpPr>
@@ -28951,7 +28758,7 @@
         </p:sp>
         <p:sp>
           <p:nvSpPr>
-            <p:cNvPr id="580" name="Google Shape;580;p21"/>
+            <p:cNvPr id="574" name="Google Shape;574;p20"/>
             <p:cNvSpPr/>
             <p:nvPr/>
           </p:nvSpPr>
@@ -29001,7 +28808,7 @@
         </p:sp>
         <p:sp>
           <p:nvSpPr>
-            <p:cNvPr id="581" name="Google Shape;581;p21"/>
+            <p:cNvPr id="575" name="Google Shape;575;p20"/>
             <p:cNvSpPr/>
             <p:nvPr/>
           </p:nvSpPr>
@@ -29052,7 +28859,7 @@
       </p:grpSp>
       <p:grpSp>
         <p:nvGrpSpPr>
-          <p:cNvPr id="582" name="Google Shape;582;p21"/>
+          <p:cNvPr id="576" name="Google Shape;576;p20"/>
           <p:cNvGrpSpPr/>
           <p:nvPr/>
         </p:nvGrpSpPr>
@@ -29066,7 +28873,7 @@
         </p:grpSpPr>
         <p:sp>
           <p:nvSpPr>
-            <p:cNvPr id="583" name="Google Shape;583;p21"/>
+            <p:cNvPr id="577" name="Google Shape;577;p20"/>
             <p:cNvSpPr/>
             <p:nvPr/>
           </p:nvSpPr>
@@ -29116,7 +28923,7 @@
         </p:sp>
         <p:sp>
           <p:nvSpPr>
-            <p:cNvPr id="584" name="Google Shape;584;p21"/>
+            <p:cNvPr id="578" name="Google Shape;578;p20"/>
             <p:cNvSpPr/>
             <p:nvPr/>
           </p:nvSpPr>
@@ -29166,7 +28973,7 @@
         </p:sp>
         <p:sp>
           <p:nvSpPr>
-            <p:cNvPr id="585" name="Google Shape;585;p21"/>
+            <p:cNvPr id="579" name="Google Shape;579;p20"/>
             <p:cNvSpPr/>
             <p:nvPr/>
           </p:nvSpPr>
@@ -29216,7 +29023,7 @@
         </p:sp>
         <p:sp>
           <p:nvSpPr>
-            <p:cNvPr id="586" name="Google Shape;586;p21"/>
+            <p:cNvPr id="580" name="Google Shape;580;p20"/>
             <p:cNvSpPr/>
             <p:nvPr/>
           </p:nvSpPr>
@@ -29267,10 +29074,10 @@
       </p:grpSp>
       <p:cxnSp>
         <p:nvCxnSpPr>
-          <p:cNvPr id="587" name="Google Shape;587;p21"/>
+          <p:cNvPr id="581" name="Google Shape;581;p20"/>
           <p:cNvCxnSpPr>
-            <a:stCxn id="588" idx="2"/>
-            <a:endCxn id="583" idx="0"/>
+            <a:stCxn id="582" idx="2"/>
+            <a:endCxn id="577" idx="0"/>
           </p:cNvCxnSpPr>
           <p:nvPr/>
         </p:nvCxnSpPr>
@@ -29296,10 +29103,10 @@
       </p:cxnSp>
       <p:cxnSp>
         <p:nvCxnSpPr>
-          <p:cNvPr id="589" name="Google Shape;589;p21"/>
+          <p:cNvPr id="583" name="Google Shape;583;p20"/>
           <p:cNvCxnSpPr>
-            <a:stCxn id="590" idx="2"/>
-            <a:endCxn id="584" idx="0"/>
+            <a:stCxn id="584" idx="2"/>
+            <a:endCxn id="578" idx="0"/>
           </p:cNvCxnSpPr>
           <p:nvPr/>
         </p:nvCxnSpPr>
@@ -29325,10 +29132,10 @@
       </p:cxnSp>
       <p:cxnSp>
         <p:nvCxnSpPr>
-          <p:cNvPr id="591" name="Google Shape;591;p21"/>
+          <p:cNvPr id="585" name="Google Shape;585;p20"/>
           <p:cNvCxnSpPr>
-            <a:stCxn id="592" idx="2"/>
-            <a:endCxn id="585" idx="0"/>
+            <a:stCxn id="586" idx="2"/>
+            <a:endCxn id="579" idx="0"/>
           </p:cNvCxnSpPr>
           <p:nvPr/>
         </p:nvCxnSpPr>
@@ -29354,10 +29161,10 @@
       </p:cxnSp>
       <p:cxnSp>
         <p:nvCxnSpPr>
-          <p:cNvPr id="593" name="Google Shape;593;p21"/>
+          <p:cNvPr id="587" name="Google Shape;587;p20"/>
           <p:cNvCxnSpPr>
-            <a:stCxn id="594" idx="2"/>
-            <a:endCxn id="586" idx="0"/>
+            <a:stCxn id="588" idx="2"/>
+            <a:endCxn id="580" idx="0"/>
           </p:cNvCxnSpPr>
           <p:nvPr/>
         </p:nvCxnSpPr>
@@ -29383,10 +29190,10 @@
       </p:cxnSp>
       <p:cxnSp>
         <p:nvCxnSpPr>
-          <p:cNvPr id="595" name="Google Shape;595;p21"/>
+          <p:cNvPr id="589" name="Google Shape;589;p20"/>
           <p:cNvCxnSpPr>
-            <a:stCxn id="558" idx="2"/>
-            <a:endCxn id="578" idx="0"/>
+            <a:stCxn id="552" idx="2"/>
+            <a:endCxn id="572" idx="0"/>
           </p:cNvCxnSpPr>
           <p:nvPr/>
         </p:nvCxnSpPr>
@@ -29412,10 +29219,10 @@
       </p:cxnSp>
       <p:cxnSp>
         <p:nvCxnSpPr>
-          <p:cNvPr id="596" name="Google Shape;596;p21"/>
+          <p:cNvPr id="590" name="Google Shape;590;p20"/>
           <p:cNvCxnSpPr>
-            <a:stCxn id="561" idx="2"/>
-            <a:endCxn id="581" idx="0"/>
+            <a:stCxn id="555" idx="2"/>
+            <a:endCxn id="575" idx="0"/>
           </p:cNvCxnSpPr>
           <p:nvPr/>
         </p:nvCxnSpPr>
@@ -29441,10 +29248,10 @@
       </p:cxnSp>
       <p:cxnSp>
         <p:nvCxnSpPr>
-          <p:cNvPr id="597" name="Google Shape;597;p21"/>
+          <p:cNvPr id="591" name="Google Shape;591;p20"/>
           <p:cNvCxnSpPr>
-            <a:stCxn id="559" idx="2"/>
-            <a:endCxn id="579" idx="0"/>
+            <a:stCxn id="553" idx="2"/>
+            <a:endCxn id="573" idx="0"/>
           </p:cNvCxnSpPr>
           <p:nvPr/>
         </p:nvCxnSpPr>
@@ -29470,10 +29277,10 @@
       </p:cxnSp>
       <p:cxnSp>
         <p:nvCxnSpPr>
-          <p:cNvPr id="598" name="Google Shape;598;p21"/>
+          <p:cNvPr id="592" name="Google Shape;592;p20"/>
           <p:cNvCxnSpPr>
-            <a:stCxn id="560" idx="2"/>
-            <a:endCxn id="580" idx="0"/>
+            <a:stCxn id="554" idx="2"/>
+            <a:endCxn id="574" idx="0"/>
           </p:cNvCxnSpPr>
           <p:nvPr/>
         </p:nvCxnSpPr>
@@ -29499,10 +29306,10 @@
       </p:cxnSp>
       <p:cxnSp>
         <p:nvCxnSpPr>
-          <p:cNvPr id="599" name="Google Shape;599;p21"/>
+          <p:cNvPr id="593" name="Google Shape;593;p20"/>
           <p:cNvCxnSpPr>
-            <a:stCxn id="600" idx="2"/>
-            <a:endCxn id="573" idx="0"/>
+            <a:stCxn id="594" idx="2"/>
+            <a:endCxn id="567" idx="0"/>
           </p:cNvCxnSpPr>
           <p:nvPr/>
         </p:nvCxnSpPr>
@@ -29528,10 +29335,10 @@
       </p:cxnSp>
       <p:cxnSp>
         <p:nvCxnSpPr>
-          <p:cNvPr id="601" name="Google Shape;601;p21"/>
+          <p:cNvPr id="595" name="Google Shape;595;p20"/>
           <p:cNvCxnSpPr>
-            <a:stCxn id="602" idx="2"/>
-            <a:endCxn id="574" idx="0"/>
+            <a:stCxn id="596" idx="2"/>
+            <a:endCxn id="568" idx="0"/>
           </p:cNvCxnSpPr>
           <p:nvPr/>
         </p:nvCxnSpPr>
@@ -29557,10 +29364,10 @@
       </p:cxnSp>
       <p:cxnSp>
         <p:nvCxnSpPr>
-          <p:cNvPr id="603" name="Google Shape;603;p21"/>
+          <p:cNvPr id="597" name="Google Shape;597;p20"/>
           <p:cNvCxnSpPr>
-            <a:stCxn id="604" idx="2"/>
-            <a:endCxn id="575" idx="0"/>
+            <a:stCxn id="598" idx="2"/>
+            <a:endCxn id="569" idx="0"/>
           </p:cNvCxnSpPr>
           <p:nvPr/>
         </p:nvCxnSpPr>
@@ -29586,10 +29393,10 @@
       </p:cxnSp>
       <p:cxnSp>
         <p:nvCxnSpPr>
-          <p:cNvPr id="605" name="Google Shape;605;p21"/>
+          <p:cNvPr id="599" name="Google Shape;599;p20"/>
           <p:cNvCxnSpPr>
-            <a:stCxn id="606" idx="2"/>
-            <a:endCxn id="576" idx="0"/>
+            <a:stCxn id="600" idx="2"/>
+            <a:endCxn id="570" idx="0"/>
           </p:cNvCxnSpPr>
           <p:nvPr/>
         </p:nvCxnSpPr>
@@ -29615,10 +29422,10 @@
       </p:cxnSp>
       <p:cxnSp>
         <p:nvCxnSpPr>
-          <p:cNvPr id="607" name="Google Shape;607;p21"/>
+          <p:cNvPr id="601" name="Google Shape;601;p20"/>
           <p:cNvCxnSpPr>
-            <a:stCxn id="608" idx="2"/>
-            <a:endCxn id="568" idx="0"/>
+            <a:stCxn id="602" idx="2"/>
+            <a:endCxn id="562" idx="0"/>
           </p:cNvCxnSpPr>
           <p:nvPr/>
         </p:nvCxnSpPr>
@@ -29644,10 +29451,10 @@
       </p:cxnSp>
       <p:cxnSp>
         <p:nvCxnSpPr>
-          <p:cNvPr id="609" name="Google Shape;609;p21"/>
+          <p:cNvPr id="603" name="Google Shape;603;p20"/>
           <p:cNvCxnSpPr>
-            <a:stCxn id="610" idx="2"/>
-            <a:endCxn id="569" idx="0"/>
+            <a:stCxn id="604" idx="2"/>
+            <a:endCxn id="563" idx="0"/>
           </p:cNvCxnSpPr>
           <p:nvPr/>
         </p:nvCxnSpPr>
@@ -29673,10 +29480,10 @@
       </p:cxnSp>
       <p:cxnSp>
         <p:nvCxnSpPr>
-          <p:cNvPr id="611" name="Google Shape;611;p21"/>
+          <p:cNvPr id="605" name="Google Shape;605;p20"/>
           <p:cNvCxnSpPr>
-            <a:stCxn id="612" idx="2"/>
-            <a:endCxn id="570" idx="0"/>
+            <a:stCxn id="606" idx="2"/>
+            <a:endCxn id="564" idx="0"/>
           </p:cNvCxnSpPr>
           <p:nvPr/>
         </p:nvCxnSpPr>
@@ -29702,10 +29509,10 @@
       </p:cxnSp>
       <p:cxnSp>
         <p:nvCxnSpPr>
-          <p:cNvPr id="613" name="Google Shape;613;p21"/>
+          <p:cNvPr id="607" name="Google Shape;607;p20"/>
           <p:cNvCxnSpPr>
-            <a:stCxn id="614" idx="2"/>
-            <a:endCxn id="571" idx="0"/>
+            <a:stCxn id="608" idx="2"/>
+            <a:endCxn id="565" idx="0"/>
           </p:cNvCxnSpPr>
           <p:nvPr/>
         </p:nvCxnSpPr>
@@ -29731,7 +29538,7 @@
       </p:cxnSp>
       <p:grpSp>
         <p:nvGrpSpPr>
-          <p:cNvPr id="615" name="Google Shape;615;p21"/>
+          <p:cNvPr id="609" name="Google Shape;609;p20"/>
           <p:cNvGrpSpPr/>
           <p:nvPr/>
         </p:nvGrpSpPr>
@@ -29745,7 +29552,7 @@
         </p:grpSpPr>
         <p:sp>
           <p:nvSpPr>
-            <p:cNvPr id="608" name="Google Shape;608;p21"/>
+            <p:cNvPr id="602" name="Google Shape;602;p20"/>
             <p:cNvSpPr/>
             <p:nvPr/>
           </p:nvSpPr>
@@ -29795,7 +29602,7 @@
         </p:sp>
         <p:sp>
           <p:nvSpPr>
-            <p:cNvPr id="610" name="Google Shape;610;p21"/>
+            <p:cNvPr id="604" name="Google Shape;604;p20"/>
             <p:cNvSpPr/>
             <p:nvPr/>
           </p:nvSpPr>
@@ -29845,7 +29652,7 @@
         </p:sp>
         <p:sp>
           <p:nvSpPr>
-            <p:cNvPr id="612" name="Google Shape;612;p21"/>
+            <p:cNvPr id="606" name="Google Shape;606;p20"/>
             <p:cNvSpPr/>
             <p:nvPr/>
           </p:nvSpPr>
@@ -29895,7 +29702,7 @@
         </p:sp>
         <p:sp>
           <p:nvSpPr>
-            <p:cNvPr id="614" name="Google Shape;614;p21"/>
+            <p:cNvPr id="608" name="Google Shape;608;p20"/>
             <p:cNvSpPr/>
             <p:nvPr/>
           </p:nvSpPr>
@@ -29946,7 +29753,7 @@
       </p:grpSp>
       <p:grpSp>
         <p:nvGrpSpPr>
-          <p:cNvPr id="616" name="Google Shape;616;p21"/>
+          <p:cNvPr id="610" name="Google Shape;610;p20"/>
           <p:cNvGrpSpPr/>
           <p:nvPr/>
         </p:nvGrpSpPr>
@@ -29960,7 +29767,7 @@
         </p:grpSpPr>
         <p:sp>
           <p:nvSpPr>
-            <p:cNvPr id="600" name="Google Shape;600;p21"/>
+            <p:cNvPr id="594" name="Google Shape;594;p20"/>
             <p:cNvSpPr/>
             <p:nvPr/>
           </p:nvSpPr>
@@ -30010,7 +29817,7 @@
         </p:sp>
         <p:sp>
           <p:nvSpPr>
-            <p:cNvPr id="602" name="Google Shape;602;p21"/>
+            <p:cNvPr id="596" name="Google Shape;596;p20"/>
             <p:cNvSpPr/>
             <p:nvPr/>
           </p:nvSpPr>
@@ -30060,7 +29867,7 @@
         </p:sp>
         <p:sp>
           <p:nvSpPr>
-            <p:cNvPr id="604" name="Google Shape;604;p21"/>
+            <p:cNvPr id="598" name="Google Shape;598;p20"/>
             <p:cNvSpPr/>
             <p:nvPr/>
           </p:nvSpPr>
@@ -30110,7 +29917,7 @@
         </p:sp>
         <p:sp>
           <p:nvSpPr>
-            <p:cNvPr id="606" name="Google Shape;606;p21"/>
+            <p:cNvPr id="600" name="Google Shape;600;p20"/>
             <p:cNvSpPr/>
             <p:nvPr/>
           </p:nvSpPr>
@@ -30161,7 +29968,7 @@
       </p:grpSp>
       <p:grpSp>
         <p:nvGrpSpPr>
-          <p:cNvPr id="617" name="Google Shape;617;p21"/>
+          <p:cNvPr id="611" name="Google Shape;611;p20"/>
           <p:cNvGrpSpPr/>
           <p:nvPr/>
         </p:nvGrpSpPr>
@@ -30175,7 +29982,7 @@
         </p:grpSpPr>
         <p:sp>
           <p:nvSpPr>
-            <p:cNvPr id="618" name="Google Shape;618;p21"/>
+            <p:cNvPr id="612" name="Google Shape;612;p20"/>
             <p:cNvSpPr/>
             <p:nvPr/>
           </p:nvSpPr>
@@ -30225,7 +30032,7 @@
         </p:sp>
         <p:sp>
           <p:nvSpPr>
-            <p:cNvPr id="619" name="Google Shape;619;p21"/>
+            <p:cNvPr id="613" name="Google Shape;613;p20"/>
             <p:cNvSpPr/>
             <p:nvPr/>
           </p:nvSpPr>
@@ -30275,7 +30082,7 @@
         </p:sp>
         <p:sp>
           <p:nvSpPr>
-            <p:cNvPr id="620" name="Google Shape;620;p21"/>
+            <p:cNvPr id="614" name="Google Shape;614;p20"/>
             <p:cNvSpPr/>
             <p:nvPr/>
           </p:nvSpPr>
@@ -30325,7 +30132,7 @@
         </p:sp>
         <p:sp>
           <p:nvSpPr>
-            <p:cNvPr id="621" name="Google Shape;621;p21"/>
+            <p:cNvPr id="615" name="Google Shape;615;p20"/>
             <p:cNvSpPr/>
             <p:nvPr/>
           </p:nvSpPr>
@@ -30376,7 +30183,7 @@
       </p:grpSp>
       <p:grpSp>
         <p:nvGrpSpPr>
-          <p:cNvPr id="622" name="Google Shape;622;p21"/>
+          <p:cNvPr id="616" name="Google Shape;616;p20"/>
           <p:cNvGrpSpPr/>
           <p:nvPr/>
         </p:nvGrpSpPr>
@@ -30390,7 +30197,7 @@
         </p:grpSpPr>
         <p:sp>
           <p:nvSpPr>
-            <p:cNvPr id="588" name="Google Shape;588;p21"/>
+            <p:cNvPr id="582" name="Google Shape;582;p20"/>
             <p:cNvSpPr/>
             <p:nvPr/>
           </p:nvSpPr>
@@ -30440,7 +30247,7 @@
         </p:sp>
         <p:sp>
           <p:nvSpPr>
-            <p:cNvPr id="590" name="Google Shape;590;p21"/>
+            <p:cNvPr id="584" name="Google Shape;584;p20"/>
             <p:cNvSpPr/>
             <p:nvPr/>
           </p:nvSpPr>
@@ -30490,7 +30297,7 @@
         </p:sp>
         <p:sp>
           <p:nvSpPr>
-            <p:cNvPr id="592" name="Google Shape;592;p21"/>
+            <p:cNvPr id="586" name="Google Shape;586;p20"/>
             <p:cNvSpPr/>
             <p:nvPr/>
           </p:nvSpPr>
@@ -30540,7 +30347,7 @@
         </p:sp>
         <p:sp>
           <p:nvSpPr>
-            <p:cNvPr id="594" name="Google Shape;594;p21"/>
+            <p:cNvPr id="588" name="Google Shape;588;p20"/>
             <p:cNvSpPr/>
             <p:nvPr/>
           </p:nvSpPr>
@@ -30591,7 +30398,7 @@
       </p:grpSp>
       <p:sp>
         <p:nvSpPr>
-          <p:cNvPr id="623" name="Google Shape;623;p21"/>
+          <p:cNvPr id="617" name="Google Shape;617;p20"/>
           <p:cNvSpPr txBox="1"/>
           <p:nvPr/>
         </p:nvSpPr>
@@ -30633,7 +30440,7 @@
       </p:sp>
       <p:sp>
         <p:nvSpPr>
-          <p:cNvPr id="624" name="Google Shape;624;p21"/>
+          <p:cNvPr id="618" name="Google Shape;618;p20"/>
           <p:cNvSpPr txBox="1"/>
           <p:nvPr/>
         </p:nvSpPr>
@@ -30675,7 +30482,7 @@
       </p:sp>
       <p:sp>
         <p:nvSpPr>
-          <p:cNvPr id="625" name="Google Shape;625;p21"/>
+          <p:cNvPr id="619" name="Google Shape;619;p20"/>
           <p:cNvSpPr txBox="1"/>
           <p:nvPr/>
         </p:nvSpPr>
@@ -30717,7 +30524,7 @@
       </p:sp>
       <p:grpSp>
         <p:nvGrpSpPr>
-          <p:cNvPr id="626" name="Google Shape;626;p21"/>
+          <p:cNvPr id="620" name="Google Shape;620;p20"/>
           <p:cNvGrpSpPr/>
           <p:nvPr/>
         </p:nvGrpSpPr>
@@ -30731,7 +30538,7 @@
         </p:grpSpPr>
         <p:sp>
           <p:nvSpPr>
-            <p:cNvPr id="627" name="Google Shape;627;p21"/>
+            <p:cNvPr id="621" name="Google Shape;621;p20"/>
             <p:cNvSpPr/>
             <p:nvPr/>
           </p:nvSpPr>
@@ -30781,7 +30588,7 @@
         </p:sp>
         <p:sp>
           <p:nvSpPr>
-            <p:cNvPr id="628" name="Google Shape;628;p21"/>
+            <p:cNvPr id="622" name="Google Shape;622;p20"/>
             <p:cNvSpPr/>
             <p:nvPr/>
           </p:nvSpPr>
@@ -30831,7 +30638,7 @@
         </p:sp>
         <p:sp>
           <p:nvSpPr>
-            <p:cNvPr id="629" name="Google Shape;629;p21"/>
+            <p:cNvPr id="623" name="Google Shape;623;p20"/>
             <p:cNvSpPr/>
             <p:nvPr/>
           </p:nvSpPr>
@@ -30881,7 +30688,7 @@
         </p:sp>
         <p:sp>
           <p:nvSpPr>
-            <p:cNvPr id="630" name="Google Shape;630;p21"/>
+            <p:cNvPr id="624" name="Google Shape;624;p20"/>
             <p:cNvSpPr/>
             <p:nvPr/>
           </p:nvSpPr>
@@ -30932,10 +30739,10 @@
       </p:grpSp>
       <p:cxnSp>
         <p:nvCxnSpPr>
-          <p:cNvPr id="631" name="Google Shape;631;p21"/>
+          <p:cNvPr id="625" name="Google Shape;625;p20"/>
           <p:cNvCxnSpPr>
-            <a:stCxn id="578" idx="2"/>
-            <a:endCxn id="627" idx="0"/>
+            <a:stCxn id="572" idx="2"/>
+            <a:endCxn id="621" idx="0"/>
           </p:cNvCxnSpPr>
           <p:nvPr/>
         </p:nvCxnSpPr>
@@ -30961,10 +30768,10 @@
       </p:cxnSp>
       <p:cxnSp>
         <p:nvCxnSpPr>
-          <p:cNvPr id="632" name="Google Shape;632;p21"/>
+          <p:cNvPr id="626" name="Google Shape;626;p20"/>
           <p:cNvCxnSpPr>
-            <a:stCxn id="581" idx="2"/>
-            <a:endCxn id="630" idx="0"/>
+            <a:stCxn id="575" idx="2"/>
+            <a:endCxn id="624" idx="0"/>
           </p:cNvCxnSpPr>
           <p:nvPr/>
         </p:nvCxnSpPr>
@@ -30990,10 +30797,10 @@
       </p:cxnSp>
       <p:cxnSp>
         <p:nvCxnSpPr>
-          <p:cNvPr id="633" name="Google Shape;633;p21"/>
+          <p:cNvPr id="627" name="Google Shape;627;p20"/>
           <p:cNvCxnSpPr>
-            <a:stCxn id="580" idx="2"/>
-            <a:endCxn id="629" idx="0"/>
+            <a:stCxn id="574" idx="2"/>
+            <a:endCxn id="623" idx="0"/>
           </p:cNvCxnSpPr>
           <p:nvPr/>
         </p:nvCxnSpPr>
@@ -31019,10 +30826,10 @@
       </p:cxnSp>
       <p:cxnSp>
         <p:nvCxnSpPr>
-          <p:cNvPr id="634" name="Google Shape;634;p21"/>
+          <p:cNvPr id="628" name="Google Shape;628;p20"/>
           <p:cNvCxnSpPr>
-            <a:stCxn id="579" idx="2"/>
-            <a:endCxn id="628" idx="0"/>
+            <a:stCxn id="573" idx="2"/>
+            <a:endCxn id="622" idx="0"/>
           </p:cNvCxnSpPr>
           <p:nvPr/>
         </p:nvCxnSpPr>
@@ -31048,7 +30855,7 @@
       </p:cxnSp>
       <p:sp>
         <p:nvSpPr>
-          <p:cNvPr id="635" name="Google Shape;635;p21"/>
+          <p:cNvPr id="629" name="Google Shape;629;p20"/>
           <p:cNvSpPr txBox="1"/>
           <p:nvPr/>
         </p:nvSpPr>
@@ -31094,7 +30901,7 @@
       </p:sp>
       <p:grpSp>
         <p:nvGrpSpPr>
-          <p:cNvPr id="636" name="Google Shape;636;p21"/>
+          <p:cNvPr id="630" name="Google Shape;630;p20"/>
           <p:cNvGrpSpPr/>
           <p:nvPr/>
         </p:nvGrpSpPr>
@@ -31108,7 +30915,7 @@
         </p:grpSpPr>
         <p:sp>
           <p:nvSpPr>
-            <p:cNvPr id="637" name="Google Shape;637;p21"/>
+            <p:cNvPr id="631" name="Google Shape;631;p20"/>
             <p:cNvSpPr/>
             <p:nvPr/>
           </p:nvSpPr>
@@ -31158,7 +30965,7 @@
         </p:sp>
         <p:sp>
           <p:nvSpPr>
-            <p:cNvPr id="638" name="Google Shape;638;p21"/>
+            <p:cNvPr id="632" name="Google Shape;632;p20"/>
             <p:cNvSpPr/>
             <p:nvPr/>
           </p:nvSpPr>
@@ -31208,7 +31015,7 @@
         </p:sp>
         <p:sp>
           <p:nvSpPr>
-            <p:cNvPr id="639" name="Google Shape;639;p21"/>
+            <p:cNvPr id="633" name="Google Shape;633;p20"/>
             <p:cNvSpPr/>
             <p:nvPr/>
           </p:nvSpPr>
@@ -31258,7 +31065,7 @@
         </p:sp>
         <p:sp>
           <p:nvSpPr>
-            <p:cNvPr id="640" name="Google Shape;640;p21"/>
+            <p:cNvPr id="634" name="Google Shape;634;p20"/>
             <p:cNvSpPr/>
             <p:nvPr/>
           </p:nvSpPr>
@@ -31309,7 +31116,7 @@
       </p:grpSp>
       <p:grpSp>
         <p:nvGrpSpPr>
-          <p:cNvPr id="641" name="Google Shape;641;p21"/>
+          <p:cNvPr id="635" name="Google Shape;635;p20"/>
           <p:cNvGrpSpPr/>
           <p:nvPr/>
         </p:nvGrpSpPr>
@@ -31323,7 +31130,7 @@
         </p:grpSpPr>
         <p:sp>
           <p:nvSpPr>
-            <p:cNvPr id="642" name="Google Shape;642;p21"/>
+            <p:cNvPr id="636" name="Google Shape;636;p20"/>
             <p:cNvSpPr/>
             <p:nvPr/>
           </p:nvSpPr>
@@ -31373,7 +31180,7 @@
         </p:sp>
         <p:sp>
           <p:nvSpPr>
-            <p:cNvPr id="643" name="Google Shape;643;p21"/>
+            <p:cNvPr id="637" name="Google Shape;637;p20"/>
             <p:cNvSpPr/>
             <p:nvPr/>
           </p:nvSpPr>
@@ -31423,7 +31230,7 @@
         </p:sp>
         <p:sp>
           <p:nvSpPr>
-            <p:cNvPr id="644" name="Google Shape;644;p21"/>
+            <p:cNvPr id="638" name="Google Shape;638;p20"/>
             <p:cNvSpPr/>
             <p:nvPr/>
           </p:nvSpPr>
@@ -31473,7 +31280,7 @@
         </p:sp>
         <p:sp>
           <p:nvSpPr>
-            <p:cNvPr id="645" name="Google Shape;645;p21"/>
+            <p:cNvPr id="639" name="Google Shape;639;p20"/>
             <p:cNvSpPr/>
             <p:nvPr/>
           </p:nvSpPr>
@@ -31524,7 +31331,7 @@
       </p:grpSp>
       <p:grpSp>
         <p:nvGrpSpPr>
-          <p:cNvPr id="646" name="Google Shape;646;p21"/>
+          <p:cNvPr id="640" name="Google Shape;640;p20"/>
           <p:cNvGrpSpPr/>
           <p:nvPr/>
         </p:nvGrpSpPr>
@@ -31538,7 +31345,7 @@
         </p:grpSpPr>
         <p:sp>
           <p:nvSpPr>
-            <p:cNvPr id="647" name="Google Shape;647;p21"/>
+            <p:cNvPr id="641" name="Google Shape;641;p20"/>
             <p:cNvSpPr/>
             <p:nvPr/>
           </p:nvSpPr>
@@ -31588,7 +31395,7 @@
         </p:sp>
         <p:sp>
           <p:nvSpPr>
-            <p:cNvPr id="648" name="Google Shape;648;p21"/>
+            <p:cNvPr id="642" name="Google Shape;642;p20"/>
             <p:cNvSpPr/>
             <p:nvPr/>
           </p:nvSpPr>
@@ -31638,7 +31445,7 @@
         </p:sp>
         <p:sp>
           <p:nvSpPr>
-            <p:cNvPr id="649" name="Google Shape;649;p21"/>
+            <p:cNvPr id="643" name="Google Shape;643;p20"/>
             <p:cNvSpPr/>
             <p:nvPr/>
           </p:nvSpPr>
@@ -31688,7 +31495,7 @@
         </p:sp>
         <p:sp>
           <p:nvSpPr>
-            <p:cNvPr id="650" name="Google Shape;650;p21"/>
+            <p:cNvPr id="644" name="Google Shape;644;p20"/>
             <p:cNvSpPr/>
             <p:nvPr/>
           </p:nvSpPr>
@@ -31739,7 +31546,7 @@
       </p:grpSp>
       <p:sp>
         <p:nvSpPr>
-          <p:cNvPr id="651" name="Google Shape;651;p21"/>
+          <p:cNvPr id="645" name="Google Shape;645;p20"/>
           <p:cNvSpPr txBox="1"/>
           <p:nvPr/>
         </p:nvSpPr>
@@ -31787,10 +31594,10 @@
       </p:sp>
       <p:cxnSp>
         <p:nvCxnSpPr>
-          <p:cNvPr id="652" name="Google Shape;652;p21"/>
+          <p:cNvPr id="646" name="Google Shape;646;p20"/>
           <p:cNvCxnSpPr>
-            <a:stCxn id="651" idx="3"/>
-            <a:endCxn id="624" idx="3"/>
+            <a:stCxn id="645" idx="3"/>
+            <a:endCxn id="618" idx="3"/>
           </p:cNvCxnSpPr>
           <p:nvPr/>
         </p:nvCxnSpPr>
@@ -31818,10 +31625,10 @@
       </p:cxnSp>
       <p:cxnSp>
         <p:nvCxnSpPr>
-          <p:cNvPr id="653" name="Google Shape;653;p21"/>
+          <p:cNvPr id="647" name="Google Shape;647;p20"/>
           <p:cNvCxnSpPr>
-            <a:stCxn id="586" idx="2"/>
-            <a:endCxn id="640" idx="0"/>
+            <a:stCxn id="580" idx="2"/>
+            <a:endCxn id="634" idx="0"/>
           </p:cNvCxnSpPr>
           <p:nvPr/>
         </p:nvCxnSpPr>
@@ -31847,10 +31654,10 @@
       </p:cxnSp>
       <p:cxnSp>
         <p:nvCxnSpPr>
-          <p:cNvPr id="654" name="Google Shape;654;p21"/>
+          <p:cNvPr id="648" name="Google Shape;648;p20"/>
           <p:cNvCxnSpPr>
-            <a:stCxn id="585" idx="2"/>
-            <a:endCxn id="639" idx="0"/>
+            <a:stCxn id="579" idx="2"/>
+            <a:endCxn id="633" idx="0"/>
           </p:cNvCxnSpPr>
           <p:nvPr/>
         </p:nvCxnSpPr>
@@ -31876,10 +31683,10 @@
       </p:cxnSp>
       <p:cxnSp>
         <p:nvCxnSpPr>
-          <p:cNvPr id="655" name="Google Shape;655;p21"/>
+          <p:cNvPr id="649" name="Google Shape;649;p20"/>
           <p:cNvCxnSpPr>
-            <a:stCxn id="584" idx="2"/>
-            <a:endCxn id="638" idx="0"/>
+            <a:stCxn id="578" idx="2"/>
+            <a:endCxn id="632" idx="0"/>
           </p:cNvCxnSpPr>
           <p:nvPr/>
         </p:nvCxnSpPr>
@@ -31905,10 +31712,10 @@
       </p:cxnSp>
       <p:cxnSp>
         <p:nvCxnSpPr>
-          <p:cNvPr id="656" name="Google Shape;656;p21"/>
+          <p:cNvPr id="650" name="Google Shape;650;p20"/>
           <p:cNvCxnSpPr>
-            <a:stCxn id="583" idx="2"/>
-            <a:endCxn id="637" idx="0"/>
+            <a:stCxn id="577" idx="2"/>
+            <a:endCxn id="631" idx="0"/>
           </p:cNvCxnSpPr>
           <p:nvPr/>
         </p:nvCxnSpPr>
@@ -31934,7 +31741,7 @@
       </p:cxnSp>
       <p:sp>
         <p:nvSpPr>
-          <p:cNvPr id="657" name="Google Shape;657;p21"/>
+          <p:cNvPr id="651" name="Google Shape;651;p20"/>
           <p:cNvSpPr/>
           <p:nvPr/>
         </p:nvSpPr>
@@ -31984,10 +31791,10 @@
       </p:sp>
       <p:cxnSp>
         <p:nvCxnSpPr>
-          <p:cNvPr id="658" name="Google Shape;658;p21"/>
+          <p:cNvPr id="652" name="Google Shape;652;p20"/>
           <p:cNvCxnSpPr>
-            <a:stCxn id="657" idx="3"/>
-            <a:endCxn id="647" idx="1"/>
+            <a:stCxn id="651" idx="3"/>
+            <a:endCxn id="641" idx="1"/>
           </p:cNvCxnSpPr>
           <p:nvPr/>
         </p:nvCxnSpPr>
@@ -32020,6 +31827,285 @@
 </file>
 
 <file path=ppt/theme/theme1.xml><?xml version="1.0" encoding="utf-8"?>
+<a:theme xmlns:a="http://schemas.openxmlformats.org/drawingml/2006/main" xmlns:r="http://schemas.openxmlformats.org/officeDocument/2006/relationships" name="Simple Light">
+  <a:themeElements>
+    <a:clrScheme name="Simple Light">
+      <a:dk1>
+        <a:srgbClr val="000000"/>
+      </a:dk1>
+      <a:lt1>
+        <a:srgbClr val="FFFFFF"/>
+      </a:lt1>
+      <a:dk2>
+        <a:srgbClr val="595959"/>
+      </a:dk2>
+      <a:lt2>
+        <a:srgbClr val="EEEEEE"/>
+      </a:lt2>
+      <a:accent1>
+        <a:srgbClr val="4285F4"/>
+      </a:accent1>
+      <a:accent2>
+        <a:srgbClr val="212121"/>
+      </a:accent2>
+      <a:accent3>
+        <a:srgbClr val="78909C"/>
+      </a:accent3>
+      <a:accent4>
+        <a:srgbClr val="FFAB40"/>
+      </a:accent4>
+      <a:accent5>
+        <a:srgbClr val="0097A7"/>
+      </a:accent5>
+      <a:accent6>
+        <a:srgbClr val="EEFF41"/>
+      </a:accent6>
+      <a:hlink>
+        <a:srgbClr val="0097A7"/>
+      </a:hlink>
+      <a:folHlink>
+        <a:srgbClr val="0097A7"/>
+      </a:folHlink>
+    </a:clrScheme>
+    <a:fontScheme name="Office">
+      <a:majorFont>
+        <a:latin typeface="Arial"/>
+        <a:ea typeface=""/>
+        <a:cs typeface=""/>
+        <a:font script="Jpan" typeface="ＭＳ Ｐゴシック"/>
+        <a:font script="Hang" typeface="맑은 고딕"/>
+        <a:font script="Hans" typeface="宋体"/>
+        <a:font script="Hant" typeface="新細明體"/>
+        <a:font script="Arab" typeface="Times New Roman"/>
+        <a:font script="Hebr" typeface="Times New Roman"/>
+        <a:font script="Thai" typeface="Angsana New"/>
+        <a:font script="Ethi" typeface="Nyala"/>
+        <a:font script="Beng" typeface="Vrinda"/>
+        <a:font script="Gujr" typeface="Shruti"/>
+        <a:font script="Khmr" typeface="MoolBoran"/>
+        <a:font script="Knda" typeface="Tunga"/>
+        <a:font script="Guru" typeface="Raavi"/>
+        <a:font script="Cans" typeface="Euphemia"/>
+        <a:font script="Cher" typeface="Plantagenet Cherokee"/>
+        <a:font script="Yiii" typeface="Microsoft Yi Baiti"/>
+        <a:font script="Tibt" typeface="Microsoft Himalaya"/>
+        <a:font script="Thaa" typeface="MV Boli"/>
+        <a:font script="Deva" typeface="Mangal"/>
+        <a:font script="Telu" typeface="Gautami"/>
+        <a:font script="Taml" typeface="Latha"/>
+        <a:font script="Syrc" typeface="Estrangelo Edessa"/>
+        <a:font script="Orya" typeface="Kalinga"/>
+        <a:font script="Mlym" typeface="Kartika"/>
+        <a:font script="Laoo" typeface="DokChampa"/>
+        <a:font script="Sinh" typeface="Iskoola Pota"/>
+        <a:font script="Mong" typeface="Mongolian Baiti"/>
+        <a:font script="Viet" typeface="Times New Roman"/>
+        <a:font script="Uigh" typeface="Microsoft Uighur"/>
+        <a:font script="Geor" typeface="Sylfaen"/>
+      </a:majorFont>
+      <a:minorFont>
+        <a:latin typeface="Arial"/>
+        <a:ea typeface=""/>
+        <a:cs typeface=""/>
+        <a:font script="Jpan" typeface="ＭＳ Ｐゴシック"/>
+        <a:font script="Hang" typeface="맑은 고딕"/>
+        <a:font script="Hans" typeface="宋体"/>
+        <a:font script="Hant" typeface="新細明體"/>
+        <a:font script="Arab" typeface="Arial"/>
+        <a:font script="Hebr" typeface="Arial"/>
+        <a:font script="Thai" typeface="Cordia New"/>
+        <a:font script="Ethi" typeface="Nyala"/>
+        <a:font script="Beng" typeface="Vrinda"/>
+        <a:font script="Gujr" typeface="Shruti"/>
+        <a:font script="Khmr" typeface="DaunPenh"/>
+        <a:font script="Knda" typeface="Tunga"/>
+        <a:font script="Guru" typeface="Raavi"/>
+        <a:font script="Cans" typeface="Euphemia"/>
+        <a:font script="Cher" typeface="Plantagenet Cherokee"/>
+        <a:font script="Yiii" typeface="Microsoft Yi Baiti"/>
+        <a:font script="Tibt" typeface="Microsoft Himalaya"/>
+        <a:font script="Thaa" typeface="MV Boli"/>
+        <a:font script="Deva" typeface="Mangal"/>
+        <a:font script="Telu" typeface="Gautami"/>
+        <a:font script="Taml" typeface="Latha"/>
+        <a:font script="Syrc" typeface="Estrangelo Edessa"/>
+        <a:font script="Orya" typeface="Kalinga"/>
+        <a:font script="Mlym" typeface="Kartika"/>
+        <a:font script="Laoo" typeface="DokChampa"/>
+        <a:font script="Sinh" typeface="Iskoola Pota"/>
+        <a:font script="Mong" typeface="Mongolian Baiti"/>
+        <a:font script="Viet" typeface="Arial"/>
+        <a:font script="Uigh" typeface="Microsoft Uighur"/>
+        <a:font script="Geor" typeface="Sylfaen"/>
+      </a:minorFont>
+    </a:fontScheme>
+    <a:fmtScheme name="Office">
+      <a:fillStyleLst>
+        <a:solidFill>
+          <a:schemeClr val="phClr"/>
+        </a:solidFill>
+        <a:gradFill rotWithShape="1">
+          <a:gsLst>
+            <a:gs pos="0">
+              <a:schemeClr val="phClr">
+                <a:tint val="50000"/>
+                <a:satMod val="300000"/>
+              </a:schemeClr>
+            </a:gs>
+            <a:gs pos="35000">
+              <a:schemeClr val="phClr">
+                <a:tint val="37000"/>
+                <a:satMod val="300000"/>
+              </a:schemeClr>
+            </a:gs>
+            <a:gs pos="100000">
+              <a:schemeClr val="phClr">
+                <a:tint val="15000"/>
+                <a:satMod val="350000"/>
+              </a:schemeClr>
+            </a:gs>
+          </a:gsLst>
+          <a:lin ang="16200000" scaled="1"/>
+        </a:gradFill>
+        <a:gradFill rotWithShape="1">
+          <a:gsLst>
+            <a:gs pos="0">
+              <a:schemeClr val="phClr">
+                <a:tint val="100000"/>
+                <a:shade val="100000"/>
+                <a:satMod val="130000"/>
+              </a:schemeClr>
+            </a:gs>
+            <a:gs pos="100000">
+              <a:schemeClr val="phClr">
+                <a:tint val="50000"/>
+                <a:shade val="100000"/>
+                <a:satMod val="350000"/>
+              </a:schemeClr>
+            </a:gs>
+          </a:gsLst>
+          <a:lin ang="16200000" scaled="0"/>
+        </a:gradFill>
+      </a:fillStyleLst>
+      <a:lnStyleLst>
+        <a:ln w="9525" cap="flat" cmpd="sng" algn="ctr">
+          <a:solidFill>
+            <a:schemeClr val="phClr">
+              <a:shade val="95000"/>
+              <a:satMod val="105000"/>
+            </a:schemeClr>
+          </a:solidFill>
+          <a:prstDash val="solid"/>
+        </a:ln>
+        <a:ln w="25400" cap="flat" cmpd="sng" algn="ctr">
+          <a:solidFill>
+            <a:schemeClr val="phClr"/>
+          </a:solidFill>
+          <a:prstDash val="solid"/>
+        </a:ln>
+        <a:ln w="38100" cap="flat" cmpd="sng" algn="ctr">
+          <a:solidFill>
+            <a:schemeClr val="phClr"/>
+          </a:solidFill>
+          <a:prstDash val="solid"/>
+        </a:ln>
+      </a:lnStyleLst>
+      <a:effectStyleLst>
+        <a:effectStyle>
+          <a:effectLst>
+            <a:outerShdw blurRad="40000" dist="20000" dir="5400000" rotWithShape="0">
+              <a:srgbClr val="000000">
+                <a:alpha val="38000"/>
+              </a:srgbClr>
+            </a:outerShdw>
+          </a:effectLst>
+        </a:effectStyle>
+        <a:effectStyle>
+          <a:effectLst>
+            <a:outerShdw blurRad="40000" dist="23000" dir="5400000" rotWithShape="0">
+              <a:srgbClr val="000000">
+                <a:alpha val="35000"/>
+              </a:srgbClr>
+            </a:outerShdw>
+          </a:effectLst>
+        </a:effectStyle>
+        <a:effectStyle>
+          <a:effectLst>
+            <a:outerShdw blurRad="40000" dist="23000" dir="5400000" rotWithShape="0">
+              <a:srgbClr val="000000">
+                <a:alpha val="35000"/>
+              </a:srgbClr>
+            </a:outerShdw>
+          </a:effectLst>
+          <a:scene3d>
+            <a:camera prst="orthographicFront">
+              <a:rot lat="0" lon="0" rev="0"/>
+            </a:camera>
+            <a:lightRig rig="threePt" dir="t">
+              <a:rot lat="0" lon="0" rev="1200000"/>
+            </a:lightRig>
+          </a:scene3d>
+          <a:sp3d>
+            <a:bevelT w="63500" h="25400"/>
+          </a:sp3d>
+        </a:effectStyle>
+      </a:effectStyleLst>
+      <a:bgFillStyleLst>
+        <a:solidFill>
+          <a:schemeClr val="phClr"/>
+        </a:solidFill>
+        <a:gradFill rotWithShape="1">
+          <a:gsLst>
+            <a:gs pos="0">
+              <a:schemeClr val="phClr">
+                <a:tint val="40000"/>
+                <a:satMod val="350000"/>
+              </a:schemeClr>
+            </a:gs>
+            <a:gs pos="40000">
+              <a:schemeClr val="phClr">
+                <a:tint val="45000"/>
+                <a:shade val="99000"/>
+                <a:satMod val="350000"/>
+              </a:schemeClr>
+            </a:gs>
+            <a:gs pos="100000">
+              <a:schemeClr val="phClr">
+                <a:shade val="20000"/>
+                <a:satMod val="255000"/>
+              </a:schemeClr>
+            </a:gs>
+          </a:gsLst>
+          <a:path path="circle">
+            <a:fillToRect l="50000" t="-80000" r="50000" b="180000"/>
+          </a:path>
+        </a:gradFill>
+        <a:gradFill rotWithShape="1">
+          <a:gsLst>
+            <a:gs pos="0">
+              <a:schemeClr val="phClr">
+                <a:tint val="80000"/>
+                <a:satMod val="300000"/>
+              </a:schemeClr>
+            </a:gs>
+            <a:gs pos="100000">
+              <a:schemeClr val="phClr">
+                <a:shade val="30000"/>
+                <a:satMod val="200000"/>
+              </a:schemeClr>
+            </a:gs>
+          </a:gsLst>
+          <a:path path="circle">
+            <a:fillToRect l="50000" t="50000" r="50000" b="50000"/>
+          </a:path>
+        </a:gradFill>
+      </a:bgFillStyleLst>
+    </a:fmtScheme>
+  </a:themeElements>
+</a:theme>
+</file>
+
+<file path=ppt/theme/theme2.xml><?xml version="1.0" encoding="utf-8"?>
 <a:theme xmlns:a="http://schemas.openxmlformats.org/drawingml/2006/main" xmlns:r="http://schemas.openxmlformats.org/officeDocument/2006/relationships">
   <a:themeElements>
     <a:clrScheme name="Default">
@@ -32296,283 +32382,4 @@
     </a:fmtScheme>
   </a:themeElements>
 </a:theme>
-</file>
-
-<file path=ppt/theme/theme2.xml><?xml version="1.0" encoding="utf-8"?>
-<a:theme xmlns:a="http://schemas.openxmlformats.org/drawingml/2006/main" xmlns:r="http://schemas.openxmlformats.org/officeDocument/2006/relationships" name="Simple Light">
-  <a:themeElements>
-    <a:clrScheme name="Simple Light">
-      <a:dk1>
-        <a:srgbClr val="000000"/>
-      </a:dk1>
-      <a:lt1>
-        <a:srgbClr val="FFFFFF"/>
-      </a:lt1>
-      <a:dk2>
-        <a:srgbClr val="595959"/>
-      </a:dk2>
-      <a:lt2>
-        <a:srgbClr val="EEEEEE"/>
-      </a:lt2>
-      <a:accent1>
-        <a:srgbClr val="4285F4"/>
-      </a:accent1>
-      <a:accent2>
-        <a:srgbClr val="212121"/>
-      </a:accent2>
-      <a:accent3>
-        <a:srgbClr val="78909C"/>
-      </a:accent3>
-      <a:accent4>
-        <a:srgbClr val="FFAB40"/>
-      </a:accent4>
-      <a:accent5>
-        <a:srgbClr val="0097A7"/>
-      </a:accent5>
-      <a:accent6>
-        <a:srgbClr val="EEFF41"/>
-      </a:accent6>
-      <a:hlink>
-        <a:srgbClr val="0097A7"/>
-      </a:hlink>
-      <a:folHlink>
-        <a:srgbClr val="0097A7"/>
-      </a:folHlink>
-    </a:clrScheme>
-    <a:fontScheme name="Office">
-      <a:majorFont>
-        <a:latin typeface="Arial"/>
-        <a:ea typeface=""/>
-        <a:cs typeface=""/>
-        <a:font script="Jpan" typeface="ＭＳ Ｐゴシック"/>
-        <a:font script="Hang" typeface="맑은 고딕"/>
-        <a:font script="Hans" typeface="宋体"/>
-        <a:font script="Hant" typeface="新細明體"/>
-        <a:font script="Arab" typeface="Times New Roman"/>
-        <a:font script="Hebr" typeface="Times New Roman"/>
-        <a:font script="Thai" typeface="Angsana New"/>
-        <a:font script="Ethi" typeface="Nyala"/>
-        <a:font script="Beng" typeface="Vrinda"/>
-        <a:font script="Gujr" typeface="Shruti"/>
-        <a:font script="Khmr" typeface="MoolBoran"/>
-        <a:font script="Knda" typeface="Tunga"/>
-        <a:font script="Guru" typeface="Raavi"/>
-        <a:font script="Cans" typeface="Euphemia"/>
-        <a:font script="Cher" typeface="Plantagenet Cherokee"/>
-        <a:font script="Yiii" typeface="Microsoft Yi Baiti"/>
-        <a:font script="Tibt" typeface="Microsoft Himalaya"/>
-        <a:font script="Thaa" typeface="MV Boli"/>
-        <a:font script="Deva" typeface="Mangal"/>
-        <a:font script="Telu" typeface="Gautami"/>
-        <a:font script="Taml" typeface="Latha"/>
-        <a:font script="Syrc" typeface="Estrangelo Edessa"/>
-        <a:font script="Orya" typeface="Kalinga"/>
-        <a:font script="Mlym" typeface="Kartika"/>
-        <a:font script="Laoo" typeface="DokChampa"/>
-        <a:font script="Sinh" typeface="Iskoola Pota"/>
-        <a:font script="Mong" typeface="Mongolian Baiti"/>
-        <a:font script="Viet" typeface="Times New Roman"/>
-        <a:font script="Uigh" typeface="Microsoft Uighur"/>
-        <a:font script="Geor" typeface="Sylfaen"/>
-      </a:majorFont>
-      <a:minorFont>
-        <a:latin typeface="Arial"/>
-        <a:ea typeface=""/>
-        <a:cs typeface=""/>
-        <a:font script="Jpan" typeface="ＭＳ Ｐゴシック"/>
-        <a:font script="Hang" typeface="맑은 고딕"/>
-        <a:font script="Hans" typeface="宋体"/>
-        <a:font script="Hant" typeface="新細明體"/>
-        <a:font script="Arab" typeface="Arial"/>
-        <a:font script="Hebr" typeface="Arial"/>
-        <a:font script="Thai" typeface="Cordia New"/>
-        <a:font script="Ethi" typeface="Nyala"/>
-        <a:font script="Beng" typeface="Vrinda"/>
-        <a:font script="Gujr" typeface="Shruti"/>
-        <a:font script="Khmr" typeface="DaunPenh"/>
-        <a:font script="Knda" typeface="Tunga"/>
-        <a:font script="Guru" typeface="Raavi"/>
-        <a:font script="Cans" typeface="Euphemia"/>
-        <a:font script="Cher" typeface="Plantagenet Cherokee"/>
-        <a:font script="Yiii" typeface="Microsoft Yi Baiti"/>
-        <a:font script="Tibt" typeface="Microsoft Himalaya"/>
-        <a:font script="Thaa" typeface="MV Boli"/>
-        <a:font script="Deva" typeface="Mangal"/>
-        <a:font script="Telu" typeface="Gautami"/>
-        <a:font script="Taml" typeface="Latha"/>
-        <a:font script="Syrc" typeface="Estrangelo Edessa"/>
-        <a:font script="Orya" typeface="Kalinga"/>
-        <a:font script="Mlym" typeface="Kartika"/>
-        <a:font script="Laoo" typeface="DokChampa"/>
-        <a:font script="Sinh" typeface="Iskoola Pota"/>
-        <a:font script="Mong" typeface="Mongolian Baiti"/>
-        <a:font script="Viet" typeface="Arial"/>
-        <a:font script="Uigh" typeface="Microsoft Uighur"/>
-        <a:font script="Geor" typeface="Sylfaen"/>
-      </a:minorFont>
-    </a:fontScheme>
-    <a:fmtScheme name="Office">
-      <a:fillStyleLst>
-        <a:solidFill>
-          <a:schemeClr val="phClr"/>
-        </a:solidFill>
-        <a:gradFill rotWithShape="1">
-          <a:gsLst>
-            <a:gs pos="0">
-              <a:schemeClr val="phClr">
-                <a:tint val="50000"/>
-                <a:satMod val="300000"/>
-              </a:schemeClr>
-            </a:gs>
-            <a:gs pos="35000">
-              <a:schemeClr val="phClr">
-                <a:tint val="37000"/>
-                <a:satMod val="300000"/>
-              </a:schemeClr>
-            </a:gs>
-            <a:gs pos="100000">
-              <a:schemeClr val="phClr">
-                <a:tint val="15000"/>
-                <a:satMod val="350000"/>
-              </a:schemeClr>
-            </a:gs>
-          </a:gsLst>
-          <a:lin ang="16200000" scaled="1"/>
-        </a:gradFill>
-        <a:gradFill rotWithShape="1">
-          <a:gsLst>
-            <a:gs pos="0">
-              <a:schemeClr val="phClr">
-                <a:tint val="100000"/>
-                <a:shade val="100000"/>
-                <a:satMod val="130000"/>
-              </a:schemeClr>
-            </a:gs>
-            <a:gs pos="100000">
-              <a:schemeClr val="phClr">
-                <a:tint val="50000"/>
-                <a:shade val="100000"/>
-                <a:satMod val="350000"/>
-              </a:schemeClr>
-            </a:gs>
-          </a:gsLst>
-          <a:lin ang="16200000" scaled="0"/>
-        </a:gradFill>
-      </a:fillStyleLst>
-      <a:lnStyleLst>
-        <a:ln w="9525" cap="flat" cmpd="sng" algn="ctr">
-          <a:solidFill>
-            <a:schemeClr val="phClr">
-              <a:shade val="95000"/>
-              <a:satMod val="105000"/>
-            </a:schemeClr>
-          </a:solidFill>
-          <a:prstDash val="solid"/>
-        </a:ln>
-        <a:ln w="25400" cap="flat" cmpd="sng" algn="ctr">
-          <a:solidFill>
-            <a:schemeClr val="phClr"/>
-          </a:solidFill>
-          <a:prstDash val="solid"/>
-        </a:ln>
-        <a:ln w="38100" cap="flat" cmpd="sng" algn="ctr">
-          <a:solidFill>
-            <a:schemeClr val="phClr"/>
-          </a:solidFill>
-          <a:prstDash val="solid"/>
-        </a:ln>
-      </a:lnStyleLst>
-      <a:effectStyleLst>
-        <a:effectStyle>
-          <a:effectLst>
-            <a:outerShdw blurRad="40000" dist="20000" dir="5400000" rotWithShape="0">
-              <a:srgbClr val="000000">
-                <a:alpha val="38000"/>
-              </a:srgbClr>
-            </a:outerShdw>
-          </a:effectLst>
-        </a:effectStyle>
-        <a:effectStyle>
-          <a:effectLst>
-            <a:outerShdw blurRad="40000" dist="23000" dir="5400000" rotWithShape="0">
-              <a:srgbClr val="000000">
-                <a:alpha val="35000"/>
-              </a:srgbClr>
-            </a:outerShdw>
-          </a:effectLst>
-        </a:effectStyle>
-        <a:effectStyle>
-          <a:effectLst>
-            <a:outerShdw blurRad="40000" dist="23000" dir="5400000" rotWithShape="0">
-              <a:srgbClr val="000000">
-                <a:alpha val="35000"/>
-              </a:srgbClr>
-            </a:outerShdw>
-          </a:effectLst>
-          <a:scene3d>
-            <a:camera prst="orthographicFront">
-              <a:rot lat="0" lon="0" rev="0"/>
-            </a:camera>
-            <a:lightRig rig="threePt" dir="t">
-              <a:rot lat="0" lon="0" rev="1200000"/>
-            </a:lightRig>
-          </a:scene3d>
-          <a:sp3d>
-            <a:bevelT w="63500" h="25400"/>
-          </a:sp3d>
-        </a:effectStyle>
-      </a:effectStyleLst>
-      <a:bgFillStyleLst>
-        <a:solidFill>
-          <a:schemeClr val="phClr"/>
-        </a:solidFill>
-        <a:gradFill rotWithShape="1">
-          <a:gsLst>
-            <a:gs pos="0">
-              <a:schemeClr val="phClr">
-                <a:tint val="40000"/>
-                <a:satMod val="350000"/>
-              </a:schemeClr>
-            </a:gs>
-            <a:gs pos="40000">
-              <a:schemeClr val="phClr">
-                <a:tint val="45000"/>
-                <a:shade val="99000"/>
-                <a:satMod val="350000"/>
-              </a:schemeClr>
-            </a:gs>
-            <a:gs pos="100000">
-              <a:schemeClr val="phClr">
-                <a:shade val="20000"/>
-                <a:satMod val="255000"/>
-              </a:schemeClr>
-            </a:gs>
-          </a:gsLst>
-          <a:path path="circle">
-            <a:fillToRect l="50000" t="-80000" r="50000" b="180000"/>
-          </a:path>
-        </a:gradFill>
-        <a:gradFill rotWithShape="1">
-          <a:gsLst>
-            <a:gs pos="0">
-              <a:schemeClr val="phClr">
-                <a:tint val="80000"/>
-                <a:satMod val="300000"/>
-              </a:schemeClr>
-            </a:gs>
-            <a:gs pos="100000">
-              <a:schemeClr val="phClr">
-                <a:shade val="30000"/>
-                <a:satMod val="200000"/>
-              </a:schemeClr>
-            </a:gs>
-          </a:gsLst>
-          <a:path path="circle">
-            <a:fillToRect l="50000" t="50000" r="50000" b="50000"/>
-          </a:path>
-        </a:gradFill>
-      </a:bgFillStyleLst>
-    </a:fmtScheme>
-  </a:themeElements>
-</a:theme>
 </file>